--- a/lessons/class2/Class2E_wordclouds.pptx
+++ b/lessons/class2/Class2E_wordclouds.pptx
@@ -5,7 +5,7 @@
     <p:sldMasterId id="2147483660" r:id="rId1"/>
   </p:sldMasterIdLst>
   <p:notesMasterIdLst>
-    <p:notesMasterId r:id="rId36"/>
+    <p:notesMasterId r:id="rId31"/>
   </p:notesMasterIdLst>
   <p:sldIdLst>
     <p:sldId id="778" r:id="rId2"/>
@@ -19,29 +19,24 @@
     <p:sldId id="800" r:id="rId10"/>
     <p:sldId id="801" r:id="rId11"/>
     <p:sldId id="802" r:id="rId12"/>
-    <p:sldId id="803" r:id="rId13"/>
-    <p:sldId id="783" r:id="rId14"/>
-    <p:sldId id="784" r:id="rId15"/>
-    <p:sldId id="786" r:id="rId16"/>
-    <p:sldId id="787" r:id="rId17"/>
-    <p:sldId id="809" r:id="rId18"/>
-    <p:sldId id="811" r:id="rId19"/>
-    <p:sldId id="810" r:id="rId20"/>
-    <p:sldId id="812" r:id="rId21"/>
-    <p:sldId id="788" r:id="rId22"/>
-    <p:sldId id="813" r:id="rId23"/>
-    <p:sldId id="789" r:id="rId24"/>
-    <p:sldId id="733" r:id="rId25"/>
-    <p:sldId id="790" r:id="rId26"/>
-    <p:sldId id="792" r:id="rId27"/>
-    <p:sldId id="793" r:id="rId28"/>
-    <p:sldId id="794" r:id="rId29"/>
-    <p:sldId id="797" r:id="rId30"/>
-    <p:sldId id="796" r:id="rId31"/>
-    <p:sldId id="795" r:id="rId32"/>
-    <p:sldId id="798" r:id="rId33"/>
-    <p:sldId id="808" r:id="rId34"/>
-    <p:sldId id="791" r:id="rId35"/>
+    <p:sldId id="783" r:id="rId13"/>
+    <p:sldId id="784" r:id="rId14"/>
+    <p:sldId id="786" r:id="rId15"/>
+    <p:sldId id="811" r:id="rId16"/>
+    <p:sldId id="814" r:id="rId17"/>
+    <p:sldId id="788" r:id="rId18"/>
+    <p:sldId id="813" r:id="rId19"/>
+    <p:sldId id="789" r:id="rId20"/>
+    <p:sldId id="790" r:id="rId21"/>
+    <p:sldId id="733" r:id="rId22"/>
+    <p:sldId id="792" r:id="rId23"/>
+    <p:sldId id="793" r:id="rId24"/>
+    <p:sldId id="794" r:id="rId25"/>
+    <p:sldId id="797" r:id="rId26"/>
+    <p:sldId id="796" r:id="rId27"/>
+    <p:sldId id="795" r:id="rId28"/>
+    <p:sldId id="798" r:id="rId29"/>
+    <p:sldId id="791" r:id="rId30"/>
   </p:sldIdLst>
   <p:sldSz cx="9144000" cy="6858000" type="screen4x3"/>
   <p:notesSz cx="6858000" cy="9144000"/>
@@ -247,7 +242,7 @@
           <a:p>
             <a:fld id="{B0C0A60C-850A-4EA4-9C14-A8FE98B94505}" type="datetimeFigureOut">
               <a:rPr lang="en-US" smtClean="0"/>
-              <a:t>2/25/21</a:t>
+              <a:t>1/18/22</a:t>
             </a:fld>
             <a:endParaRPr lang="en-US"/>
           </a:p>
@@ -591,7 +586,7 @@
           <a:p>
             <a:fld id="{24E9AA13-E3FC-4BB6-B68D-5F0F5803D716}" type="slidenum">
               <a:rPr lang="en-US" smtClean="0"/>
-              <a:t>28</a:t>
+              <a:t>24</a:t>
             </a:fld>
             <a:endParaRPr lang="en-US"/>
           </a:p>
@@ -742,7 +737,7 @@
           <a:p>
             <a:fld id="{5738B90E-0779-4C36-915C-6F05FCD89456}" type="datetime1">
               <a:rPr lang="en-US" smtClean="0"/>
-              <a:t>2/25/21</a:t>
+              <a:t>1/18/22</a:t>
             </a:fld>
             <a:endParaRPr lang="en-US"/>
           </a:p>
@@ -939,7 +934,7 @@
           <a:p>
             <a:fld id="{7B9EA29D-D431-42FE-B7B6-AAE4454C77D3}" type="datetime1">
               <a:rPr lang="en-US" smtClean="0"/>
-              <a:t>2/25/21</a:t>
+              <a:t>1/18/22</a:t>
             </a:fld>
             <a:endParaRPr lang="en-US"/>
           </a:p>
@@ -1294,7 +1289,7 @@
           <a:p>
             <a:fld id="{690D8A1E-EA8F-46C1-B891-AE0C00D9C314}" type="datetime1">
               <a:rPr lang="en-US" smtClean="0"/>
-              <a:t>2/25/21</a:t>
+              <a:t>1/18/22</a:t>
             </a:fld>
             <a:endParaRPr lang="en-US"/>
           </a:p>
@@ -1602,7 +1597,7 @@
           <a:p>
             <a:fld id="{D753EFC8-4232-4598-94F6-94C0EBAFC469}" type="datetime1">
               <a:rPr lang="en-US" smtClean="0"/>
-              <a:t>2/25/21</a:t>
+              <a:t>1/18/22</a:t>
             </a:fld>
             <a:endParaRPr lang="en-US"/>
           </a:p>
@@ -1931,7 +1926,7 @@
           <a:p>
             <a:fld id="{F3161074-1C18-4AE7-957D-F18524378C85}" type="datetime1">
               <a:rPr lang="en-US" smtClean="0"/>
-              <a:t>2/25/21</a:t>
+              <a:t>1/18/22</a:t>
             </a:fld>
             <a:endParaRPr lang="en-US"/>
           </a:p>
@@ -2184,7 +2179,7 @@
           <a:p>
             <a:fld id="{69BE256C-8D9A-4404-B47D-41A1AE514425}" type="datetime1">
               <a:rPr lang="en-US" smtClean="0"/>
-              <a:t>2/25/21</a:t>
+              <a:t>1/18/22</a:t>
             </a:fld>
             <a:endParaRPr lang="en-US"/>
           </a:p>
@@ -2632,7 +2627,7 @@
           <a:p>
             <a:fld id="{66CB2154-9035-4012-8189-BAAB61C5A5EE}" type="datetime1">
               <a:rPr lang="en-US" smtClean="0"/>
-              <a:t>2/25/21</a:t>
+              <a:t>1/18/22</a:t>
             </a:fld>
             <a:endParaRPr lang="en-US"/>
           </a:p>
@@ -2820,7 +2815,7 @@
           <a:p>
             <a:fld id="{6700A58B-DD98-43D0-B791-721480A02982}" type="datetime1">
               <a:rPr lang="en-US" smtClean="0"/>
-              <a:t>2/25/21</a:t>
+              <a:t>1/18/22</a:t>
             </a:fld>
             <a:endParaRPr lang="en-US"/>
           </a:p>
@@ -3026,7 +3021,7 @@
           <a:p>
             <a:fld id="{7DB6E382-4F61-4E24-BE1A-377EC83D0E3A}" type="datetime1">
               <a:rPr lang="en-US" smtClean="0"/>
-              <a:t>2/25/21</a:t>
+              <a:t>1/18/22</a:t>
             </a:fld>
             <a:endParaRPr lang="en-US"/>
           </a:p>
@@ -3432,7 +3427,7 @@
           <a:p>
             <a:fld id="{4142EED6-FC16-45B9-B8C4-2BC5DBA88325}" type="datetime1">
               <a:rPr lang="en-US" smtClean="0"/>
-              <a:t>2/25/21</a:t>
+              <a:t>1/18/22</a:t>
             </a:fld>
             <a:endParaRPr lang="en-US"/>
           </a:p>
@@ -3764,7 +3759,7 @@
           <a:p>
             <a:fld id="{DF59512B-4F1D-43D7-8819-2F53FEF69650}" type="datetime1">
               <a:rPr lang="en-US" smtClean="0"/>
-              <a:t>2/25/21</a:t>
+              <a:t>1/18/22</a:t>
             </a:fld>
             <a:endParaRPr lang="en-US"/>
           </a:p>
@@ -4054,7 +4049,7 @@
           <a:p>
             <a:fld id="{08437B94-E2BF-44DC-ADC5-B05FC9934E9D}" type="datetime1">
               <a:rPr lang="en-US" smtClean="0"/>
-              <a:t>2/25/21</a:t>
+              <a:t>1/18/22</a:t>
             </a:fld>
             <a:endParaRPr lang="en-US"/>
           </a:p>
@@ -4488,7 +4483,7 @@
             <a:fld id="{6700A58B-DD98-43D0-B791-721480A02982}" type="datetime1">
               <a:rPr lang="en-US" smtClean="0"/>
               <a:pPr/>
-              <a:t>2/25/21</a:t>
+              <a:t>1/18/22</a:t>
             </a:fld>
             <a:endParaRPr lang="en-US"/>
           </a:p>
@@ -4789,7 +4784,7 @@
           <a:p>
             <a:fld id="{6700A58B-DD98-43D0-B791-721480A02982}" type="datetime1">
               <a:rPr lang="en-US" smtClean="0"/>
-              <a:t>2/25/21</a:t>
+              <a:t>1/18/22</a:t>
             </a:fld>
             <a:endParaRPr lang="en-US"/>
           </a:p>
@@ -4812,7 +4807,7 @@
           <a:p>
             <a:r>
               <a:rPr lang="en-US" dirty="0" err="1"/>
-              <a:t>D_SimpleWordCloud.R</a:t>
+              <a:t>H_SimpleWordCloud.R</a:t>
             </a:r>
             <a:endParaRPr lang="en-US" dirty="0"/>
           </a:p>
@@ -5229,7 +5224,7 @@
           <a:p>
             <a:fld id="{6700A58B-DD98-43D0-B791-721480A02982}" type="datetime1">
               <a:rPr lang="en-US" smtClean="0"/>
-              <a:t>2/25/21</a:t>
+              <a:t>1/18/22</a:t>
             </a:fld>
             <a:endParaRPr lang="en-US"/>
           </a:p>
@@ -5252,7 +5247,7 @@
           <a:p>
             <a:r>
               <a:rPr lang="en-US" dirty="0" err="1"/>
-              <a:t>D_SimpleWordCloud.R</a:t>
+              <a:t>H_SimpleWordCloud.R</a:t>
             </a:r>
             <a:endParaRPr lang="en-US" dirty="0"/>
           </a:p>
@@ -5700,7 +5695,8 @@
           <a:p>
             <a:fld id="{6700A58B-DD98-43D0-B791-721480A02982}" type="datetime1">
               <a:rPr lang="en-US" smtClean="0"/>
-              <a:t>2/25/21</a:t>
+              <a:pPr/>
+              <a:t>1/18/22</a:t>
             </a:fld>
             <a:endParaRPr lang="en-US"/>
           </a:p>
@@ -5722,269 +5718,6 @@
           <a:lstStyle/>
           <a:p>
             <a:r>
-              <a:rPr lang="en-US" dirty="0"/>
-              <a:t>Another WC package</a:t>
-            </a:r>
-          </a:p>
-        </p:txBody>
-      </p:sp>
-      <p:sp>
-        <p:nvSpPr>
-          <p:cNvPr id="4" name="Footer Placeholder 3"/>
-          <p:cNvSpPr>
-            <a:spLocks noGrp="1"/>
-          </p:cNvSpPr>
-          <p:nvPr>
-            <p:ph type="ftr" sz="quarter" idx="3"/>
-          </p:nvPr>
-        </p:nvSpPr>
-        <p:spPr/>
-        <p:txBody>
-          <a:bodyPr/>
-          <a:lstStyle/>
-          <a:p>
-            <a:r>
-              <a:rPr lang="en-US"/>
-              <a:t>Kwartler</a:t>
-            </a:r>
-            <a:endParaRPr lang="en-US" dirty="0"/>
-          </a:p>
-        </p:txBody>
-      </p:sp>
-      <p:sp>
-        <p:nvSpPr>
-          <p:cNvPr id="5" name="Slide Number Placeholder 4"/>
-          <p:cNvSpPr>
-            <a:spLocks noGrp="1"/>
-          </p:cNvSpPr>
-          <p:nvPr>
-            <p:ph type="sldNum" sz="quarter" idx="4"/>
-          </p:nvPr>
-        </p:nvSpPr>
-        <p:spPr/>
-        <p:txBody>
-          <a:bodyPr/>
-          <a:lstStyle/>
-          <a:p>
-            <a:fld id="{37290FF7-652B-4475-AEAB-8B1A5D23AE09}" type="slidenum">
-              <a:rPr lang="en-US" smtClean="0"/>
-              <a:pPr/>
-              <a:t>12</a:t>
-            </a:fld>
-            <a:endParaRPr lang="en-US" dirty="0"/>
-          </a:p>
-        </p:txBody>
-      </p:sp>
-      <p:sp>
-        <p:nvSpPr>
-          <p:cNvPr id="7" name="Title 1">
-            <a:extLst>
-              <a:ext uri="{FF2B5EF4-FFF2-40B4-BE49-F238E27FC236}">
-                <a16:creationId xmlns:a16="http://schemas.microsoft.com/office/drawing/2014/main" id="{E8480011-97CA-4140-B847-37A78687DD1B}"/>
-              </a:ext>
-            </a:extLst>
-          </p:cNvPr>
-          <p:cNvSpPr txBox="1">
-            <a:spLocks/>
-          </p:cNvSpPr>
-          <p:nvPr/>
-        </p:nvSpPr>
-        <p:spPr>
-          <a:xfrm>
-            <a:off x="628650" y="1725003"/>
-            <a:ext cx="8026619" cy="1901066"/>
-          </a:xfrm>
-          <a:prstGeom prst="rect">
-            <a:avLst/>
-          </a:prstGeom>
-        </p:spPr>
-        <p:txBody>
-          <a:bodyPr>
-            <a:normAutofit/>
-          </a:bodyPr>
-          <a:lstStyle>
-            <a:lvl1pPr algn="l" defTabSz="685800" rtl="0" eaLnBrk="1" latinLnBrk="0" hangingPunct="1">
-              <a:lnSpc>
-                <a:spcPct val="90000"/>
-              </a:lnSpc>
-              <a:spcBef>
-                <a:spcPct val="0"/>
-              </a:spcBef>
-              <a:buNone/>
-              <a:defRPr sz="3300" kern="1200">
-                <a:solidFill>
-                  <a:schemeClr val="tx1"/>
-                </a:solidFill>
-                <a:latin typeface="+mj-lt"/>
-                <a:ea typeface="+mj-ea"/>
-                <a:cs typeface="+mj-cs"/>
-              </a:defRPr>
-            </a:lvl1pPr>
-          </a:lstStyle>
-          <a:p>
-            <a:r>
-              <a:rPr lang="en-US" dirty="0"/>
-              <a:t>E_d3_wordcloud.R</a:t>
-            </a:r>
-          </a:p>
-        </p:txBody>
-      </p:sp>
-      <p:cxnSp>
-        <p:nvCxnSpPr>
-          <p:cNvPr id="8" name="Straight Connector 7">
-            <a:extLst>
-              <a:ext uri="{FF2B5EF4-FFF2-40B4-BE49-F238E27FC236}">
-                <a16:creationId xmlns:a16="http://schemas.microsoft.com/office/drawing/2014/main" id="{762E3117-89AB-1B4C-9E59-F16A764B1D01}"/>
-              </a:ext>
-            </a:extLst>
-          </p:cNvPr>
-          <p:cNvCxnSpPr/>
-          <p:nvPr/>
-        </p:nvCxnSpPr>
-        <p:spPr>
-          <a:xfrm>
-            <a:off x="6798363" y="6549885"/>
-            <a:ext cx="0" cy="182880"/>
-          </a:xfrm>
-          <a:prstGeom prst="line">
-            <a:avLst/>
-          </a:prstGeom>
-          <a:ln>
-            <a:solidFill>
-              <a:schemeClr val="bg1">
-                <a:lumMod val="85000"/>
-              </a:schemeClr>
-            </a:solidFill>
-          </a:ln>
-        </p:spPr>
-        <p:style>
-          <a:lnRef idx="1">
-            <a:schemeClr val="accent1"/>
-          </a:lnRef>
-          <a:fillRef idx="0">
-            <a:schemeClr val="accent1"/>
-          </a:fillRef>
-          <a:effectRef idx="0">
-            <a:schemeClr val="accent1"/>
-          </a:effectRef>
-          <a:fontRef idx="minor">
-            <a:schemeClr val="tx1"/>
-          </a:fontRef>
-        </p:style>
-      </p:cxnSp>
-      <p:cxnSp>
-        <p:nvCxnSpPr>
-          <p:cNvPr id="9" name="Straight Connector 8">
-            <a:extLst>
-              <a:ext uri="{FF2B5EF4-FFF2-40B4-BE49-F238E27FC236}">
-                <a16:creationId xmlns:a16="http://schemas.microsoft.com/office/drawing/2014/main" id="{1F35AEF6-8072-014C-9F93-2E38378D6BD7}"/>
-              </a:ext>
-            </a:extLst>
-          </p:cNvPr>
-          <p:cNvCxnSpPr/>
-          <p:nvPr/>
-        </p:nvCxnSpPr>
-        <p:spPr>
-          <a:xfrm>
-            <a:off x="7076661" y="4664763"/>
-            <a:ext cx="182880" cy="0"/>
-          </a:xfrm>
-          <a:prstGeom prst="line">
-            <a:avLst/>
-          </a:prstGeom>
-          <a:ln>
-            <a:solidFill>
-              <a:schemeClr val="bg1">
-                <a:lumMod val="85000"/>
-              </a:schemeClr>
-            </a:solidFill>
-          </a:ln>
-        </p:spPr>
-        <p:style>
-          <a:lnRef idx="1">
-            <a:schemeClr val="accent1"/>
-          </a:lnRef>
-          <a:fillRef idx="0">
-            <a:schemeClr val="accent1"/>
-          </a:fillRef>
-          <a:effectRef idx="0">
-            <a:schemeClr val="accent1"/>
-          </a:effectRef>
-          <a:fontRef idx="minor">
-            <a:schemeClr val="tx1"/>
-          </a:fontRef>
-        </p:style>
-      </p:cxnSp>
-    </p:spTree>
-    <p:extLst>
-      <p:ext uri="{BB962C8B-B14F-4D97-AF65-F5344CB8AC3E}">
-        <p14:creationId xmlns:p14="http://schemas.microsoft.com/office/powerpoint/2010/main" val="1620699240"/>
-      </p:ext>
-    </p:extLst>
-  </p:cSld>
-  <p:clrMapOvr>
-    <a:masterClrMapping/>
-  </p:clrMapOvr>
-</p:sld>
-</file>
-
-<file path=ppt/slides/slide13.xml><?xml version="1.0" encoding="utf-8"?>
-<p:sld xmlns:a="http://schemas.openxmlformats.org/drawingml/2006/main" xmlns:r="http://schemas.openxmlformats.org/officeDocument/2006/relationships" xmlns:p="http://schemas.openxmlformats.org/presentationml/2006/main">
-  <p:cSld>
-    <p:spTree>
-      <p:nvGrpSpPr>
-        <p:cNvPr id="1" name=""/>
-        <p:cNvGrpSpPr/>
-        <p:nvPr/>
-      </p:nvGrpSpPr>
-      <p:grpSpPr>
-        <a:xfrm>
-          <a:off x="0" y="0"/>
-          <a:ext cx="0" cy="0"/>
-          <a:chOff x="0" y="0"/>
-          <a:chExt cx="0" cy="0"/>
-        </a:xfrm>
-      </p:grpSpPr>
-      <p:sp>
-        <p:nvSpPr>
-          <p:cNvPr id="2" name="Date Placeholder 1"/>
-          <p:cNvSpPr>
-            <a:spLocks noGrp="1"/>
-          </p:cNvSpPr>
-          <p:nvPr>
-            <p:ph type="dt" sz="half" idx="10"/>
-          </p:nvPr>
-        </p:nvSpPr>
-        <p:spPr/>
-        <p:txBody>
-          <a:bodyPr/>
-          <a:lstStyle/>
-          <a:p>
-            <a:fld id="{6700A58B-DD98-43D0-B791-721480A02982}" type="datetime1">
-              <a:rPr lang="en-US" smtClean="0"/>
-              <a:pPr/>
-              <a:t>2/25/21</a:t>
-            </a:fld>
-            <a:endParaRPr lang="en-US"/>
-          </a:p>
-        </p:txBody>
-      </p:sp>
-      <p:sp>
-        <p:nvSpPr>
-          <p:cNvPr id="3" name="Title 2"/>
-          <p:cNvSpPr>
-            <a:spLocks noGrp="1"/>
-          </p:cNvSpPr>
-          <p:nvPr>
-            <p:ph type="title"/>
-          </p:nvPr>
-        </p:nvSpPr>
-        <p:spPr/>
-        <p:txBody>
-          <a:bodyPr/>
-          <a:lstStyle/>
-          <a:p>
-            <a:r>
               <a:rPr lang="en-US"/>
               <a:t>WCs are boring with a single corpus.</a:t>
             </a:r>
@@ -6033,7 +5766,7 @@
             <a:fld id="{37290FF7-652B-4475-AEAB-8B1A5D23AE09}" type="slidenum">
               <a:rPr lang="en-US" smtClean="0"/>
               <a:pPr/>
-              <a:t>13</a:t>
+              <a:t>12</a:t>
             </a:fld>
             <a:endParaRPr lang="en-US"/>
           </a:p>
@@ -6364,7 +6097,7 @@
 </p:sld>
 </file>
 
-<file path=ppt/slides/slide14.xml><?xml version="1.0" encoding="utf-8"?>
+<file path=ppt/slides/slide13.xml><?xml version="1.0" encoding="utf-8"?>
 <p:sld xmlns:a="http://schemas.openxmlformats.org/drawingml/2006/main" xmlns:r="http://schemas.openxmlformats.org/officeDocument/2006/relationships" xmlns:p="http://schemas.openxmlformats.org/presentationml/2006/main">
   <p:cSld>
     <p:spTree>
@@ -6399,7 +6132,7 @@
             <a:fld id="{6700A58B-DD98-43D0-B791-721480A02982}" type="datetime1">
               <a:rPr lang="en-US" smtClean="0"/>
               <a:pPr/>
-              <a:t>2/25/21</a:t>
+              <a:t>1/18/22</a:t>
             </a:fld>
             <a:endParaRPr lang="en-US"/>
           </a:p>
@@ -6469,7 +6202,7 @@
             <a:fld id="{37290FF7-652B-4475-AEAB-8B1A5D23AE09}" type="slidenum">
               <a:rPr lang="en-US" smtClean="0"/>
               <a:pPr/>
-              <a:t>14</a:t>
+              <a:t>13</a:t>
             </a:fld>
             <a:endParaRPr lang="en-US"/>
           </a:p>
@@ -7144,7 +6877,7 @@
 </p:sld>
 </file>
 
-<file path=ppt/slides/slide15.xml><?xml version="1.0" encoding="utf-8"?>
+<file path=ppt/slides/slide14.xml><?xml version="1.0" encoding="utf-8"?>
 <p:sld xmlns:a="http://schemas.openxmlformats.org/drawingml/2006/main" xmlns:r="http://schemas.openxmlformats.org/officeDocument/2006/relationships" xmlns:p="http://schemas.openxmlformats.org/presentationml/2006/main">
   <p:cSld>
     <p:spTree>
@@ -7179,7 +6912,7 @@
             <a:fld id="{6700A58B-DD98-43D0-B791-721480A02982}" type="datetime1">
               <a:rPr lang="en-US" smtClean="0"/>
               <a:pPr/>
-              <a:t>2/25/21</a:t>
+              <a:t>1/18/22</a:t>
             </a:fld>
             <a:endParaRPr lang="en-US"/>
           </a:p>
@@ -7249,7 +6982,7 @@
             <a:fld id="{37290FF7-652B-4475-AEAB-8B1A5D23AE09}" type="slidenum">
               <a:rPr lang="en-US" smtClean="0"/>
               <a:pPr/>
-              <a:t>15</a:t>
+              <a:t>14</a:t>
             </a:fld>
             <a:endParaRPr lang="en-US"/>
           </a:p>
@@ -7388,7 +7121,7 @@
         <p:spPr>
           <a:xfrm>
             <a:off x="254029" y="1703732"/>
-            <a:ext cx="8633011" cy="2031325"/>
+            <a:ext cx="8633011" cy="1754326"/>
           </a:xfrm>
           <a:prstGeom prst="rect">
             <a:avLst/>
@@ -7415,7 +7148,32 @@
                 <a:ea typeface="Arial Unicode MS" panose="020B0604020202020204" pitchFamily="34" charset="-128"/>
                 <a:cs typeface="Consolas" panose="020B0609020204030204" pitchFamily="49" charset="0"/>
               </a:rPr>
-              <a:t># Read in multiple files as individuals; </a:t>
+              <a:t># Read in multiple files as individuals</a:t>
+            </a:r>
+          </a:p>
+          <a:p>
+            <a:pPr defTabSz="457200"/>
+            <a:r>
+              <a:rPr lang="en-US" dirty="0" err="1">
+                <a:solidFill>
+                  <a:prstClr val="black"/>
+                </a:solidFill>
+                <a:latin typeface="Consolas" panose="020B0609020204030204" pitchFamily="49" charset="0"/>
+                <a:ea typeface="Arial Unicode MS" panose="020B0604020202020204" pitchFamily="34" charset="-128"/>
+                <a:cs typeface="Consolas" panose="020B0609020204030204" pitchFamily="49" charset="0"/>
+              </a:rPr>
+              <a:t>txtFiles</a:t>
+            </a:r>
+            <a:r>
+              <a:rPr lang="en-US" dirty="0">
+                <a:solidFill>
+                  <a:prstClr val="black"/>
+                </a:solidFill>
+                <a:latin typeface="Consolas" panose="020B0609020204030204" pitchFamily="49" charset="0"/>
+                <a:ea typeface="Arial Unicode MS" panose="020B0604020202020204" pitchFamily="34" charset="-128"/>
+                <a:cs typeface="Consolas" panose="020B0609020204030204" pitchFamily="49" charset="0"/>
+              </a:rPr>
+              <a:t> &lt;- </a:t>
             </a:r>
             <a:r>
               <a:rPr lang="en-US" dirty="0" err="1">
@@ -7437,7 +7195,7 @@
                 <a:ea typeface="Arial Unicode MS" panose="020B0604020202020204" pitchFamily="34" charset="-128"/>
                 <a:cs typeface="Consolas" panose="020B0609020204030204" pitchFamily="49" charset="0"/>
               </a:rPr>
-              <a:t>(); </a:t>
+              <a:t>(pattern = '</a:t>
             </a:r>
             <a:r>
               <a:rPr lang="en-US" dirty="0" err="1">
@@ -7448,7 +7206,7 @@
                 <a:ea typeface="Arial Unicode MS" panose="020B0604020202020204" pitchFamily="34" charset="-128"/>
                 <a:cs typeface="Consolas" panose="020B0609020204030204" pitchFamily="49" charset="0"/>
               </a:rPr>
-              <a:t>dir</a:t>
+              <a:t>chardonnay|coffee</a:t>
             </a:r>
             <a:r>
               <a:rPr lang="en-US" dirty="0">
@@ -7459,11 +7217,102 @@
                 <a:ea typeface="Arial Unicode MS" panose="020B0604020202020204" pitchFamily="34" charset="-128"/>
                 <a:cs typeface="Consolas" panose="020B0609020204030204" pitchFamily="49" charset="0"/>
               </a:rPr>
-              <a:t>()</a:t>
+              <a:t>', </a:t>
+            </a:r>
+            <a:r>
+              <a:rPr lang="en-US" dirty="0" err="1">
+                <a:solidFill>
+                  <a:prstClr val="black"/>
+                </a:solidFill>
+                <a:latin typeface="Consolas" panose="020B0609020204030204" pitchFamily="49" charset="0"/>
+                <a:ea typeface="Arial Unicode MS" panose="020B0604020202020204" pitchFamily="34" charset="-128"/>
+                <a:cs typeface="Consolas" panose="020B0609020204030204" pitchFamily="49" charset="0"/>
+              </a:rPr>
+              <a:t>full.names</a:t>
+            </a:r>
+            <a:r>
+              <a:rPr lang="en-US" dirty="0">
+                <a:solidFill>
+                  <a:prstClr val="black"/>
+                </a:solidFill>
+                <a:latin typeface="Consolas" panose="020B0609020204030204" pitchFamily="49" charset="0"/>
+                <a:ea typeface="Arial Unicode MS" panose="020B0604020202020204" pitchFamily="34" charset="-128"/>
+                <a:cs typeface="Consolas" panose="020B0609020204030204" pitchFamily="49" charset="0"/>
+              </a:rPr>
+              <a:t> = T)</a:t>
             </a:r>
           </a:p>
           <a:p>
             <a:pPr defTabSz="457200"/>
+            <a:endParaRPr lang="en-US" dirty="0">
+              <a:solidFill>
+                <a:prstClr val="black"/>
+              </a:solidFill>
+              <a:latin typeface="Consolas" panose="020B0609020204030204" pitchFamily="49" charset="0"/>
+              <a:ea typeface="Arial Unicode MS" panose="020B0604020202020204" pitchFamily="34" charset="-128"/>
+              <a:cs typeface="Consolas" panose="020B0609020204030204" pitchFamily="49" charset="0"/>
+            </a:endParaRPr>
+          </a:p>
+          <a:p>
+            <a:pPr defTabSz="457200"/>
+            <a:r>
+              <a:rPr lang="en-US" dirty="0">
+                <a:solidFill>
+                  <a:prstClr val="black"/>
+                </a:solidFill>
+                <a:latin typeface="Consolas" panose="020B0609020204030204" pitchFamily="49" charset="0"/>
+                <a:ea typeface="Arial Unicode MS" panose="020B0604020202020204" pitchFamily="34" charset="-128"/>
+                <a:cs typeface="Consolas" panose="020B0609020204030204" pitchFamily="49" charset="0"/>
+              </a:rPr>
+              <a:t># Make a list of DFs</a:t>
+            </a:r>
+          </a:p>
+          <a:p>
+            <a:pPr defTabSz="457200"/>
+            <a:r>
+              <a:rPr lang="en-US" dirty="0" err="1">
+                <a:solidFill>
+                  <a:prstClr val="black"/>
+                </a:solidFill>
+                <a:latin typeface="Consolas" panose="020B0609020204030204" pitchFamily="49" charset="0"/>
+                <a:ea typeface="Arial Unicode MS" panose="020B0604020202020204" pitchFamily="34" charset="-128"/>
+                <a:cs typeface="Consolas" panose="020B0609020204030204" pitchFamily="49" charset="0"/>
+              </a:rPr>
+              <a:t>txtLst</a:t>
+            </a:r>
+            <a:r>
+              <a:rPr lang="en-US" dirty="0">
+                <a:solidFill>
+                  <a:prstClr val="black"/>
+                </a:solidFill>
+                <a:latin typeface="Consolas" panose="020B0609020204030204" pitchFamily="49" charset="0"/>
+                <a:ea typeface="Arial Unicode MS" panose="020B0604020202020204" pitchFamily="34" charset="-128"/>
+                <a:cs typeface="Consolas" panose="020B0609020204030204" pitchFamily="49" charset="0"/>
+              </a:rPr>
+              <a:t> &lt;- </a:t>
+            </a:r>
+            <a:r>
+              <a:rPr lang="en-US" dirty="0" err="1">
+                <a:solidFill>
+                  <a:prstClr val="black"/>
+                </a:solidFill>
+                <a:latin typeface="Consolas" panose="020B0609020204030204" pitchFamily="49" charset="0"/>
+                <a:ea typeface="Arial Unicode MS" panose="020B0604020202020204" pitchFamily="34" charset="-128"/>
+                <a:cs typeface="Consolas" panose="020B0609020204030204" pitchFamily="49" charset="0"/>
+              </a:rPr>
+              <a:t>lapply</a:t>
+            </a:r>
+            <a:r>
+              <a:rPr lang="en-US" dirty="0">
+                <a:solidFill>
+                  <a:prstClr val="black"/>
+                </a:solidFill>
+                <a:latin typeface="Consolas" panose="020B0609020204030204" pitchFamily="49" charset="0"/>
+                <a:ea typeface="Arial Unicode MS" panose="020B0604020202020204" pitchFamily="34" charset="-128"/>
+                <a:cs typeface="Consolas" panose="020B0609020204030204" pitchFamily="49" charset="0"/>
+              </a:rPr>
+              <a:t>(</a:t>
+            </a:r>
             <a:r>
               <a:rPr lang="en-US" dirty="0" err="1">
                 <a:solidFill>
@@ -7484,22 +7333,19 @@
                 <a:ea typeface="Arial Unicode MS" panose="020B0604020202020204" pitchFamily="34" charset="-128"/>
                 <a:cs typeface="Consolas" panose="020B0609020204030204" pitchFamily="49" charset="0"/>
               </a:rPr>
-              <a:t> &lt;- c('chardonnay.csv','coffee.csv','beer.csv') </a:t>
-            </a:r>
-          </a:p>
-          <a:p>
-            <a:pPr defTabSz="457200"/>
-            <a:endParaRPr lang="en-US" dirty="0">
-              <a:solidFill>
-                <a:prstClr val="black"/>
-              </a:solidFill>
-              <a:latin typeface="Consolas" panose="020B0609020204030204" pitchFamily="49" charset="0"/>
-              <a:ea typeface="Arial Unicode MS" panose="020B0604020202020204" pitchFamily="34" charset="-128"/>
-              <a:cs typeface="Consolas" panose="020B0609020204030204" pitchFamily="49" charset="0"/>
-            </a:endParaRPr>
-          </a:p>
-          <a:p>
-            <a:pPr defTabSz="457200"/>
+              <a:t>, </a:t>
+            </a:r>
+            <a:r>
+              <a:rPr lang="en-US" dirty="0" err="1">
+                <a:solidFill>
+                  <a:prstClr val="black"/>
+                </a:solidFill>
+                <a:latin typeface="Consolas" panose="020B0609020204030204" pitchFamily="49" charset="0"/>
+                <a:ea typeface="Arial Unicode MS" panose="020B0604020202020204" pitchFamily="34" charset="-128"/>
+                <a:cs typeface="Consolas" panose="020B0609020204030204" pitchFamily="49" charset="0"/>
+              </a:rPr>
+              <a:t>read.csv</a:t>
+            </a:r>
             <a:r>
               <a:rPr lang="en-US" dirty="0">
                 <a:solidFill>
@@ -7509,225 +7355,7 @@
                 <a:ea typeface="Arial Unicode MS" panose="020B0604020202020204" pitchFamily="34" charset="-128"/>
                 <a:cs typeface="Consolas" panose="020B0609020204030204" pitchFamily="49" charset="0"/>
               </a:rPr>
-              <a:t>for (</a:t>
-            </a:r>
-            <a:r>
-              <a:rPr lang="en-US" dirty="0" err="1">
-                <a:solidFill>
-                  <a:prstClr val="black"/>
-                </a:solidFill>
-                <a:latin typeface="Consolas" panose="020B0609020204030204" pitchFamily="49" charset="0"/>
-                <a:ea typeface="Arial Unicode MS" panose="020B0604020202020204" pitchFamily="34" charset="-128"/>
-                <a:cs typeface="Consolas" panose="020B0609020204030204" pitchFamily="49" charset="0"/>
-              </a:rPr>
-              <a:t>i</a:t>
-            </a:r>
-            <a:r>
-              <a:rPr lang="en-US" dirty="0">
-                <a:solidFill>
-                  <a:prstClr val="black"/>
-                </a:solidFill>
-                <a:latin typeface="Consolas" panose="020B0609020204030204" pitchFamily="49" charset="0"/>
-                <a:ea typeface="Arial Unicode MS" panose="020B0604020202020204" pitchFamily="34" charset="-128"/>
-                <a:cs typeface="Consolas" panose="020B0609020204030204" pitchFamily="49" charset="0"/>
-              </a:rPr>
-              <a:t> in 1:length(</a:t>
-            </a:r>
-            <a:r>
-              <a:rPr lang="en-US" dirty="0" err="1">
-                <a:solidFill>
-                  <a:prstClr val="black"/>
-                </a:solidFill>
-                <a:latin typeface="Consolas" panose="020B0609020204030204" pitchFamily="49" charset="0"/>
-                <a:ea typeface="Arial Unicode MS" panose="020B0604020202020204" pitchFamily="34" charset="-128"/>
-                <a:cs typeface="Consolas" panose="020B0609020204030204" pitchFamily="49" charset="0"/>
-              </a:rPr>
-              <a:t>txtFiles</a:t>
-            </a:r>
-            <a:r>
-              <a:rPr lang="en-US" dirty="0">
-                <a:solidFill>
-                  <a:prstClr val="black"/>
-                </a:solidFill>
-                <a:latin typeface="Consolas" panose="020B0609020204030204" pitchFamily="49" charset="0"/>
-                <a:ea typeface="Arial Unicode MS" panose="020B0604020202020204" pitchFamily="34" charset="-128"/>
-                <a:cs typeface="Consolas" panose="020B0609020204030204" pitchFamily="49" charset="0"/>
-              </a:rPr>
-              <a:t>)){</a:t>
-            </a:r>
-          </a:p>
-          <a:p>
-            <a:pPr defTabSz="457200"/>
-            <a:r>
-              <a:rPr lang="en-US" dirty="0">
-                <a:solidFill>
-                  <a:prstClr val="black"/>
-                </a:solidFill>
-                <a:latin typeface="Consolas" panose="020B0609020204030204" pitchFamily="49" charset="0"/>
-                <a:ea typeface="Arial Unicode MS" panose="020B0604020202020204" pitchFamily="34" charset="-128"/>
-                <a:cs typeface="Consolas" panose="020B0609020204030204" pitchFamily="49" charset="0"/>
-              </a:rPr>
-              <a:t>  assign(</a:t>
-            </a:r>
-            <a:r>
-              <a:rPr lang="en-US" dirty="0" err="1">
-                <a:solidFill>
-                  <a:prstClr val="black"/>
-                </a:solidFill>
-                <a:latin typeface="Consolas" panose="020B0609020204030204" pitchFamily="49" charset="0"/>
-                <a:ea typeface="Arial Unicode MS" panose="020B0604020202020204" pitchFamily="34" charset="-128"/>
-                <a:cs typeface="Consolas" panose="020B0609020204030204" pitchFamily="49" charset="0"/>
-              </a:rPr>
-              <a:t>txtFiles</a:t>
-            </a:r>
-            <a:r>
-              <a:rPr lang="en-US" dirty="0">
-                <a:solidFill>
-                  <a:prstClr val="black"/>
-                </a:solidFill>
-                <a:latin typeface="Consolas" panose="020B0609020204030204" pitchFamily="49" charset="0"/>
-                <a:ea typeface="Arial Unicode MS" panose="020B0604020202020204" pitchFamily="34" charset="-128"/>
-                <a:cs typeface="Consolas" panose="020B0609020204030204" pitchFamily="49" charset="0"/>
-              </a:rPr>
-              <a:t>[</a:t>
-            </a:r>
-            <a:r>
-              <a:rPr lang="en-US" dirty="0" err="1">
-                <a:solidFill>
-                  <a:prstClr val="black"/>
-                </a:solidFill>
-                <a:latin typeface="Consolas" panose="020B0609020204030204" pitchFamily="49" charset="0"/>
-                <a:ea typeface="Arial Unicode MS" panose="020B0604020202020204" pitchFamily="34" charset="-128"/>
-                <a:cs typeface="Consolas" panose="020B0609020204030204" pitchFamily="49" charset="0"/>
-              </a:rPr>
-              <a:t>i</a:t>
-            </a:r>
-            <a:r>
-              <a:rPr lang="en-US" dirty="0">
-                <a:solidFill>
-                  <a:prstClr val="black"/>
-                </a:solidFill>
-                <a:latin typeface="Consolas" panose="020B0609020204030204" pitchFamily="49" charset="0"/>
-                <a:ea typeface="Arial Unicode MS" panose="020B0604020202020204" pitchFamily="34" charset="-128"/>
-                <a:cs typeface="Consolas" panose="020B0609020204030204" pitchFamily="49" charset="0"/>
-              </a:rPr>
-              <a:t>], read.csv(</a:t>
-            </a:r>
-            <a:r>
-              <a:rPr lang="en-US" dirty="0" err="1">
-                <a:solidFill>
-                  <a:prstClr val="black"/>
-                </a:solidFill>
-                <a:latin typeface="Consolas" panose="020B0609020204030204" pitchFamily="49" charset="0"/>
-                <a:ea typeface="Arial Unicode MS" panose="020B0604020202020204" pitchFamily="34" charset="-128"/>
-                <a:cs typeface="Consolas" panose="020B0609020204030204" pitchFamily="49" charset="0"/>
-              </a:rPr>
-              <a:t>txtFiles</a:t>
-            </a:r>
-            <a:r>
-              <a:rPr lang="en-US" dirty="0">
-                <a:solidFill>
-                  <a:prstClr val="black"/>
-                </a:solidFill>
-                <a:latin typeface="Consolas" panose="020B0609020204030204" pitchFamily="49" charset="0"/>
-                <a:ea typeface="Arial Unicode MS" panose="020B0604020202020204" pitchFamily="34" charset="-128"/>
-                <a:cs typeface="Consolas" panose="020B0609020204030204" pitchFamily="49" charset="0"/>
-              </a:rPr>
-              <a:t>[</a:t>
-            </a:r>
-            <a:r>
-              <a:rPr lang="en-US" dirty="0" err="1">
-                <a:solidFill>
-                  <a:prstClr val="black"/>
-                </a:solidFill>
-                <a:latin typeface="Consolas" panose="020B0609020204030204" pitchFamily="49" charset="0"/>
-                <a:ea typeface="Arial Unicode MS" panose="020B0604020202020204" pitchFamily="34" charset="-128"/>
-                <a:cs typeface="Consolas" panose="020B0609020204030204" pitchFamily="49" charset="0"/>
-              </a:rPr>
-              <a:t>i</a:t>
-            </a:r>
-            <a:r>
-              <a:rPr lang="en-US" dirty="0">
-                <a:solidFill>
-                  <a:prstClr val="black"/>
-                </a:solidFill>
-                <a:latin typeface="Consolas" panose="020B0609020204030204" pitchFamily="49" charset="0"/>
-                <a:ea typeface="Arial Unicode MS" panose="020B0604020202020204" pitchFamily="34" charset="-128"/>
-                <a:cs typeface="Consolas" panose="020B0609020204030204" pitchFamily="49" charset="0"/>
-              </a:rPr>
-              <a:t>]))</a:t>
-            </a:r>
-          </a:p>
-          <a:p>
-            <a:pPr defTabSz="457200"/>
-            <a:r>
-              <a:rPr lang="en-US" dirty="0">
-                <a:solidFill>
-                  <a:prstClr val="black"/>
-                </a:solidFill>
-                <a:latin typeface="Consolas" panose="020B0609020204030204" pitchFamily="49" charset="0"/>
-                <a:ea typeface="Arial Unicode MS" panose="020B0604020202020204" pitchFamily="34" charset="-128"/>
-                <a:cs typeface="Consolas" panose="020B0609020204030204" pitchFamily="49" charset="0"/>
-              </a:rPr>
-              <a:t>  cat(paste('read completed:',</a:t>
-            </a:r>
-            <a:r>
-              <a:rPr lang="en-US" dirty="0" err="1">
-                <a:solidFill>
-                  <a:prstClr val="black"/>
-                </a:solidFill>
-                <a:latin typeface="Consolas" panose="020B0609020204030204" pitchFamily="49" charset="0"/>
-                <a:ea typeface="Arial Unicode MS" panose="020B0604020202020204" pitchFamily="34" charset="-128"/>
-                <a:cs typeface="Consolas" panose="020B0609020204030204" pitchFamily="49" charset="0"/>
-              </a:rPr>
-              <a:t>txtFiles</a:t>
-            </a:r>
-            <a:r>
-              <a:rPr lang="en-US" dirty="0">
-                <a:solidFill>
-                  <a:prstClr val="black"/>
-                </a:solidFill>
-                <a:latin typeface="Consolas" panose="020B0609020204030204" pitchFamily="49" charset="0"/>
-                <a:ea typeface="Arial Unicode MS" panose="020B0604020202020204" pitchFamily="34" charset="-128"/>
-                <a:cs typeface="Consolas" panose="020B0609020204030204" pitchFamily="49" charset="0"/>
-              </a:rPr>
-              <a:t>[</a:t>
-            </a:r>
-            <a:r>
-              <a:rPr lang="en-US" dirty="0" err="1">
-                <a:solidFill>
-                  <a:prstClr val="black"/>
-                </a:solidFill>
-                <a:latin typeface="Consolas" panose="020B0609020204030204" pitchFamily="49" charset="0"/>
-                <a:ea typeface="Arial Unicode MS" panose="020B0604020202020204" pitchFamily="34" charset="-128"/>
-                <a:cs typeface="Consolas" panose="020B0609020204030204" pitchFamily="49" charset="0"/>
-              </a:rPr>
-              <a:t>i</a:t>
-            </a:r>
-            <a:r>
-              <a:rPr lang="en-US" dirty="0">
-                <a:solidFill>
-                  <a:prstClr val="black"/>
-                </a:solidFill>
-                <a:latin typeface="Consolas" panose="020B0609020204030204" pitchFamily="49" charset="0"/>
-                <a:ea typeface="Arial Unicode MS" panose="020B0604020202020204" pitchFamily="34" charset="-128"/>
-                <a:cs typeface="Consolas" panose="020B0609020204030204" pitchFamily="49" charset="0"/>
-              </a:rPr>
-              <a:t>],'\n'))</a:t>
-            </a:r>
-          </a:p>
-          <a:p>
-            <a:pPr defTabSz="457200"/>
-            <a:r>
-              <a:rPr lang="en-US" dirty="0">
-                <a:solidFill>
-                  <a:prstClr val="black"/>
-                </a:solidFill>
-                <a:latin typeface="Consolas" panose="020B0609020204030204" pitchFamily="49" charset="0"/>
-                <a:ea typeface="Arial Unicode MS" panose="020B0604020202020204" pitchFamily="34" charset="-128"/>
-                <a:cs typeface="Consolas" panose="020B0609020204030204" pitchFamily="49" charset="0"/>
-              </a:rPr>
-              <a:t>} </a:t>
+              <a:t>)</a:t>
             </a:r>
           </a:p>
         </p:txBody>
@@ -7874,6 +7502,259 @@
           </a:fontRef>
         </p:style>
       </p:cxnSp>
+      <p:sp>
+        <p:nvSpPr>
+          <p:cNvPr id="13" name="Rectangle 12">
+            <a:extLst>
+              <a:ext uri="{FF2B5EF4-FFF2-40B4-BE49-F238E27FC236}">
+                <a16:creationId xmlns:a16="http://schemas.microsoft.com/office/drawing/2014/main" id="{1D2FE100-56D1-0340-BBB9-5C0B0293528A}"/>
+              </a:ext>
+            </a:extLst>
+          </p:cNvPr>
+          <p:cNvSpPr/>
+          <p:nvPr/>
+        </p:nvSpPr>
+        <p:spPr>
+          <a:xfrm>
+            <a:off x="1657350" y="4481324"/>
+            <a:ext cx="1301387" cy="457200"/>
+          </a:xfrm>
+          <a:prstGeom prst="rect">
+            <a:avLst/>
+          </a:prstGeom>
+        </p:spPr>
+        <p:style>
+          <a:lnRef idx="2">
+            <a:schemeClr val="accent1">
+              <a:shade val="50000"/>
+            </a:schemeClr>
+          </a:lnRef>
+          <a:fillRef idx="1">
+            <a:schemeClr val="accent1"/>
+          </a:fillRef>
+          <a:effectRef idx="0">
+            <a:schemeClr val="accent1"/>
+          </a:effectRef>
+          <a:fontRef idx="minor">
+            <a:schemeClr val="lt1"/>
+          </a:fontRef>
+        </p:style>
+        <p:txBody>
+          <a:bodyPr rtlCol="0" anchor="ctr"/>
+          <a:lstStyle/>
+          <a:p>
+            <a:pPr algn="ctr"/>
+            <a:r>
+              <a:rPr lang="en-US" dirty="0" err="1">
+                <a:latin typeface="Consolas" panose="020B0609020204030204" pitchFamily="49" charset="0"/>
+                <a:cs typeface="Consolas" panose="020B0609020204030204" pitchFamily="49" charset="0"/>
+              </a:rPr>
+              <a:t>txtLst</a:t>
+            </a:r>
+            <a:endParaRPr lang="en-US" dirty="0">
+              <a:latin typeface="Consolas" panose="020B0609020204030204" pitchFamily="49" charset="0"/>
+              <a:cs typeface="Consolas" panose="020B0609020204030204" pitchFamily="49" charset="0"/>
+            </a:endParaRPr>
+          </a:p>
+        </p:txBody>
+      </p:sp>
+      <p:sp>
+        <p:nvSpPr>
+          <p:cNvPr id="14" name="Rectangle 13">
+            <a:extLst>
+              <a:ext uri="{FF2B5EF4-FFF2-40B4-BE49-F238E27FC236}">
+                <a16:creationId xmlns:a16="http://schemas.microsoft.com/office/drawing/2014/main" id="{4A97F3CD-8ABE-EF46-A342-7F16559A273E}"/>
+              </a:ext>
+            </a:extLst>
+          </p:cNvPr>
+          <p:cNvSpPr/>
+          <p:nvPr/>
+        </p:nvSpPr>
+        <p:spPr>
+          <a:xfrm>
+            <a:off x="2958737" y="5346155"/>
+            <a:ext cx="2266406" cy="457200"/>
+          </a:xfrm>
+          <a:prstGeom prst="rect">
+            <a:avLst/>
+          </a:prstGeom>
+        </p:spPr>
+        <p:style>
+          <a:lnRef idx="2">
+            <a:schemeClr val="accent1">
+              <a:shade val="50000"/>
+            </a:schemeClr>
+          </a:lnRef>
+          <a:fillRef idx="1">
+            <a:schemeClr val="accent1"/>
+          </a:fillRef>
+          <a:effectRef idx="0">
+            <a:schemeClr val="accent1"/>
+          </a:effectRef>
+          <a:fontRef idx="minor">
+            <a:schemeClr val="lt1"/>
+          </a:fontRef>
+        </p:style>
+        <p:txBody>
+          <a:bodyPr rtlCol="0" anchor="ctr"/>
+          <a:lstStyle/>
+          <a:p>
+            <a:pPr algn="ctr"/>
+            <a:r>
+              <a:rPr lang="en-US" dirty="0" err="1">
+                <a:latin typeface="Consolas" panose="020B0609020204030204" pitchFamily="49" charset="0"/>
+                <a:cs typeface="Consolas" panose="020B0609020204030204" pitchFamily="49" charset="0"/>
+              </a:rPr>
+              <a:t>chardonnay.csv</a:t>
+            </a:r>
+            <a:endParaRPr lang="en-US" dirty="0">
+              <a:latin typeface="Consolas" panose="020B0609020204030204" pitchFamily="49" charset="0"/>
+              <a:cs typeface="Consolas" panose="020B0609020204030204" pitchFamily="49" charset="0"/>
+            </a:endParaRPr>
+          </a:p>
+        </p:txBody>
+      </p:sp>
+      <p:sp>
+        <p:nvSpPr>
+          <p:cNvPr id="15" name="Rectangle 14">
+            <a:extLst>
+              <a:ext uri="{FF2B5EF4-FFF2-40B4-BE49-F238E27FC236}">
+                <a16:creationId xmlns:a16="http://schemas.microsoft.com/office/drawing/2014/main" id="{38CC9A19-7F81-3249-B9AA-1C11F8180CB0}"/>
+              </a:ext>
+            </a:extLst>
+          </p:cNvPr>
+          <p:cNvSpPr/>
+          <p:nvPr/>
+        </p:nvSpPr>
+        <p:spPr>
+          <a:xfrm>
+            <a:off x="2958736" y="6040605"/>
+            <a:ext cx="2266406" cy="457200"/>
+          </a:xfrm>
+          <a:prstGeom prst="rect">
+            <a:avLst/>
+          </a:prstGeom>
+        </p:spPr>
+        <p:style>
+          <a:lnRef idx="2">
+            <a:schemeClr val="accent1">
+              <a:shade val="50000"/>
+            </a:schemeClr>
+          </a:lnRef>
+          <a:fillRef idx="1">
+            <a:schemeClr val="accent1"/>
+          </a:fillRef>
+          <a:effectRef idx="0">
+            <a:schemeClr val="accent1"/>
+          </a:effectRef>
+          <a:fontRef idx="minor">
+            <a:schemeClr val="lt1"/>
+          </a:fontRef>
+        </p:style>
+        <p:txBody>
+          <a:bodyPr rtlCol="0" anchor="ctr"/>
+          <a:lstStyle/>
+          <a:p>
+            <a:pPr algn="ctr"/>
+            <a:r>
+              <a:rPr lang="en-US" dirty="0" err="1">
+                <a:latin typeface="Consolas" panose="020B0609020204030204" pitchFamily="49" charset="0"/>
+                <a:cs typeface="Consolas" panose="020B0609020204030204" pitchFamily="49" charset="0"/>
+              </a:rPr>
+              <a:t>coffee.csv</a:t>
+            </a:r>
+            <a:endParaRPr lang="en-US" dirty="0">
+              <a:latin typeface="Consolas" panose="020B0609020204030204" pitchFamily="49" charset="0"/>
+              <a:cs typeface="Consolas" panose="020B0609020204030204" pitchFamily="49" charset="0"/>
+            </a:endParaRPr>
+          </a:p>
+        </p:txBody>
+      </p:sp>
+      <p:cxnSp>
+        <p:nvCxnSpPr>
+          <p:cNvPr id="16" name="Elbow Connector 15">
+            <a:extLst>
+              <a:ext uri="{FF2B5EF4-FFF2-40B4-BE49-F238E27FC236}">
+                <a16:creationId xmlns:a16="http://schemas.microsoft.com/office/drawing/2014/main" id="{2B177ECD-D9B1-6940-8C23-FAD0EBEEFAEB}"/>
+              </a:ext>
+            </a:extLst>
+          </p:cNvPr>
+          <p:cNvCxnSpPr>
+            <a:stCxn id="13" idx="2"/>
+            <a:endCxn id="14" idx="1"/>
+          </p:cNvCxnSpPr>
+          <p:nvPr/>
+        </p:nvCxnSpPr>
+        <p:spPr>
+          <a:xfrm rot="16200000" flipH="1">
+            <a:off x="2315275" y="4931292"/>
+            <a:ext cx="636231" cy="650693"/>
+          </a:xfrm>
+          <a:prstGeom prst="bentConnector2">
+            <a:avLst/>
+          </a:prstGeom>
+          <a:ln>
+            <a:tailEnd type="triangle"/>
+          </a:ln>
+        </p:spPr>
+        <p:style>
+          <a:lnRef idx="1">
+            <a:schemeClr val="accent1"/>
+          </a:lnRef>
+          <a:fillRef idx="0">
+            <a:schemeClr val="accent1"/>
+          </a:fillRef>
+          <a:effectRef idx="0">
+            <a:schemeClr val="accent1"/>
+          </a:effectRef>
+          <a:fontRef idx="minor">
+            <a:schemeClr val="tx1"/>
+          </a:fontRef>
+        </p:style>
+      </p:cxnSp>
+      <p:cxnSp>
+        <p:nvCxnSpPr>
+          <p:cNvPr id="17" name="Elbow Connector 16">
+            <a:extLst>
+              <a:ext uri="{FF2B5EF4-FFF2-40B4-BE49-F238E27FC236}">
+                <a16:creationId xmlns:a16="http://schemas.microsoft.com/office/drawing/2014/main" id="{EBA3794A-82A5-8C4D-88AC-6C3D17A45274}"/>
+              </a:ext>
+            </a:extLst>
+          </p:cNvPr>
+          <p:cNvCxnSpPr>
+            <a:cxnSpLocks/>
+            <a:stCxn id="13" idx="2"/>
+            <a:endCxn id="15" idx="1"/>
+          </p:cNvCxnSpPr>
+          <p:nvPr/>
+        </p:nvCxnSpPr>
+        <p:spPr>
+          <a:xfrm rot="16200000" flipH="1">
+            <a:off x="1968050" y="5278518"/>
+            <a:ext cx="1330681" cy="650692"/>
+          </a:xfrm>
+          <a:prstGeom prst="bentConnector2">
+            <a:avLst/>
+          </a:prstGeom>
+          <a:ln>
+            <a:tailEnd type="triangle"/>
+          </a:ln>
+        </p:spPr>
+        <p:style>
+          <a:lnRef idx="1">
+            <a:schemeClr val="accent1"/>
+          </a:lnRef>
+          <a:fillRef idx="0">
+            <a:schemeClr val="accent1"/>
+          </a:fillRef>
+          <a:effectRef idx="0">
+            <a:schemeClr val="accent1"/>
+          </a:effectRef>
+          <a:fontRef idx="minor">
+            <a:schemeClr val="tx1"/>
+          </a:fontRef>
+        </p:style>
+      </p:cxnSp>
     </p:spTree>
     <p:extLst>
       <p:ext uri="{BB962C8B-B14F-4D97-AF65-F5344CB8AC3E}">
@@ -7887,8 +7768,8 @@
 </p:sld>
 </file>
 
-<file path=ppt/slides/slide16.xml><?xml version="1.0" encoding="utf-8"?>
-<p:sld xmlns:a="http://schemas.openxmlformats.org/drawingml/2006/main" xmlns:r="http://schemas.openxmlformats.org/officeDocument/2006/relationships" xmlns:p="http://schemas.openxmlformats.org/presentationml/2006/main" show="0">
+<file path=ppt/slides/slide15.xml><?xml version="1.0" encoding="utf-8"?>
+<p:sld xmlns:a="http://schemas.openxmlformats.org/drawingml/2006/main" xmlns:r="http://schemas.openxmlformats.org/officeDocument/2006/relationships" xmlns:p="http://schemas.openxmlformats.org/presentationml/2006/main">
   <p:cSld>
     <p:spTree>
       <p:nvGrpSpPr>
@@ -7906,600 +7787,6 @@
       </p:grpSpPr>
       <p:sp>
         <p:nvSpPr>
-          <p:cNvPr id="2" name="Date Placeholder 1"/>
-          <p:cNvSpPr>
-            <a:spLocks noGrp="1"/>
-          </p:cNvSpPr>
-          <p:nvPr>
-            <p:ph type="dt" sz="half" idx="10"/>
-          </p:nvPr>
-        </p:nvSpPr>
-        <p:spPr/>
-        <p:txBody>
-          <a:bodyPr/>
-          <a:lstStyle/>
-          <a:p>
-            <a:fld id="{6700A58B-DD98-43D0-B791-721480A02982}" type="datetime1">
-              <a:rPr lang="en-US" smtClean="0"/>
-              <a:pPr/>
-              <a:t>2/25/21</a:t>
-            </a:fld>
-            <a:endParaRPr lang="en-US"/>
-          </a:p>
-        </p:txBody>
-      </p:sp>
-      <p:sp>
-        <p:nvSpPr>
-          <p:cNvPr id="3" name="Title 2"/>
-          <p:cNvSpPr>
-            <a:spLocks noGrp="1"/>
-          </p:cNvSpPr>
-          <p:nvPr>
-            <p:ph type="title"/>
-          </p:nvPr>
-        </p:nvSpPr>
-        <p:spPr/>
-        <p:txBody>
-          <a:bodyPr/>
-          <a:lstStyle/>
-          <a:p>
-            <a:r>
-              <a:rPr lang="en-US"/>
-              <a:t>Dealing with many text files is tricky.</a:t>
-            </a:r>
-            <a:endParaRPr lang="en-US" dirty="0"/>
-          </a:p>
-        </p:txBody>
-      </p:sp>
-      <p:sp>
-        <p:nvSpPr>
-          <p:cNvPr id="5" name="Footer Placeholder 4"/>
-          <p:cNvSpPr>
-            <a:spLocks noGrp="1"/>
-          </p:cNvSpPr>
-          <p:nvPr>
-            <p:ph type="ftr" sz="quarter" idx="3"/>
-          </p:nvPr>
-        </p:nvSpPr>
-        <p:spPr/>
-        <p:txBody>
-          <a:bodyPr/>
-          <a:lstStyle/>
-          <a:p>
-            <a:r>
-              <a:rPr lang="en-US"/>
-              <a:t>Kwartler</a:t>
-            </a:r>
-            <a:endParaRPr lang="en-US" dirty="0"/>
-          </a:p>
-        </p:txBody>
-      </p:sp>
-      <p:sp>
-        <p:nvSpPr>
-          <p:cNvPr id="4" name="Slide Number Placeholder 3"/>
-          <p:cNvSpPr>
-            <a:spLocks noGrp="1"/>
-          </p:cNvSpPr>
-          <p:nvPr>
-            <p:ph type="sldNum" sz="quarter" idx="4"/>
-          </p:nvPr>
-        </p:nvSpPr>
-        <p:spPr/>
-        <p:txBody>
-          <a:bodyPr/>
-          <a:lstStyle/>
-          <a:p>
-            <a:fld id="{37290FF7-652B-4475-AEAB-8B1A5D23AE09}" type="slidenum">
-              <a:rPr lang="en-US" smtClean="0"/>
-              <a:pPr/>
-              <a:t>16</a:t>
-            </a:fld>
-            <a:endParaRPr lang="en-US"/>
-          </a:p>
-        </p:txBody>
-      </p:sp>
-      <p:sp>
-        <p:nvSpPr>
-          <p:cNvPr id="6" name="Rectangle 5">
-            <a:extLst>
-              <a:ext uri="{FF2B5EF4-FFF2-40B4-BE49-F238E27FC236}">
-                <a16:creationId xmlns:a16="http://schemas.microsoft.com/office/drawing/2014/main" id="{C246B7D1-453D-487B-B491-889C15C460F6}"/>
-              </a:ext>
-            </a:extLst>
-          </p:cNvPr>
-          <p:cNvSpPr/>
-          <p:nvPr/>
-        </p:nvSpPr>
-        <p:spPr>
-          <a:xfrm>
-            <a:off x="141891" y="1599398"/>
-            <a:ext cx="8860219" cy="2455767"/>
-          </a:xfrm>
-          <a:prstGeom prst="rect">
-            <a:avLst/>
-          </a:prstGeom>
-          <a:solidFill>
-            <a:schemeClr val="bg1"/>
-          </a:solidFill>
-          <a:ln w="9525">
-            <a:solidFill>
-              <a:schemeClr val="bg2"/>
-            </a:solidFill>
-          </a:ln>
-        </p:spPr>
-        <p:style>
-          <a:lnRef idx="2">
-            <a:schemeClr val="accent1">
-              <a:shade val="50000"/>
-            </a:schemeClr>
-          </a:lnRef>
-          <a:fillRef idx="1">
-            <a:schemeClr val="accent1"/>
-          </a:fillRef>
-          <a:effectRef idx="0">
-            <a:schemeClr val="accent1"/>
-          </a:effectRef>
-          <a:fontRef idx="minor">
-            <a:schemeClr val="lt1"/>
-          </a:fontRef>
-        </p:style>
-        <p:txBody>
-          <a:bodyPr lIns="88900" tIns="88900" rIns="88900" bIns="88900" rtlCol="0" anchor="t" anchorCtr="0"/>
-          <a:lstStyle/>
-          <a:p>
-            <a:pPr defTabSz="457200"/>
-            <a:endParaRPr lang="en-US" sz="1000" dirty="0">
-              <a:solidFill>
-                <a:schemeClr val="tx2"/>
-              </a:solidFill>
-            </a:endParaRPr>
-          </a:p>
-        </p:txBody>
-      </p:sp>
-      <p:sp>
-        <p:nvSpPr>
-          <p:cNvPr id="7" name="Rectangle 6">
-            <a:extLst>
-              <a:ext uri="{FF2B5EF4-FFF2-40B4-BE49-F238E27FC236}">
-                <a16:creationId xmlns:a16="http://schemas.microsoft.com/office/drawing/2014/main" id="{2C95F845-8979-407C-9F4E-6FBCB9476B2D}"/>
-              </a:ext>
-            </a:extLst>
-          </p:cNvPr>
-          <p:cNvSpPr/>
-          <p:nvPr/>
-        </p:nvSpPr>
-        <p:spPr>
-          <a:xfrm>
-            <a:off x="141890" y="1245467"/>
-            <a:ext cx="8860220" cy="331076"/>
-          </a:xfrm>
-          <a:prstGeom prst="rect">
-            <a:avLst/>
-          </a:prstGeom>
-          <a:solidFill>
-            <a:schemeClr val="accent3"/>
-          </a:solidFill>
-          <a:ln w="9525">
-            <a:solidFill>
-              <a:schemeClr val="accent3"/>
-            </a:solidFill>
-          </a:ln>
-        </p:spPr>
-        <p:style>
-          <a:lnRef idx="2">
-            <a:schemeClr val="accent1">
-              <a:shade val="50000"/>
-            </a:schemeClr>
-          </a:lnRef>
-          <a:fillRef idx="1">
-            <a:schemeClr val="accent1"/>
-          </a:fillRef>
-          <a:effectRef idx="0">
-            <a:schemeClr val="accent1"/>
-          </a:effectRef>
-          <a:fontRef idx="minor">
-            <a:schemeClr val="lt1"/>
-          </a:fontRef>
-        </p:style>
-        <p:txBody>
-          <a:bodyPr lIns="88900" tIns="88900" rIns="88900" bIns="88900" rtlCol="0" anchor="ctr"/>
-          <a:lstStyle/>
-          <a:p>
-            <a:r>
-              <a:rPr lang="en-US" sz="1200" b="1" dirty="0">
-                <a:solidFill>
-                  <a:schemeClr val="bg1"/>
-                </a:solidFill>
-              </a:rPr>
-              <a:t>Option 2 </a:t>
-            </a:r>
-          </a:p>
-        </p:txBody>
-      </p:sp>
-      <p:sp>
-        <p:nvSpPr>
-          <p:cNvPr id="9" name="Rectangle 8">
-            <a:extLst>
-              <a:ext uri="{FF2B5EF4-FFF2-40B4-BE49-F238E27FC236}">
-                <a16:creationId xmlns:a16="http://schemas.microsoft.com/office/drawing/2014/main" id="{6C96FE2F-7E19-48CB-9942-7E78DB569A67}"/>
-              </a:ext>
-            </a:extLst>
-          </p:cNvPr>
-          <p:cNvSpPr/>
-          <p:nvPr/>
-        </p:nvSpPr>
-        <p:spPr>
-          <a:xfrm>
-            <a:off x="254029" y="1703732"/>
-            <a:ext cx="8633011" cy="1477328"/>
-          </a:xfrm>
-          <a:prstGeom prst="rect">
-            <a:avLst/>
-          </a:prstGeom>
-          <a:solidFill>
-            <a:schemeClr val="bg1">
-              <a:lumMod val="85000"/>
-            </a:schemeClr>
-          </a:solidFill>
-        </p:spPr>
-        <p:txBody>
-          <a:bodyPr wrap="square">
-            <a:spAutoFit/>
-          </a:bodyPr>
-          <a:lstStyle/>
-          <a:p>
-            <a:pPr defTabSz="457200"/>
-            <a:r>
-              <a:rPr lang="en-US" dirty="0">
-                <a:solidFill>
-                  <a:prstClr val="black"/>
-                </a:solidFill>
-                <a:latin typeface="Consolas" panose="020B0609020204030204" pitchFamily="49" charset="0"/>
-                <a:ea typeface="Arial Unicode MS" panose="020B0604020202020204" pitchFamily="34" charset="-128"/>
-                <a:cs typeface="Consolas" panose="020B0609020204030204" pitchFamily="49" charset="0"/>
-              </a:rPr>
-              <a:t># Read in multiple files as individuals; </a:t>
-            </a:r>
-            <a:r>
-              <a:rPr lang="en-US" dirty="0" err="1">
-                <a:solidFill>
-                  <a:prstClr val="black"/>
-                </a:solidFill>
-                <a:latin typeface="Consolas" panose="020B0609020204030204" pitchFamily="49" charset="0"/>
-                <a:ea typeface="Arial Unicode MS" panose="020B0604020202020204" pitchFamily="34" charset="-128"/>
-                <a:cs typeface="Consolas" panose="020B0609020204030204" pitchFamily="49" charset="0"/>
-              </a:rPr>
-              <a:t>list.files</a:t>
-            </a:r>
-            <a:r>
-              <a:rPr lang="en-US" dirty="0">
-                <a:solidFill>
-                  <a:prstClr val="black"/>
-                </a:solidFill>
-                <a:latin typeface="Consolas" panose="020B0609020204030204" pitchFamily="49" charset="0"/>
-                <a:ea typeface="Arial Unicode MS" panose="020B0604020202020204" pitchFamily="34" charset="-128"/>
-                <a:cs typeface="Consolas" panose="020B0609020204030204" pitchFamily="49" charset="0"/>
-              </a:rPr>
-              <a:t>(); </a:t>
-            </a:r>
-            <a:r>
-              <a:rPr lang="en-US" dirty="0" err="1">
-                <a:solidFill>
-                  <a:prstClr val="black"/>
-                </a:solidFill>
-                <a:latin typeface="Consolas" panose="020B0609020204030204" pitchFamily="49" charset="0"/>
-                <a:ea typeface="Arial Unicode MS" panose="020B0604020202020204" pitchFamily="34" charset="-128"/>
-                <a:cs typeface="Consolas" panose="020B0609020204030204" pitchFamily="49" charset="0"/>
-              </a:rPr>
-              <a:t>dir</a:t>
-            </a:r>
-            <a:r>
-              <a:rPr lang="en-US" dirty="0">
-                <a:solidFill>
-                  <a:prstClr val="black"/>
-                </a:solidFill>
-                <a:latin typeface="Consolas" panose="020B0609020204030204" pitchFamily="49" charset="0"/>
-                <a:ea typeface="Arial Unicode MS" panose="020B0604020202020204" pitchFamily="34" charset="-128"/>
-                <a:cs typeface="Consolas" panose="020B0609020204030204" pitchFamily="49" charset="0"/>
-              </a:rPr>
-              <a:t>()</a:t>
-            </a:r>
-          </a:p>
-          <a:p>
-            <a:pPr defTabSz="457200"/>
-            <a:r>
-              <a:rPr lang="en-US" dirty="0" err="1">
-                <a:solidFill>
-                  <a:prstClr val="black"/>
-                </a:solidFill>
-                <a:latin typeface="Consolas" panose="020B0609020204030204" pitchFamily="49" charset="0"/>
-                <a:ea typeface="Arial Unicode MS" panose="020B0604020202020204" pitchFamily="34" charset="-128"/>
-                <a:cs typeface="Consolas" panose="020B0609020204030204" pitchFamily="49" charset="0"/>
-              </a:rPr>
-              <a:t>txtFiles</a:t>
-            </a:r>
-            <a:r>
-              <a:rPr lang="en-US" dirty="0">
-                <a:solidFill>
-                  <a:prstClr val="black"/>
-                </a:solidFill>
-                <a:latin typeface="Consolas" panose="020B0609020204030204" pitchFamily="49" charset="0"/>
-                <a:ea typeface="Arial Unicode MS" panose="020B0604020202020204" pitchFamily="34" charset="-128"/>
-                <a:cs typeface="Consolas" panose="020B0609020204030204" pitchFamily="49" charset="0"/>
-              </a:rPr>
-              <a:t> &lt;- c('chardonnay.csv','coffee.csv','beer.csv') </a:t>
-            </a:r>
-          </a:p>
-          <a:p>
-            <a:pPr defTabSz="457200"/>
-            <a:endParaRPr lang="en-US" dirty="0">
-              <a:solidFill>
-                <a:prstClr val="black"/>
-              </a:solidFill>
-              <a:latin typeface="Consolas" panose="020B0609020204030204" pitchFamily="49" charset="0"/>
-              <a:ea typeface="Arial Unicode MS" panose="020B0604020202020204" pitchFamily="34" charset="-128"/>
-              <a:cs typeface="Consolas" panose="020B0609020204030204" pitchFamily="49" charset="0"/>
-            </a:endParaRPr>
-          </a:p>
-          <a:p>
-            <a:pPr defTabSz="457200"/>
-            <a:r>
-              <a:rPr lang="en-US" dirty="0">
-                <a:solidFill>
-                  <a:prstClr val="black"/>
-                </a:solidFill>
-                <a:latin typeface="Consolas" panose="020B0609020204030204" pitchFamily="49" charset="0"/>
-                <a:ea typeface="Arial Unicode MS" panose="020B0604020202020204" pitchFamily="34" charset="-128"/>
-                <a:cs typeface="Consolas" panose="020B0609020204030204" pitchFamily="49" charset="0"/>
-              </a:rPr>
-              <a:t># Read them into a single list with individual elements</a:t>
-            </a:r>
-          </a:p>
-          <a:p>
-            <a:pPr defTabSz="457200"/>
-            <a:r>
-              <a:rPr lang="en-US" dirty="0" err="1">
-                <a:solidFill>
-                  <a:prstClr val="black"/>
-                </a:solidFill>
-                <a:latin typeface="Consolas" panose="020B0609020204030204" pitchFamily="49" charset="0"/>
-                <a:ea typeface="Arial Unicode MS" panose="020B0604020202020204" pitchFamily="34" charset="-128"/>
-                <a:cs typeface="Consolas" panose="020B0609020204030204" pitchFamily="49" charset="0"/>
-              </a:rPr>
-              <a:t>allDocs</a:t>
-            </a:r>
-            <a:r>
-              <a:rPr lang="en-US" dirty="0">
-                <a:solidFill>
-                  <a:prstClr val="black"/>
-                </a:solidFill>
-                <a:latin typeface="Consolas" panose="020B0609020204030204" pitchFamily="49" charset="0"/>
-                <a:ea typeface="Arial Unicode MS" panose="020B0604020202020204" pitchFamily="34" charset="-128"/>
-                <a:cs typeface="Consolas" panose="020B0609020204030204" pitchFamily="49" charset="0"/>
-              </a:rPr>
-              <a:t> &lt;- </a:t>
-            </a:r>
-            <a:r>
-              <a:rPr lang="en-US" dirty="0" err="1">
-                <a:solidFill>
-                  <a:prstClr val="black"/>
-                </a:solidFill>
-                <a:latin typeface="Consolas" panose="020B0609020204030204" pitchFamily="49" charset="0"/>
-                <a:ea typeface="Arial Unicode MS" panose="020B0604020202020204" pitchFamily="34" charset="-128"/>
-                <a:cs typeface="Consolas" panose="020B0609020204030204" pitchFamily="49" charset="0"/>
-              </a:rPr>
-              <a:t>pblapply</a:t>
-            </a:r>
-            <a:r>
-              <a:rPr lang="en-US" dirty="0">
-                <a:solidFill>
-                  <a:prstClr val="black"/>
-                </a:solidFill>
-                <a:latin typeface="Consolas" panose="020B0609020204030204" pitchFamily="49" charset="0"/>
-                <a:ea typeface="Arial Unicode MS" panose="020B0604020202020204" pitchFamily="34" charset="-128"/>
-                <a:cs typeface="Consolas" panose="020B0609020204030204" pitchFamily="49" charset="0"/>
-              </a:rPr>
-              <a:t>(txtFiles,read.csv)</a:t>
-            </a:r>
-          </a:p>
-        </p:txBody>
-      </p:sp>
-      <p:sp>
-        <p:nvSpPr>
-          <p:cNvPr id="10" name="TextBox 9">
-            <a:extLst>
-              <a:ext uri="{FF2B5EF4-FFF2-40B4-BE49-F238E27FC236}">
-                <a16:creationId xmlns:a16="http://schemas.microsoft.com/office/drawing/2014/main" id="{A5A3EE36-0573-4214-8E8B-E9BD628BC999}"/>
-              </a:ext>
-            </a:extLst>
-          </p:cNvPr>
-          <p:cNvSpPr txBox="1"/>
-          <p:nvPr/>
-        </p:nvSpPr>
-        <p:spPr>
-          <a:xfrm>
-            <a:off x="157656" y="3740769"/>
-            <a:ext cx="8828688" cy="340806"/>
-          </a:xfrm>
-          <a:prstGeom prst="rect">
-            <a:avLst/>
-          </a:prstGeom>
-          <a:solidFill>
-            <a:schemeClr val="accent6">
-              <a:lumMod val="60000"/>
-              <a:lumOff val="40000"/>
-            </a:schemeClr>
-          </a:solidFill>
-        </p:spPr>
-        <p:txBody>
-          <a:bodyPr wrap="square" rtlCol="0">
-            <a:spAutoFit/>
-          </a:bodyPr>
-          <a:lstStyle/>
-          <a:p>
-            <a:pPr algn="ctr" defTabSz="457200"/>
-            <a:r>
-              <a:rPr lang="en-US" sz="1600" dirty="0">
-                <a:solidFill>
-                  <a:prstClr val="white"/>
-                </a:solidFill>
-                <a:latin typeface="+mj-lt"/>
-                <a:ea typeface="Arial Unicode MS" panose="020B0604020202020204" pitchFamily="34" charset="-128"/>
-                <a:cs typeface="Arial Unicode MS" panose="020B0604020202020204" pitchFamily="34" charset="-128"/>
-              </a:rPr>
-              <a:t>With </a:t>
-            </a:r>
-            <a:r>
-              <a:rPr lang="en-US" sz="1600" dirty="0" err="1">
-                <a:solidFill>
-                  <a:prstClr val="white"/>
-                </a:solidFill>
-                <a:latin typeface="+mj-lt"/>
-                <a:ea typeface="Arial Unicode MS" panose="020B0604020202020204" pitchFamily="34" charset="-128"/>
-                <a:cs typeface="Arial Unicode MS" panose="020B0604020202020204" pitchFamily="34" charset="-128"/>
-              </a:rPr>
-              <a:t>lapply</a:t>
-            </a:r>
-            <a:r>
-              <a:rPr lang="en-US" sz="1600" dirty="0">
-                <a:solidFill>
-                  <a:prstClr val="white"/>
-                </a:solidFill>
-                <a:latin typeface="+mj-lt"/>
-                <a:ea typeface="Arial Unicode MS" panose="020B0604020202020204" pitchFamily="34" charset="-128"/>
-                <a:cs typeface="Arial Unicode MS" panose="020B0604020202020204" pitchFamily="34" charset="-128"/>
-              </a:rPr>
-              <a:t> functions each document is a list element of a single object.</a:t>
-            </a:r>
-            <a:endParaRPr lang="en-US" sz="1600" kern="1200" dirty="0">
-              <a:solidFill>
-                <a:prstClr val="white"/>
-              </a:solidFill>
-              <a:latin typeface="+mj-lt"/>
-              <a:ea typeface="Arial Unicode MS" panose="020B0604020202020204" pitchFamily="34" charset="-128"/>
-              <a:cs typeface="Arial Unicode MS" panose="020B0604020202020204" pitchFamily="34" charset="-128"/>
-            </a:endParaRPr>
-          </a:p>
-        </p:txBody>
-      </p:sp>
-      <p:cxnSp>
-        <p:nvCxnSpPr>
-          <p:cNvPr id="11" name="Straight Connector 10">
-            <a:extLst>
-              <a:ext uri="{FF2B5EF4-FFF2-40B4-BE49-F238E27FC236}">
-                <a16:creationId xmlns:a16="http://schemas.microsoft.com/office/drawing/2014/main" id="{59AFA0D3-E54F-DB43-8E7F-E3125D9102C4}"/>
-              </a:ext>
-            </a:extLst>
-          </p:cNvPr>
-          <p:cNvCxnSpPr/>
-          <p:nvPr/>
-        </p:nvCxnSpPr>
-        <p:spPr>
-          <a:xfrm>
-            <a:off x="6798363" y="6549885"/>
-            <a:ext cx="0" cy="182880"/>
-          </a:xfrm>
-          <a:prstGeom prst="line">
-            <a:avLst/>
-          </a:prstGeom>
-          <a:ln>
-            <a:solidFill>
-              <a:schemeClr val="bg1">
-                <a:lumMod val="85000"/>
-              </a:schemeClr>
-            </a:solidFill>
-          </a:ln>
-        </p:spPr>
-        <p:style>
-          <a:lnRef idx="1">
-            <a:schemeClr val="accent1"/>
-          </a:lnRef>
-          <a:fillRef idx="0">
-            <a:schemeClr val="accent1"/>
-          </a:fillRef>
-          <a:effectRef idx="0">
-            <a:schemeClr val="accent1"/>
-          </a:effectRef>
-          <a:fontRef idx="minor">
-            <a:schemeClr val="tx1"/>
-          </a:fontRef>
-        </p:style>
-      </p:cxnSp>
-      <p:cxnSp>
-        <p:nvCxnSpPr>
-          <p:cNvPr id="12" name="Straight Connector 11">
-            <a:extLst>
-              <a:ext uri="{FF2B5EF4-FFF2-40B4-BE49-F238E27FC236}">
-                <a16:creationId xmlns:a16="http://schemas.microsoft.com/office/drawing/2014/main" id="{2154B4A7-532D-7248-BFCA-B0CB2A7E537A}"/>
-              </a:ext>
-            </a:extLst>
-          </p:cNvPr>
-          <p:cNvCxnSpPr/>
-          <p:nvPr/>
-        </p:nvCxnSpPr>
-        <p:spPr>
-          <a:xfrm>
-            <a:off x="7076661" y="4664763"/>
-            <a:ext cx="182880" cy="0"/>
-          </a:xfrm>
-          <a:prstGeom prst="line">
-            <a:avLst/>
-          </a:prstGeom>
-          <a:ln>
-            <a:solidFill>
-              <a:schemeClr val="bg1">
-                <a:lumMod val="85000"/>
-              </a:schemeClr>
-            </a:solidFill>
-          </a:ln>
-        </p:spPr>
-        <p:style>
-          <a:lnRef idx="1">
-            <a:schemeClr val="accent1"/>
-          </a:lnRef>
-          <a:fillRef idx="0">
-            <a:schemeClr val="accent1"/>
-          </a:fillRef>
-          <a:effectRef idx="0">
-            <a:schemeClr val="accent1"/>
-          </a:effectRef>
-          <a:fontRef idx="minor">
-            <a:schemeClr val="tx1"/>
-          </a:fontRef>
-        </p:style>
-      </p:cxnSp>
-    </p:spTree>
-    <p:extLst>
-      <p:ext uri="{BB962C8B-B14F-4D97-AF65-F5344CB8AC3E}">
-        <p14:creationId xmlns:p14="http://schemas.microsoft.com/office/powerpoint/2010/main" val="3327206609"/>
-      </p:ext>
-    </p:extLst>
-  </p:cSld>
-  <p:clrMapOvr>
-    <a:masterClrMapping/>
-  </p:clrMapOvr>
-</p:sld>
-</file>
-
-<file path=ppt/slides/slide17.xml><?xml version="1.0" encoding="utf-8"?>
-<p:sld xmlns:a="http://schemas.openxmlformats.org/drawingml/2006/main" xmlns:r="http://schemas.openxmlformats.org/officeDocument/2006/relationships" xmlns:p="http://schemas.openxmlformats.org/presentationml/2006/main" show="0">
-  <p:cSld>
-    <p:spTree>
-      <p:nvGrpSpPr>
-        <p:cNvPr id="1" name=""/>
-        <p:cNvGrpSpPr/>
-        <p:nvPr/>
-      </p:nvGrpSpPr>
-      <p:grpSpPr>
-        <a:xfrm>
-          <a:off x="0" y="0"/>
-          <a:ext cx="0" cy="0"/>
-          <a:chOff x="0" y="0"/>
-          <a:chExt cx="0" cy="0"/>
-        </a:xfrm>
-      </p:grpSpPr>
-      <p:sp>
-        <p:nvSpPr>
           <p:cNvPr id="2" name="Date Placeholder 1">
             <a:extLst>
               <a:ext uri="{FF2B5EF4-FFF2-40B4-BE49-F238E27FC236}">
@@ -8521,7 +7808,7 @@
           <a:p>
             <a:fld id="{6700A58B-DD98-43D0-B791-721480A02982}" type="datetime1">
               <a:rPr lang="en-US" smtClean="0"/>
-              <a:t>2/25/21</a:t>
+              <a:t>1/18/22</a:t>
             </a:fld>
             <a:endParaRPr lang="en-US"/>
           </a:p>
@@ -8550,8 +7837,13 @@
           <a:p>
             <a:r>
               <a:rPr lang="en-US" dirty="0"/>
-              <a:t>Out 3 Documents as a single list object</a:t>
-            </a:r>
+              <a:t>Each list element is still a </a:t>
+            </a:r>
+            <a:r>
+              <a:rPr lang="en-US" dirty="0" err="1"/>
+              <a:t>dataframe</a:t>
+            </a:r>
+            <a:endParaRPr lang="en-US" dirty="0"/>
           </a:p>
         </p:txBody>
       </p:sp>
@@ -8608,106 +7900,9 @@
             <a:fld id="{37290FF7-652B-4475-AEAB-8B1A5D23AE09}" type="slidenum">
               <a:rPr lang="en-US" smtClean="0"/>
               <a:pPr/>
-              <a:t>17</a:t>
+              <a:t>15</a:t>
             </a:fld>
             <a:endParaRPr lang="en-US" dirty="0"/>
-          </a:p>
-        </p:txBody>
-      </p:sp>
-      <p:sp>
-        <p:nvSpPr>
-          <p:cNvPr id="7" name="Rectangle 6">
-            <a:extLst>
-              <a:ext uri="{FF2B5EF4-FFF2-40B4-BE49-F238E27FC236}">
-                <a16:creationId xmlns:a16="http://schemas.microsoft.com/office/drawing/2014/main" id="{EE809235-CABF-1849-B63C-0B8953EFBBB3}"/>
-              </a:ext>
-            </a:extLst>
-          </p:cNvPr>
-          <p:cNvSpPr/>
-          <p:nvPr/>
-        </p:nvSpPr>
-        <p:spPr>
-          <a:xfrm>
-            <a:off x="1267097" y="1237846"/>
-            <a:ext cx="6609806" cy="369332"/>
-          </a:xfrm>
-          <a:prstGeom prst="rect">
-            <a:avLst/>
-          </a:prstGeom>
-        </p:spPr>
-        <p:txBody>
-          <a:bodyPr wrap="square">
-            <a:spAutoFit/>
-          </a:bodyPr>
-          <a:lstStyle/>
-          <a:p>
-            <a:pPr defTabSz="457200"/>
-            <a:r>
-              <a:rPr lang="en-US" dirty="0" err="1">
-                <a:solidFill>
-                  <a:prstClr val="black"/>
-                </a:solidFill>
-                <a:latin typeface="Consolas" panose="020B0609020204030204" pitchFamily="49" charset="0"/>
-                <a:ea typeface="Arial Unicode MS" panose="020B0604020202020204" pitchFamily="34" charset="-128"/>
-                <a:cs typeface="Consolas" panose="020B0609020204030204" pitchFamily="49" charset="0"/>
-              </a:rPr>
-              <a:t>allDocs</a:t>
-            </a:r>
-            <a:r>
-              <a:rPr lang="en-US" dirty="0">
-                <a:solidFill>
-                  <a:prstClr val="black"/>
-                </a:solidFill>
-                <a:latin typeface="Consolas" panose="020B0609020204030204" pitchFamily="49" charset="0"/>
-                <a:ea typeface="Arial Unicode MS" panose="020B0604020202020204" pitchFamily="34" charset="-128"/>
-                <a:cs typeface="Consolas" panose="020B0609020204030204" pitchFamily="49" charset="0"/>
-              </a:rPr>
-              <a:t> &lt;- </a:t>
-            </a:r>
-            <a:r>
-              <a:rPr lang="en-US" dirty="0" err="1">
-                <a:solidFill>
-                  <a:prstClr val="black"/>
-                </a:solidFill>
-                <a:latin typeface="Consolas" panose="020B0609020204030204" pitchFamily="49" charset="0"/>
-                <a:ea typeface="Arial Unicode MS" panose="020B0604020202020204" pitchFamily="34" charset="-128"/>
-                <a:cs typeface="Consolas" panose="020B0609020204030204" pitchFamily="49" charset="0"/>
-              </a:rPr>
-              <a:t>pblapply</a:t>
-            </a:r>
-            <a:r>
-              <a:rPr lang="en-US" dirty="0">
-                <a:solidFill>
-                  <a:prstClr val="black"/>
-                </a:solidFill>
-                <a:latin typeface="Consolas" panose="020B0609020204030204" pitchFamily="49" charset="0"/>
-                <a:ea typeface="Arial Unicode MS" panose="020B0604020202020204" pitchFamily="34" charset="-128"/>
-                <a:cs typeface="Consolas" panose="020B0609020204030204" pitchFamily="49" charset="0"/>
-              </a:rPr>
-              <a:t>(</a:t>
-            </a:r>
-            <a:r>
-              <a:rPr lang="en-US" dirty="0" err="1">
-                <a:solidFill>
-                  <a:prstClr val="black"/>
-                </a:solidFill>
-                <a:latin typeface="Consolas" panose="020B0609020204030204" pitchFamily="49" charset="0"/>
-                <a:ea typeface="Arial Unicode MS" panose="020B0604020202020204" pitchFamily="34" charset="-128"/>
-                <a:cs typeface="Consolas" panose="020B0609020204030204" pitchFamily="49" charset="0"/>
-              </a:rPr>
-              <a:t>txtFiles,read.csv</a:t>
-            </a:r>
-            <a:r>
-              <a:rPr lang="en-US" dirty="0">
-                <a:solidFill>
-                  <a:prstClr val="black"/>
-                </a:solidFill>
-                <a:latin typeface="Consolas" panose="020B0609020204030204" pitchFamily="49" charset="0"/>
-                <a:ea typeface="Arial Unicode MS" panose="020B0604020202020204" pitchFamily="34" charset="-128"/>
-                <a:cs typeface="Consolas" panose="020B0609020204030204" pitchFamily="49" charset="0"/>
-              </a:rPr>
-              <a:t>)</a:t>
-            </a:r>
           </a:p>
         </p:txBody>
       </p:sp>
@@ -8725,7 +7920,7 @@
         </p:nvSpPr>
         <p:spPr>
           <a:xfrm>
-            <a:off x="1657350" y="2168434"/>
+            <a:off x="61640" y="2168434"/>
             <a:ext cx="1301387" cy="457200"/>
           </a:xfrm>
           <a:prstGeom prst="rect">
@@ -8758,7 +7953,7 @@
                 <a:latin typeface="Consolas" panose="020B0609020204030204" pitchFamily="49" charset="0"/>
                 <a:cs typeface="Consolas" panose="020B0609020204030204" pitchFamily="49" charset="0"/>
               </a:rPr>
-              <a:t>allDocs</a:t>
+              <a:t>txtLst</a:t>
             </a:r>
             <a:endParaRPr lang="en-US" dirty="0">
               <a:latin typeface="Consolas" panose="020B0609020204030204" pitchFamily="49" charset="0"/>
@@ -8781,7 +7976,7 @@
         </p:nvSpPr>
         <p:spPr>
           <a:xfrm>
-            <a:off x="2958737" y="3015336"/>
+            <a:off x="1363027" y="3015336"/>
             <a:ext cx="2266406" cy="457200"/>
           </a:xfrm>
           <a:prstGeom prst="rect">
@@ -8837,7 +8032,7 @@
         </p:nvSpPr>
         <p:spPr>
           <a:xfrm>
-            <a:off x="2958736" y="4229737"/>
+            <a:off x="1363026" y="4177485"/>
             <a:ext cx="2266406" cy="457200"/>
           </a:xfrm>
           <a:prstGeom prst="rect">
@@ -8871,62 +8066,6 @@
                 <a:cs typeface="Consolas" panose="020B0609020204030204" pitchFamily="49" charset="0"/>
               </a:rPr>
               <a:t>coffee.csv</a:t>
-            </a:r>
-            <a:endParaRPr lang="en-US" dirty="0">
-              <a:latin typeface="Consolas" panose="020B0609020204030204" pitchFamily="49" charset="0"/>
-              <a:cs typeface="Consolas" panose="020B0609020204030204" pitchFamily="49" charset="0"/>
-            </a:endParaRPr>
-          </a:p>
-        </p:txBody>
-      </p:sp>
-      <p:sp>
-        <p:nvSpPr>
-          <p:cNvPr id="11" name="Rectangle 10">
-            <a:extLst>
-              <a:ext uri="{FF2B5EF4-FFF2-40B4-BE49-F238E27FC236}">
-                <a16:creationId xmlns:a16="http://schemas.microsoft.com/office/drawing/2014/main" id="{458B3860-AB70-094D-BE66-583D750EE2E1}"/>
-              </a:ext>
-            </a:extLst>
-          </p:cNvPr>
-          <p:cNvSpPr/>
-          <p:nvPr/>
-        </p:nvSpPr>
-        <p:spPr>
-          <a:xfrm>
-            <a:off x="2962003" y="5682238"/>
-            <a:ext cx="2266406" cy="457200"/>
-          </a:xfrm>
-          <a:prstGeom prst="rect">
-            <a:avLst/>
-          </a:prstGeom>
-        </p:spPr>
-        <p:style>
-          <a:lnRef idx="2">
-            <a:schemeClr val="accent1">
-              <a:shade val="50000"/>
-            </a:schemeClr>
-          </a:lnRef>
-          <a:fillRef idx="1">
-            <a:schemeClr val="accent1"/>
-          </a:fillRef>
-          <a:effectRef idx="0">
-            <a:schemeClr val="accent1"/>
-          </a:effectRef>
-          <a:fontRef idx="minor">
-            <a:schemeClr val="lt1"/>
-          </a:fontRef>
-        </p:style>
-        <p:txBody>
-          <a:bodyPr rtlCol="0" anchor="ctr"/>
-          <a:lstStyle/>
-          <a:p>
-            <a:pPr algn="ctr"/>
-            <a:r>
-              <a:rPr lang="en-US" dirty="0" err="1">
-                <a:latin typeface="Consolas" panose="020B0609020204030204" pitchFamily="49" charset="0"/>
-                <a:cs typeface="Consolas" panose="020B0609020204030204" pitchFamily="49" charset="0"/>
-              </a:rPr>
-              <a:t>beer.csv</a:t>
             </a:r>
             <a:endParaRPr lang="en-US" dirty="0">
               <a:latin typeface="Consolas" panose="020B0609020204030204" pitchFamily="49" charset="0"/>
@@ -8952,7 +8091,7 @@
         </p:nvCxnSpPr>
         <p:spPr>
           <a:xfrm rot="16200000" flipH="1">
-            <a:off x="2324239" y="2609438"/>
+            <a:off x="728529" y="2609438"/>
             <a:ext cx="618302" cy="650693"/>
           </a:xfrm>
           <a:prstGeom prst="bentConnector2">
@@ -8995,8 +8134,8 @@
         </p:nvCxnSpPr>
         <p:spPr>
           <a:xfrm rot="16200000" flipH="1">
-            <a:off x="1717039" y="3216639"/>
-            <a:ext cx="1832703" cy="650692"/>
+            <a:off x="147455" y="3190513"/>
+            <a:ext cx="1780451" cy="650692"/>
           </a:xfrm>
           <a:prstGeom prst="bentConnector2">
             <a:avLst/>
@@ -9020,644 +8159,6 @@
           </a:fontRef>
         </p:style>
       </p:cxnSp>
-      <p:cxnSp>
-        <p:nvCxnSpPr>
-          <p:cNvPr id="17" name="Elbow Connector 16">
-            <a:extLst>
-              <a:ext uri="{FF2B5EF4-FFF2-40B4-BE49-F238E27FC236}">
-                <a16:creationId xmlns:a16="http://schemas.microsoft.com/office/drawing/2014/main" id="{A31675D0-B4B8-0747-93C3-2ACB1F94114A}"/>
-              </a:ext>
-            </a:extLst>
-          </p:cNvPr>
-          <p:cNvCxnSpPr>
-            <a:cxnSpLocks/>
-            <a:stCxn id="8" idx="2"/>
-            <a:endCxn id="11" idx="1"/>
-          </p:cNvCxnSpPr>
-          <p:nvPr/>
-        </p:nvCxnSpPr>
-        <p:spPr>
-          <a:xfrm rot="16200000" flipH="1">
-            <a:off x="992421" y="3941256"/>
-            <a:ext cx="3285204" cy="653959"/>
-          </a:xfrm>
-          <a:prstGeom prst="bentConnector2">
-            <a:avLst/>
-          </a:prstGeom>
-          <a:ln>
-            <a:tailEnd type="triangle"/>
-          </a:ln>
-        </p:spPr>
-        <p:style>
-          <a:lnRef idx="1">
-            <a:schemeClr val="accent1"/>
-          </a:lnRef>
-          <a:fillRef idx="0">
-            <a:schemeClr val="accent1"/>
-          </a:fillRef>
-          <a:effectRef idx="0">
-            <a:schemeClr val="accent1"/>
-          </a:effectRef>
-          <a:fontRef idx="minor">
-            <a:schemeClr val="tx1"/>
-          </a:fontRef>
-        </p:style>
-      </p:cxnSp>
-    </p:spTree>
-    <p:extLst>
-      <p:ext uri="{BB962C8B-B14F-4D97-AF65-F5344CB8AC3E}">
-        <p14:creationId xmlns:p14="http://schemas.microsoft.com/office/powerpoint/2010/main" val="60196781"/>
-      </p:ext>
-    </p:extLst>
-  </p:cSld>
-  <p:clrMapOvr>
-    <a:masterClrMapping/>
-  </p:clrMapOvr>
-</p:sld>
-</file>
-
-<file path=ppt/slides/slide18.xml><?xml version="1.0" encoding="utf-8"?>
-<p:sld xmlns:a="http://schemas.openxmlformats.org/drawingml/2006/main" xmlns:r="http://schemas.openxmlformats.org/officeDocument/2006/relationships" xmlns:p="http://schemas.openxmlformats.org/presentationml/2006/main" show="0">
-  <p:cSld>
-    <p:spTree>
-      <p:nvGrpSpPr>
-        <p:cNvPr id="1" name=""/>
-        <p:cNvGrpSpPr/>
-        <p:nvPr/>
-      </p:nvGrpSpPr>
-      <p:grpSpPr>
-        <a:xfrm>
-          <a:off x="0" y="0"/>
-          <a:ext cx="0" cy="0"/>
-          <a:chOff x="0" y="0"/>
-          <a:chExt cx="0" cy="0"/>
-        </a:xfrm>
-      </p:grpSpPr>
-      <p:sp>
-        <p:nvSpPr>
-          <p:cNvPr id="2" name="Date Placeholder 1">
-            <a:extLst>
-              <a:ext uri="{FF2B5EF4-FFF2-40B4-BE49-F238E27FC236}">
-                <a16:creationId xmlns:a16="http://schemas.microsoft.com/office/drawing/2014/main" id="{51E1C17F-350C-F84E-8042-EC7EE0C015F8}"/>
-              </a:ext>
-            </a:extLst>
-          </p:cNvPr>
-          <p:cNvSpPr>
-            <a:spLocks noGrp="1"/>
-          </p:cNvSpPr>
-          <p:nvPr>
-            <p:ph type="dt" sz="half" idx="10"/>
-          </p:nvPr>
-        </p:nvSpPr>
-        <p:spPr/>
-        <p:txBody>
-          <a:bodyPr/>
-          <a:lstStyle/>
-          <a:p>
-            <a:fld id="{6700A58B-DD98-43D0-B791-721480A02982}" type="datetime1">
-              <a:rPr lang="en-US" smtClean="0"/>
-              <a:t>2/25/21</a:t>
-            </a:fld>
-            <a:endParaRPr lang="en-US"/>
-          </a:p>
-        </p:txBody>
-      </p:sp>
-      <p:sp>
-        <p:nvSpPr>
-          <p:cNvPr id="3" name="Title 2">
-            <a:extLst>
-              <a:ext uri="{FF2B5EF4-FFF2-40B4-BE49-F238E27FC236}">
-                <a16:creationId xmlns:a16="http://schemas.microsoft.com/office/drawing/2014/main" id="{67B23D8A-24A2-7F41-8009-A3EE670C787D}"/>
-              </a:ext>
-            </a:extLst>
-          </p:cNvPr>
-          <p:cNvSpPr>
-            <a:spLocks noGrp="1"/>
-          </p:cNvSpPr>
-          <p:nvPr>
-            <p:ph type="title"/>
-          </p:nvPr>
-        </p:nvSpPr>
-        <p:spPr/>
-        <p:txBody>
-          <a:bodyPr/>
-          <a:lstStyle/>
-          <a:p>
-            <a:r>
-              <a:rPr lang="en-US" dirty="0"/>
-              <a:t>Out 3 Documents as a single list object</a:t>
-            </a:r>
-          </a:p>
-        </p:txBody>
-      </p:sp>
-      <p:sp>
-        <p:nvSpPr>
-          <p:cNvPr id="4" name="Footer Placeholder 3">
-            <a:extLst>
-              <a:ext uri="{FF2B5EF4-FFF2-40B4-BE49-F238E27FC236}">
-                <a16:creationId xmlns:a16="http://schemas.microsoft.com/office/drawing/2014/main" id="{AF654C98-0717-D044-8CFC-1D1A72380139}"/>
-              </a:ext>
-            </a:extLst>
-          </p:cNvPr>
-          <p:cNvSpPr>
-            <a:spLocks noGrp="1"/>
-          </p:cNvSpPr>
-          <p:nvPr>
-            <p:ph type="ftr" sz="quarter" idx="3"/>
-          </p:nvPr>
-        </p:nvSpPr>
-        <p:spPr/>
-        <p:txBody>
-          <a:bodyPr/>
-          <a:lstStyle/>
-          <a:p>
-            <a:r>
-              <a:rPr lang="en-US"/>
-              <a:t>Kwartler</a:t>
-            </a:r>
-            <a:endParaRPr lang="en-US" dirty="0"/>
-          </a:p>
-        </p:txBody>
-      </p:sp>
-      <p:sp>
-        <p:nvSpPr>
-          <p:cNvPr id="5" name="Slide Number Placeholder 4">
-            <a:extLst>
-              <a:ext uri="{FF2B5EF4-FFF2-40B4-BE49-F238E27FC236}">
-                <a16:creationId xmlns:a16="http://schemas.microsoft.com/office/drawing/2014/main" id="{B84750F5-283F-DB46-A09D-30BA6F173324}"/>
-              </a:ext>
-            </a:extLst>
-          </p:cNvPr>
-          <p:cNvSpPr>
-            <a:spLocks noGrp="1"/>
-          </p:cNvSpPr>
-          <p:nvPr>
-            <p:ph type="sldNum" sz="quarter" idx="4"/>
-          </p:nvPr>
-        </p:nvSpPr>
-        <p:spPr/>
-        <p:txBody>
-          <a:bodyPr/>
-          <a:lstStyle/>
-          <a:p>
-            <a:fld id="{37290FF7-652B-4475-AEAB-8B1A5D23AE09}" type="slidenum">
-              <a:rPr lang="en-US" smtClean="0"/>
-              <a:pPr/>
-              <a:t>18</a:t>
-            </a:fld>
-            <a:endParaRPr lang="en-US" dirty="0"/>
-          </a:p>
-        </p:txBody>
-      </p:sp>
-      <p:sp>
-        <p:nvSpPr>
-          <p:cNvPr id="7" name="Rectangle 6">
-            <a:extLst>
-              <a:ext uri="{FF2B5EF4-FFF2-40B4-BE49-F238E27FC236}">
-                <a16:creationId xmlns:a16="http://schemas.microsoft.com/office/drawing/2014/main" id="{EE809235-CABF-1849-B63C-0B8953EFBBB3}"/>
-              </a:ext>
-            </a:extLst>
-          </p:cNvPr>
-          <p:cNvSpPr/>
-          <p:nvPr/>
-        </p:nvSpPr>
-        <p:spPr>
-          <a:xfrm>
-            <a:off x="1267097" y="1237846"/>
-            <a:ext cx="6609806" cy="369332"/>
-          </a:xfrm>
-          <a:prstGeom prst="rect">
-            <a:avLst/>
-          </a:prstGeom>
-        </p:spPr>
-        <p:txBody>
-          <a:bodyPr wrap="square">
-            <a:spAutoFit/>
-          </a:bodyPr>
-          <a:lstStyle/>
-          <a:p>
-            <a:pPr defTabSz="457200"/>
-            <a:r>
-              <a:rPr lang="en-US" dirty="0" err="1">
-                <a:solidFill>
-                  <a:prstClr val="black"/>
-                </a:solidFill>
-                <a:latin typeface="Consolas" panose="020B0609020204030204" pitchFamily="49" charset="0"/>
-                <a:ea typeface="Arial Unicode MS" panose="020B0604020202020204" pitchFamily="34" charset="-128"/>
-                <a:cs typeface="Consolas" panose="020B0609020204030204" pitchFamily="49" charset="0"/>
-              </a:rPr>
-              <a:t>allDocs</a:t>
-            </a:r>
-            <a:r>
-              <a:rPr lang="en-US" dirty="0">
-                <a:solidFill>
-                  <a:prstClr val="black"/>
-                </a:solidFill>
-                <a:latin typeface="Consolas" panose="020B0609020204030204" pitchFamily="49" charset="0"/>
-                <a:ea typeface="Arial Unicode MS" panose="020B0604020202020204" pitchFamily="34" charset="-128"/>
-                <a:cs typeface="Consolas" panose="020B0609020204030204" pitchFamily="49" charset="0"/>
-              </a:rPr>
-              <a:t> &lt;- </a:t>
-            </a:r>
-            <a:r>
-              <a:rPr lang="en-US" dirty="0" err="1">
-                <a:solidFill>
-                  <a:prstClr val="black"/>
-                </a:solidFill>
-                <a:latin typeface="Consolas" panose="020B0609020204030204" pitchFamily="49" charset="0"/>
-                <a:ea typeface="Arial Unicode MS" panose="020B0604020202020204" pitchFamily="34" charset="-128"/>
-                <a:cs typeface="Consolas" panose="020B0609020204030204" pitchFamily="49" charset="0"/>
-              </a:rPr>
-              <a:t>pblapply</a:t>
-            </a:r>
-            <a:r>
-              <a:rPr lang="en-US" dirty="0">
-                <a:solidFill>
-                  <a:prstClr val="black"/>
-                </a:solidFill>
-                <a:latin typeface="Consolas" panose="020B0609020204030204" pitchFamily="49" charset="0"/>
-                <a:ea typeface="Arial Unicode MS" panose="020B0604020202020204" pitchFamily="34" charset="-128"/>
-                <a:cs typeface="Consolas" panose="020B0609020204030204" pitchFamily="49" charset="0"/>
-              </a:rPr>
-              <a:t>(</a:t>
-            </a:r>
-            <a:r>
-              <a:rPr lang="en-US" dirty="0" err="1">
-                <a:solidFill>
-                  <a:prstClr val="black"/>
-                </a:solidFill>
-                <a:latin typeface="Consolas" panose="020B0609020204030204" pitchFamily="49" charset="0"/>
-                <a:ea typeface="Arial Unicode MS" panose="020B0604020202020204" pitchFamily="34" charset="-128"/>
-                <a:cs typeface="Consolas" panose="020B0609020204030204" pitchFamily="49" charset="0"/>
-              </a:rPr>
-              <a:t>txtFiles,read.csv</a:t>
-            </a:r>
-            <a:r>
-              <a:rPr lang="en-US" dirty="0">
-                <a:solidFill>
-                  <a:prstClr val="black"/>
-                </a:solidFill>
-                <a:latin typeface="Consolas" panose="020B0609020204030204" pitchFamily="49" charset="0"/>
-                <a:ea typeface="Arial Unicode MS" panose="020B0604020202020204" pitchFamily="34" charset="-128"/>
-                <a:cs typeface="Consolas" panose="020B0609020204030204" pitchFamily="49" charset="0"/>
-              </a:rPr>
-              <a:t>)</a:t>
-            </a:r>
-          </a:p>
-        </p:txBody>
-      </p:sp>
-      <p:sp>
-        <p:nvSpPr>
-          <p:cNvPr id="8" name="Rectangle 7">
-            <a:extLst>
-              <a:ext uri="{FF2B5EF4-FFF2-40B4-BE49-F238E27FC236}">
-                <a16:creationId xmlns:a16="http://schemas.microsoft.com/office/drawing/2014/main" id="{1E8CE02C-9EF2-7A41-91F6-ECB96C932A69}"/>
-              </a:ext>
-            </a:extLst>
-          </p:cNvPr>
-          <p:cNvSpPr/>
-          <p:nvPr/>
-        </p:nvSpPr>
-        <p:spPr>
-          <a:xfrm>
-            <a:off x="1657350" y="2168434"/>
-            <a:ext cx="1301387" cy="457200"/>
-          </a:xfrm>
-          <a:prstGeom prst="rect">
-            <a:avLst/>
-          </a:prstGeom>
-        </p:spPr>
-        <p:style>
-          <a:lnRef idx="2">
-            <a:schemeClr val="accent1">
-              <a:shade val="50000"/>
-            </a:schemeClr>
-          </a:lnRef>
-          <a:fillRef idx="1">
-            <a:schemeClr val="accent1"/>
-          </a:fillRef>
-          <a:effectRef idx="0">
-            <a:schemeClr val="accent1"/>
-          </a:effectRef>
-          <a:fontRef idx="minor">
-            <a:schemeClr val="lt1"/>
-          </a:fontRef>
-        </p:style>
-        <p:txBody>
-          <a:bodyPr rtlCol="0" anchor="ctr"/>
-          <a:lstStyle/>
-          <a:p>
-            <a:pPr algn="ctr"/>
-            <a:r>
-              <a:rPr lang="en-US" dirty="0" err="1">
-                <a:latin typeface="Consolas" panose="020B0609020204030204" pitchFamily="49" charset="0"/>
-                <a:cs typeface="Consolas" panose="020B0609020204030204" pitchFamily="49" charset="0"/>
-              </a:rPr>
-              <a:t>allDocs</a:t>
-            </a:r>
-            <a:endParaRPr lang="en-US" dirty="0">
-              <a:latin typeface="Consolas" panose="020B0609020204030204" pitchFamily="49" charset="0"/>
-              <a:cs typeface="Consolas" panose="020B0609020204030204" pitchFamily="49" charset="0"/>
-            </a:endParaRPr>
-          </a:p>
-        </p:txBody>
-      </p:sp>
-      <p:sp>
-        <p:nvSpPr>
-          <p:cNvPr id="9" name="Rectangle 8">
-            <a:extLst>
-              <a:ext uri="{FF2B5EF4-FFF2-40B4-BE49-F238E27FC236}">
-                <a16:creationId xmlns:a16="http://schemas.microsoft.com/office/drawing/2014/main" id="{CCF91108-5F35-6149-B199-41DDFFCF47B5}"/>
-              </a:ext>
-            </a:extLst>
-          </p:cNvPr>
-          <p:cNvSpPr/>
-          <p:nvPr/>
-        </p:nvSpPr>
-        <p:spPr>
-          <a:xfrm>
-            <a:off x="2958737" y="3015336"/>
-            <a:ext cx="2266406" cy="457200"/>
-          </a:xfrm>
-          <a:prstGeom prst="rect">
-            <a:avLst/>
-          </a:prstGeom>
-        </p:spPr>
-        <p:style>
-          <a:lnRef idx="2">
-            <a:schemeClr val="accent1">
-              <a:shade val="50000"/>
-            </a:schemeClr>
-          </a:lnRef>
-          <a:fillRef idx="1">
-            <a:schemeClr val="accent1"/>
-          </a:fillRef>
-          <a:effectRef idx="0">
-            <a:schemeClr val="accent1"/>
-          </a:effectRef>
-          <a:fontRef idx="minor">
-            <a:schemeClr val="lt1"/>
-          </a:fontRef>
-        </p:style>
-        <p:txBody>
-          <a:bodyPr rtlCol="0" anchor="ctr"/>
-          <a:lstStyle/>
-          <a:p>
-            <a:pPr algn="ctr"/>
-            <a:r>
-              <a:rPr lang="en-US" dirty="0" err="1">
-                <a:latin typeface="Consolas" panose="020B0609020204030204" pitchFamily="49" charset="0"/>
-                <a:cs typeface="Consolas" panose="020B0609020204030204" pitchFamily="49" charset="0"/>
-              </a:rPr>
-              <a:t>chardonnay.csv</a:t>
-            </a:r>
-            <a:endParaRPr lang="en-US" dirty="0">
-              <a:latin typeface="Consolas" panose="020B0609020204030204" pitchFamily="49" charset="0"/>
-              <a:cs typeface="Consolas" panose="020B0609020204030204" pitchFamily="49" charset="0"/>
-            </a:endParaRPr>
-          </a:p>
-        </p:txBody>
-      </p:sp>
-      <p:sp>
-        <p:nvSpPr>
-          <p:cNvPr id="10" name="Rectangle 9">
-            <a:extLst>
-              <a:ext uri="{FF2B5EF4-FFF2-40B4-BE49-F238E27FC236}">
-                <a16:creationId xmlns:a16="http://schemas.microsoft.com/office/drawing/2014/main" id="{338F636B-5BD3-CE41-BEB4-F10FC5907974}"/>
-              </a:ext>
-            </a:extLst>
-          </p:cNvPr>
-          <p:cNvSpPr/>
-          <p:nvPr/>
-        </p:nvSpPr>
-        <p:spPr>
-          <a:xfrm>
-            <a:off x="2958736" y="4177485"/>
-            <a:ext cx="2266406" cy="457200"/>
-          </a:xfrm>
-          <a:prstGeom prst="rect">
-            <a:avLst/>
-          </a:prstGeom>
-        </p:spPr>
-        <p:style>
-          <a:lnRef idx="2">
-            <a:schemeClr val="accent1">
-              <a:shade val="50000"/>
-            </a:schemeClr>
-          </a:lnRef>
-          <a:fillRef idx="1">
-            <a:schemeClr val="accent1"/>
-          </a:fillRef>
-          <a:effectRef idx="0">
-            <a:schemeClr val="accent1"/>
-          </a:effectRef>
-          <a:fontRef idx="minor">
-            <a:schemeClr val="lt1"/>
-          </a:fontRef>
-        </p:style>
-        <p:txBody>
-          <a:bodyPr rtlCol="0" anchor="ctr"/>
-          <a:lstStyle/>
-          <a:p>
-            <a:pPr algn="ctr"/>
-            <a:r>
-              <a:rPr lang="en-US" dirty="0" err="1">
-                <a:latin typeface="Consolas" panose="020B0609020204030204" pitchFamily="49" charset="0"/>
-                <a:cs typeface="Consolas" panose="020B0609020204030204" pitchFamily="49" charset="0"/>
-              </a:rPr>
-              <a:t>coffee.csv</a:t>
-            </a:r>
-            <a:endParaRPr lang="en-US" dirty="0">
-              <a:latin typeface="Consolas" panose="020B0609020204030204" pitchFamily="49" charset="0"/>
-              <a:cs typeface="Consolas" panose="020B0609020204030204" pitchFamily="49" charset="0"/>
-            </a:endParaRPr>
-          </a:p>
-        </p:txBody>
-      </p:sp>
-      <p:sp>
-        <p:nvSpPr>
-          <p:cNvPr id="11" name="Rectangle 10">
-            <a:extLst>
-              <a:ext uri="{FF2B5EF4-FFF2-40B4-BE49-F238E27FC236}">
-                <a16:creationId xmlns:a16="http://schemas.microsoft.com/office/drawing/2014/main" id="{458B3860-AB70-094D-BE66-583D750EE2E1}"/>
-              </a:ext>
-            </a:extLst>
-          </p:cNvPr>
-          <p:cNvSpPr/>
-          <p:nvPr/>
-        </p:nvSpPr>
-        <p:spPr>
-          <a:xfrm>
-            <a:off x="2958736" y="5619617"/>
-            <a:ext cx="2266406" cy="457200"/>
-          </a:xfrm>
-          <a:prstGeom prst="rect">
-            <a:avLst/>
-          </a:prstGeom>
-        </p:spPr>
-        <p:style>
-          <a:lnRef idx="2">
-            <a:schemeClr val="accent1">
-              <a:shade val="50000"/>
-            </a:schemeClr>
-          </a:lnRef>
-          <a:fillRef idx="1">
-            <a:schemeClr val="accent1"/>
-          </a:fillRef>
-          <a:effectRef idx="0">
-            <a:schemeClr val="accent1"/>
-          </a:effectRef>
-          <a:fontRef idx="minor">
-            <a:schemeClr val="lt1"/>
-          </a:fontRef>
-        </p:style>
-        <p:txBody>
-          <a:bodyPr rtlCol="0" anchor="ctr"/>
-          <a:lstStyle/>
-          <a:p>
-            <a:pPr algn="ctr"/>
-            <a:r>
-              <a:rPr lang="en-US" dirty="0" err="1">
-                <a:latin typeface="Consolas" panose="020B0609020204030204" pitchFamily="49" charset="0"/>
-                <a:cs typeface="Consolas" panose="020B0609020204030204" pitchFamily="49" charset="0"/>
-              </a:rPr>
-              <a:t>beer.csv</a:t>
-            </a:r>
-            <a:endParaRPr lang="en-US" dirty="0">
-              <a:latin typeface="Consolas" panose="020B0609020204030204" pitchFamily="49" charset="0"/>
-              <a:cs typeface="Consolas" panose="020B0609020204030204" pitchFamily="49" charset="0"/>
-            </a:endParaRPr>
-          </a:p>
-        </p:txBody>
-      </p:sp>
-      <p:cxnSp>
-        <p:nvCxnSpPr>
-          <p:cNvPr id="13" name="Elbow Connector 12">
-            <a:extLst>
-              <a:ext uri="{FF2B5EF4-FFF2-40B4-BE49-F238E27FC236}">
-                <a16:creationId xmlns:a16="http://schemas.microsoft.com/office/drawing/2014/main" id="{1F63A65B-ED2E-8F4E-AC5D-852FF21F2EF4}"/>
-              </a:ext>
-            </a:extLst>
-          </p:cNvPr>
-          <p:cNvCxnSpPr>
-            <a:stCxn id="8" idx="2"/>
-            <a:endCxn id="9" idx="1"/>
-          </p:cNvCxnSpPr>
-          <p:nvPr/>
-        </p:nvCxnSpPr>
-        <p:spPr>
-          <a:xfrm rot="16200000" flipH="1">
-            <a:off x="2324239" y="2609438"/>
-            <a:ext cx="618302" cy="650693"/>
-          </a:xfrm>
-          <a:prstGeom prst="bentConnector2">
-            <a:avLst/>
-          </a:prstGeom>
-          <a:ln>
-            <a:tailEnd type="triangle"/>
-          </a:ln>
-        </p:spPr>
-        <p:style>
-          <a:lnRef idx="1">
-            <a:schemeClr val="accent1"/>
-          </a:lnRef>
-          <a:fillRef idx="0">
-            <a:schemeClr val="accent1"/>
-          </a:fillRef>
-          <a:effectRef idx="0">
-            <a:schemeClr val="accent1"/>
-          </a:effectRef>
-          <a:fontRef idx="minor">
-            <a:schemeClr val="tx1"/>
-          </a:fontRef>
-        </p:style>
-      </p:cxnSp>
-      <p:cxnSp>
-        <p:nvCxnSpPr>
-          <p:cNvPr id="14" name="Elbow Connector 13">
-            <a:extLst>
-              <a:ext uri="{FF2B5EF4-FFF2-40B4-BE49-F238E27FC236}">
-                <a16:creationId xmlns:a16="http://schemas.microsoft.com/office/drawing/2014/main" id="{F1344C7D-C6C9-5248-9745-631A6B23598C}"/>
-              </a:ext>
-            </a:extLst>
-          </p:cNvPr>
-          <p:cNvCxnSpPr>
-            <a:cxnSpLocks/>
-            <a:stCxn id="8" idx="2"/>
-            <a:endCxn id="10" idx="1"/>
-          </p:cNvCxnSpPr>
-          <p:nvPr/>
-        </p:nvCxnSpPr>
-        <p:spPr>
-          <a:xfrm rot="16200000" flipH="1">
-            <a:off x="1743165" y="3190513"/>
-            <a:ext cx="1780451" cy="650692"/>
-          </a:xfrm>
-          <a:prstGeom prst="bentConnector2">
-            <a:avLst/>
-          </a:prstGeom>
-          <a:ln>
-            <a:tailEnd type="triangle"/>
-          </a:ln>
-        </p:spPr>
-        <p:style>
-          <a:lnRef idx="1">
-            <a:schemeClr val="accent1"/>
-          </a:lnRef>
-          <a:fillRef idx="0">
-            <a:schemeClr val="accent1"/>
-          </a:fillRef>
-          <a:effectRef idx="0">
-            <a:schemeClr val="accent1"/>
-          </a:effectRef>
-          <a:fontRef idx="minor">
-            <a:schemeClr val="tx1"/>
-          </a:fontRef>
-        </p:style>
-      </p:cxnSp>
-      <p:cxnSp>
-        <p:nvCxnSpPr>
-          <p:cNvPr id="17" name="Elbow Connector 16">
-            <a:extLst>
-              <a:ext uri="{FF2B5EF4-FFF2-40B4-BE49-F238E27FC236}">
-                <a16:creationId xmlns:a16="http://schemas.microsoft.com/office/drawing/2014/main" id="{A31675D0-B4B8-0747-93C3-2ACB1F94114A}"/>
-              </a:ext>
-            </a:extLst>
-          </p:cNvPr>
-          <p:cNvCxnSpPr>
-            <a:cxnSpLocks/>
-            <a:stCxn id="8" idx="2"/>
-            <a:endCxn id="11" idx="1"/>
-          </p:cNvCxnSpPr>
-          <p:nvPr/>
-        </p:nvCxnSpPr>
-        <p:spPr>
-          <a:xfrm rot="16200000" flipH="1">
-            <a:off x="1022099" y="3911579"/>
-            <a:ext cx="3222583" cy="650692"/>
-          </a:xfrm>
-          <a:prstGeom prst="bentConnector2">
-            <a:avLst/>
-          </a:prstGeom>
-          <a:ln>
-            <a:tailEnd type="triangle"/>
-          </a:ln>
-        </p:spPr>
-        <p:style>
-          <a:lnRef idx="1">
-            <a:schemeClr val="accent1"/>
-          </a:lnRef>
-          <a:fillRef idx="0">
-            <a:schemeClr val="accent1"/>
-          </a:fillRef>
-          <a:effectRef idx="0">
-            <a:schemeClr val="accent1"/>
-          </a:effectRef>
-          <a:fontRef idx="minor">
-            <a:schemeClr val="tx1"/>
-          </a:fontRef>
-        </p:style>
-      </p:cxnSp>
       <p:sp>
         <p:nvSpPr>
           <p:cNvPr id="15" name="TextBox 14">
@@ -9672,7 +8173,7 @@
         </p:nvSpPr>
         <p:spPr>
           <a:xfrm>
-            <a:off x="5373162" y="2486203"/>
+            <a:off x="3777452" y="2486203"/>
             <a:ext cx="2706062" cy="369332"/>
           </a:xfrm>
           <a:prstGeom prst="rect">
@@ -9707,7 +8208,7 @@
         </p:nvGrpSpPr>
         <p:grpSpPr>
           <a:xfrm>
-            <a:off x="5225142" y="2831148"/>
+            <a:off x="3629432" y="2831148"/>
             <a:ext cx="3008243" cy="825575"/>
             <a:chOff x="2393494" y="2948152"/>
             <a:chExt cx="3008243" cy="825575"/>
@@ -10036,8 +8537,8 @@
         </p:nvSpPr>
         <p:spPr>
           <a:xfrm>
-            <a:off x="5373162" y="3760334"/>
-            <a:ext cx="2123402" cy="369332"/>
+            <a:off x="3777452" y="3760334"/>
+            <a:ext cx="2197140" cy="369332"/>
           </a:xfrm>
           <a:prstGeom prst="rect">
             <a:avLst/>
@@ -10051,12 +8552,8 @@
           <a:lstStyle/>
           <a:p>
             <a:r>
-              <a:rPr lang="en-US" b="1" u="sng" dirty="0" err="1"/>
-              <a:t>cofee</a:t>
-            </a:r>
-            <a:r>
               <a:rPr lang="en-US" b="1" u="sng" dirty="0"/>
-              <a:t> – 1000 Tweets</a:t>
+              <a:t>coffee – 1000 Tweets</a:t>
             </a:r>
           </a:p>
         </p:txBody>
@@ -10075,7 +8572,7 @@
         </p:nvGrpSpPr>
         <p:grpSpPr>
           <a:xfrm>
-            <a:off x="5225142" y="4105279"/>
+            <a:off x="3629432" y="4105279"/>
             <a:ext cx="3008243" cy="825575"/>
             <a:chOff x="2393494" y="2948152"/>
             <a:chExt cx="3008243" cy="825575"/>
@@ -10392,10 +8889,10 @@
       </p:grpSp>
       <p:sp>
         <p:nvSpPr>
-          <p:cNvPr id="34" name="TextBox 33">
+          <p:cNvPr id="43" name="TextBox 42">
             <a:extLst>
               <a:ext uri="{FF2B5EF4-FFF2-40B4-BE49-F238E27FC236}">
-                <a16:creationId xmlns:a16="http://schemas.microsoft.com/office/drawing/2014/main" id="{49C60D6A-D7F8-274E-B9BA-25E26FE9C900}"/>
+                <a16:creationId xmlns:a16="http://schemas.microsoft.com/office/drawing/2014/main" id="{9792CF07-944B-3A4B-A5FB-19BD583BF3FB}"/>
               </a:ext>
             </a:extLst>
           </p:cNvPr>
@@ -10404,8 +8901,8 @@
         </p:nvSpPr>
         <p:spPr>
           <a:xfrm>
-            <a:off x="5697634" y="5114627"/>
-            <a:ext cx="2040430" cy="369332"/>
+            <a:off x="6662450" y="2605692"/>
+            <a:ext cx="1774845" cy="307777"/>
           </a:xfrm>
           <a:prstGeom prst="rect">
             <a:avLst/>
@@ -10419,341 +8916,269 @@
           <a:lstStyle/>
           <a:p>
             <a:r>
-              <a:rPr lang="en-US" b="1" u="sng" dirty="0"/>
-              <a:t>beer – 1000 Tweets</a:t>
-            </a:r>
-          </a:p>
-        </p:txBody>
-      </p:sp>
-      <p:grpSp>
-        <p:nvGrpSpPr>
-          <p:cNvPr id="35" name="Group 34">
+              <a:rPr lang="en-US" sz="1400" dirty="0" err="1">
+                <a:latin typeface="Consolas" panose="020B0609020204030204" pitchFamily="49" charset="0"/>
+                <a:cs typeface="Consolas" panose="020B0609020204030204" pitchFamily="49" charset="0"/>
+              </a:rPr>
+              <a:t>txtLst</a:t>
+            </a:r>
+            <a:r>
+              <a:rPr lang="en-US" sz="1400" dirty="0">
+                <a:latin typeface="Consolas" panose="020B0609020204030204" pitchFamily="49" charset="0"/>
+                <a:cs typeface="Consolas" panose="020B0609020204030204" pitchFamily="49" charset="0"/>
+              </a:rPr>
+              <a:t>[[1]]$text</a:t>
+            </a:r>
+          </a:p>
+        </p:txBody>
+      </p:sp>
+      <p:sp>
+        <p:nvSpPr>
+          <p:cNvPr id="44" name="TextBox 43">
             <a:extLst>
               <a:ext uri="{FF2B5EF4-FFF2-40B4-BE49-F238E27FC236}">
-                <a16:creationId xmlns:a16="http://schemas.microsoft.com/office/drawing/2014/main" id="{36F1E1C6-C1FC-8A43-823F-4C9F0085FFC3}"/>
+                <a16:creationId xmlns:a16="http://schemas.microsoft.com/office/drawing/2014/main" id="{F958E9A4-A84B-D04D-A838-D05E4D600D2F}"/>
               </a:ext>
             </a:extLst>
           </p:cNvPr>
-          <p:cNvGrpSpPr/>
+          <p:cNvSpPr txBox="1"/>
           <p:nvPr/>
-        </p:nvGrpSpPr>
-        <p:grpSpPr>
+        </p:nvSpPr>
+        <p:spPr>
           <a:xfrm>
-            <a:off x="5225142" y="5451800"/>
-            <a:ext cx="3008243" cy="825575"/>
-            <a:chOff x="2393494" y="2948152"/>
-            <a:chExt cx="3008243" cy="825575"/>
-          </a:xfrm>
-        </p:grpSpPr>
-        <p:grpSp>
-          <p:nvGrpSpPr>
-            <p:cNvPr id="36" name="Group 35">
-              <a:extLst>
-                <a:ext uri="{FF2B5EF4-FFF2-40B4-BE49-F238E27FC236}">
-                  <a16:creationId xmlns:a16="http://schemas.microsoft.com/office/drawing/2014/main" id="{43C0F0A9-E5A6-8547-A39F-B535B6D61B51}"/>
-                </a:ext>
-              </a:extLst>
-            </p:cNvPr>
-            <p:cNvGrpSpPr/>
-            <p:nvPr/>
-          </p:nvGrpSpPr>
-          <p:grpSpPr>
-            <a:xfrm>
-              <a:off x="2511573" y="3074532"/>
-              <a:ext cx="2736003" cy="572814"/>
-              <a:chOff x="2538396" y="3039060"/>
-              <a:chExt cx="2736003" cy="572814"/>
-            </a:xfrm>
-          </p:grpSpPr>
-          <p:pic>
-            <p:nvPicPr>
-              <p:cNvPr id="38" name="Picture 2" descr="Image result for document icon">
-                <a:extLst>
-                  <a:ext uri="{FF2B5EF4-FFF2-40B4-BE49-F238E27FC236}">
-                    <a16:creationId xmlns:a16="http://schemas.microsoft.com/office/drawing/2014/main" id="{0179CAED-E634-6345-AA8D-D5BBE8C07C1C}"/>
-                  </a:ext>
-                </a:extLst>
-              </p:cNvPr>
-              <p:cNvPicPr>
-                <a:picLocks noChangeAspect="1" noChangeArrowheads="1"/>
-              </p:cNvPicPr>
-              <p:nvPr/>
-            </p:nvPicPr>
-            <p:blipFill>
-              <a:blip r:embed="rId2" cstate="print">
-                <a:extLst>
-                  <a:ext uri="{28A0092B-C50C-407E-A947-70E740481C1C}">
-                    <a14:useLocalDpi xmlns:a14="http://schemas.microsoft.com/office/drawing/2010/main" val="0"/>
-                  </a:ext>
-                </a:extLst>
-              </a:blip>
-              <a:srcRect/>
-              <a:stretch>
-                <a:fillRect/>
-              </a:stretch>
-            </p:blipFill>
-            <p:spPr bwMode="auto">
-              <a:xfrm>
-                <a:off x="3066941" y="3039060"/>
-                <a:ext cx="572814" cy="572814"/>
-              </a:xfrm>
-              <a:prstGeom prst="rect">
-                <a:avLst/>
-              </a:prstGeom>
-              <a:noFill/>
-              <a:extLst>
-                <a:ext uri="{909E8E84-426E-40DD-AFC4-6F175D3DCCD1}">
-                  <a14:hiddenFill xmlns:a14="http://schemas.microsoft.com/office/drawing/2010/main">
-                    <a:solidFill>
-                      <a:srgbClr val="FFFFFF"/>
-                    </a:solidFill>
-                  </a14:hiddenFill>
-                </a:ext>
-              </a:extLst>
-            </p:spPr>
-          </p:pic>
-          <p:pic>
-            <p:nvPicPr>
-              <p:cNvPr id="39" name="Picture 2" descr="Image result for document icon">
-                <a:extLst>
-                  <a:ext uri="{FF2B5EF4-FFF2-40B4-BE49-F238E27FC236}">
-                    <a16:creationId xmlns:a16="http://schemas.microsoft.com/office/drawing/2014/main" id="{D5A9446F-9EAC-F34A-A064-98C274A062C2}"/>
-                  </a:ext>
-                </a:extLst>
-              </p:cNvPr>
-              <p:cNvPicPr>
-                <a:picLocks noChangeAspect="1" noChangeArrowheads="1"/>
-              </p:cNvPicPr>
-              <p:nvPr/>
-            </p:nvPicPr>
-            <p:blipFill>
-              <a:blip r:embed="rId2" cstate="print">
-                <a:extLst>
-                  <a:ext uri="{28A0092B-C50C-407E-A947-70E740481C1C}">
-                    <a14:useLocalDpi xmlns:a14="http://schemas.microsoft.com/office/drawing/2010/main" val="0"/>
-                  </a:ext>
-                </a:extLst>
-              </a:blip>
-              <a:srcRect/>
-              <a:stretch>
-                <a:fillRect/>
-              </a:stretch>
-            </p:blipFill>
-            <p:spPr bwMode="auto">
-              <a:xfrm>
-                <a:off x="2538396" y="3039060"/>
-                <a:ext cx="572814" cy="572814"/>
-              </a:xfrm>
-              <a:prstGeom prst="rect">
-                <a:avLst/>
-              </a:prstGeom>
-              <a:noFill/>
-              <a:extLst>
-                <a:ext uri="{909E8E84-426E-40DD-AFC4-6F175D3DCCD1}">
-                  <a14:hiddenFill xmlns:a14="http://schemas.microsoft.com/office/drawing/2010/main">
-                    <a:solidFill>
-                      <a:srgbClr val="FFFFFF"/>
-                    </a:solidFill>
-                  </a14:hiddenFill>
-                </a:ext>
-              </a:extLst>
-            </p:spPr>
-          </p:pic>
-          <p:pic>
-            <p:nvPicPr>
-              <p:cNvPr id="40" name="Picture 2" descr="Image result for document icon">
-                <a:extLst>
-                  <a:ext uri="{FF2B5EF4-FFF2-40B4-BE49-F238E27FC236}">
-                    <a16:creationId xmlns:a16="http://schemas.microsoft.com/office/drawing/2014/main" id="{5996B3FD-620D-0F46-A8DF-462640AA575A}"/>
-                  </a:ext>
-                </a:extLst>
-              </p:cNvPr>
-              <p:cNvPicPr>
-                <a:picLocks noChangeAspect="1" noChangeArrowheads="1"/>
-              </p:cNvPicPr>
-              <p:nvPr/>
-            </p:nvPicPr>
-            <p:blipFill>
-              <a:blip r:embed="rId2" cstate="print">
-                <a:extLst>
-                  <a:ext uri="{28A0092B-C50C-407E-A947-70E740481C1C}">
-                    <a14:useLocalDpi xmlns:a14="http://schemas.microsoft.com/office/drawing/2010/main" val="0"/>
-                  </a:ext>
-                </a:extLst>
-              </a:blip>
-              <a:srcRect/>
-              <a:stretch>
-                <a:fillRect/>
-              </a:stretch>
-            </p:blipFill>
-            <p:spPr bwMode="auto">
-              <a:xfrm>
-                <a:off x="4701585" y="3039060"/>
-                <a:ext cx="572814" cy="572814"/>
-              </a:xfrm>
-              <a:prstGeom prst="rect">
-                <a:avLst/>
-              </a:prstGeom>
-              <a:noFill/>
-              <a:extLst>
-                <a:ext uri="{909E8E84-426E-40DD-AFC4-6F175D3DCCD1}">
-                  <a14:hiddenFill xmlns:a14="http://schemas.microsoft.com/office/drawing/2010/main">
-                    <a:solidFill>
-                      <a:srgbClr val="FFFFFF"/>
-                    </a:solidFill>
-                  </a14:hiddenFill>
-                </a:ext>
-              </a:extLst>
-            </p:spPr>
-          </p:pic>
-          <p:pic>
-            <p:nvPicPr>
-              <p:cNvPr id="41" name="Picture 2" descr="Image result for document icon">
-                <a:extLst>
-                  <a:ext uri="{FF2B5EF4-FFF2-40B4-BE49-F238E27FC236}">
-                    <a16:creationId xmlns:a16="http://schemas.microsoft.com/office/drawing/2014/main" id="{16EC8E3F-A7C7-0A41-B23A-4C688EDF71DC}"/>
-                  </a:ext>
-                </a:extLst>
-              </p:cNvPr>
-              <p:cNvPicPr>
-                <a:picLocks noChangeAspect="1" noChangeArrowheads="1"/>
-              </p:cNvPicPr>
-              <p:nvPr/>
-            </p:nvPicPr>
-            <p:blipFill>
-              <a:blip r:embed="rId2" cstate="print">
-                <a:extLst>
-                  <a:ext uri="{28A0092B-C50C-407E-A947-70E740481C1C}">
-                    <a14:useLocalDpi xmlns:a14="http://schemas.microsoft.com/office/drawing/2010/main" val="0"/>
-                  </a:ext>
-                </a:extLst>
-              </a:blip>
-              <a:srcRect/>
-              <a:stretch>
-                <a:fillRect/>
-              </a:stretch>
-            </p:blipFill>
-            <p:spPr bwMode="auto">
-              <a:xfrm>
-                <a:off x="4186293" y="3039060"/>
-                <a:ext cx="572814" cy="572814"/>
-              </a:xfrm>
-              <a:prstGeom prst="rect">
-                <a:avLst/>
-              </a:prstGeom>
-              <a:noFill/>
-              <a:extLst>
-                <a:ext uri="{909E8E84-426E-40DD-AFC4-6F175D3DCCD1}">
-                  <a14:hiddenFill xmlns:a14="http://schemas.microsoft.com/office/drawing/2010/main">
-                    <a:solidFill>
-                      <a:srgbClr val="FFFFFF"/>
-                    </a:solidFill>
-                  </a14:hiddenFill>
-                </a:ext>
-              </a:extLst>
-            </p:spPr>
-          </p:pic>
-          <p:pic>
-            <p:nvPicPr>
-              <p:cNvPr id="42" name="Picture 2" descr="Image result for document icon">
-                <a:extLst>
-                  <a:ext uri="{FF2B5EF4-FFF2-40B4-BE49-F238E27FC236}">
-                    <a16:creationId xmlns:a16="http://schemas.microsoft.com/office/drawing/2014/main" id="{9BAC09C5-B2BD-D142-B820-363A537DF5DA}"/>
-                  </a:ext>
-                </a:extLst>
-              </p:cNvPr>
-              <p:cNvPicPr>
-                <a:picLocks noChangeAspect="1" noChangeArrowheads="1"/>
-              </p:cNvPicPr>
-              <p:nvPr/>
-            </p:nvPicPr>
-            <p:blipFill>
-              <a:blip r:embed="rId2" cstate="print">
-                <a:extLst>
-                  <a:ext uri="{28A0092B-C50C-407E-A947-70E740481C1C}">
-                    <a14:useLocalDpi xmlns:a14="http://schemas.microsoft.com/office/drawing/2010/main" val="0"/>
-                  </a:ext>
-                </a:extLst>
-              </a:blip>
-              <a:srcRect/>
-              <a:stretch>
-                <a:fillRect/>
-              </a:stretch>
-            </p:blipFill>
-            <p:spPr bwMode="auto">
-              <a:xfrm>
-                <a:off x="3626617" y="3039060"/>
-                <a:ext cx="572814" cy="572814"/>
-              </a:xfrm>
-              <a:prstGeom prst="rect">
-                <a:avLst/>
-              </a:prstGeom>
-              <a:noFill/>
-              <a:extLst>
-                <a:ext uri="{909E8E84-426E-40DD-AFC4-6F175D3DCCD1}">
-                  <a14:hiddenFill xmlns:a14="http://schemas.microsoft.com/office/drawing/2010/main">
-                    <a:solidFill>
-                      <a:srgbClr val="FFFFFF"/>
-                    </a:solidFill>
-                  </a14:hiddenFill>
-                </a:ext>
-              </a:extLst>
-            </p:spPr>
-          </p:pic>
-        </p:grpSp>
-        <p:sp>
-          <p:nvSpPr>
-            <p:cNvPr id="37" name="Rounded Rectangle 36">
-              <a:extLst>
-                <a:ext uri="{FF2B5EF4-FFF2-40B4-BE49-F238E27FC236}">
-                  <a16:creationId xmlns:a16="http://schemas.microsoft.com/office/drawing/2014/main" id="{8AA22B40-1C01-AE46-8D26-8181ECE01DB4}"/>
-                </a:ext>
-              </a:extLst>
-            </p:cNvPr>
-            <p:cNvSpPr/>
-            <p:nvPr/>
-          </p:nvSpPr>
-          <p:spPr>
-            <a:xfrm>
-              <a:off x="2393494" y="2948152"/>
-              <a:ext cx="3008243" cy="825575"/>
-            </a:xfrm>
-            <a:prstGeom prst="roundRect">
-              <a:avLst/>
-            </a:prstGeom>
-            <a:noFill/>
-            <a:ln>
-              <a:solidFill>
-                <a:srgbClr val="FFC000"/>
-              </a:solidFill>
-            </a:ln>
-          </p:spPr>
-          <p:style>
-            <a:lnRef idx="2">
-              <a:schemeClr val="accent1">
-                <a:shade val="50000"/>
-              </a:schemeClr>
-            </a:lnRef>
-            <a:fillRef idx="1">
-              <a:schemeClr val="accent1"/>
-            </a:fillRef>
-            <a:effectRef idx="0">
-              <a:schemeClr val="accent1"/>
-            </a:effectRef>
-            <a:fontRef idx="minor">
-              <a:schemeClr val="lt1"/>
-            </a:fontRef>
-          </p:style>
-          <p:txBody>
-            <a:bodyPr rtlCol="0" anchor="ctr"/>
-            <a:lstStyle/>
-            <a:p>
-              <a:pPr algn="ctr"/>
-              <a:endParaRPr lang="en-US"/>
-            </a:p>
-          </p:txBody>
-        </p:sp>
-      </p:grpSp>
+            <a:off x="6662450" y="2937542"/>
+            <a:ext cx="1973617" cy="307777"/>
+          </a:xfrm>
+          <a:prstGeom prst="rect">
+            <a:avLst/>
+          </a:prstGeom>
+          <a:noFill/>
+        </p:spPr>
+        <p:txBody>
+          <a:bodyPr wrap="none" rtlCol="0">
+            <a:spAutoFit/>
+          </a:bodyPr>
+          <a:lstStyle/>
+          <a:p>
+            <a:r>
+              <a:rPr lang="en-US" sz="1400" dirty="0" err="1">
+                <a:latin typeface="Consolas" panose="020B0609020204030204" pitchFamily="49" charset="0"/>
+                <a:cs typeface="Consolas" panose="020B0609020204030204" pitchFamily="49" charset="0"/>
+              </a:rPr>
+              <a:t>txtLst</a:t>
+            </a:r>
+            <a:r>
+              <a:rPr lang="en-US" sz="1400" dirty="0">
+                <a:latin typeface="Consolas" panose="020B0609020204030204" pitchFamily="49" charset="0"/>
+                <a:cs typeface="Consolas" panose="020B0609020204030204" pitchFamily="49" charset="0"/>
+              </a:rPr>
+              <a:t>[[1]]$</a:t>
+            </a:r>
+            <a:r>
+              <a:rPr lang="en-US" sz="1400" dirty="0" err="1">
+                <a:latin typeface="Consolas" panose="020B0609020204030204" pitchFamily="49" charset="0"/>
+                <a:cs typeface="Consolas" panose="020B0609020204030204" pitchFamily="49" charset="0"/>
+              </a:rPr>
+              <a:t>doc_id</a:t>
+            </a:r>
+            <a:endParaRPr lang="en-US" sz="1400" dirty="0">
+              <a:latin typeface="Consolas" panose="020B0609020204030204" pitchFamily="49" charset="0"/>
+              <a:cs typeface="Consolas" panose="020B0609020204030204" pitchFamily="49" charset="0"/>
+            </a:endParaRPr>
+          </a:p>
+        </p:txBody>
+      </p:sp>
+      <p:sp>
+        <p:nvSpPr>
+          <p:cNvPr id="45" name="TextBox 44">
+            <a:extLst>
+              <a:ext uri="{FF2B5EF4-FFF2-40B4-BE49-F238E27FC236}">
+                <a16:creationId xmlns:a16="http://schemas.microsoft.com/office/drawing/2014/main" id="{246CE4D7-D013-8B4A-A2F9-F2AC82C2639B}"/>
+              </a:ext>
+            </a:extLst>
+          </p:cNvPr>
+          <p:cNvSpPr txBox="1"/>
+          <p:nvPr/>
+        </p:nvSpPr>
+        <p:spPr>
+          <a:xfrm>
+            <a:off x="6662450" y="3308515"/>
+            <a:ext cx="1675459" cy="307777"/>
+          </a:xfrm>
+          <a:prstGeom prst="rect">
+            <a:avLst/>
+          </a:prstGeom>
+          <a:noFill/>
+        </p:spPr>
+        <p:txBody>
+          <a:bodyPr wrap="none" rtlCol="0">
+            <a:spAutoFit/>
+          </a:bodyPr>
+          <a:lstStyle/>
+          <a:p>
+            <a:r>
+              <a:rPr lang="en-US" sz="1400" dirty="0" err="1">
+                <a:latin typeface="Consolas" panose="020B0609020204030204" pitchFamily="49" charset="0"/>
+                <a:cs typeface="Consolas" panose="020B0609020204030204" pitchFamily="49" charset="0"/>
+              </a:rPr>
+              <a:t>txtLst</a:t>
+            </a:r>
+            <a:r>
+              <a:rPr lang="en-US" sz="1400" dirty="0">
+                <a:latin typeface="Consolas" panose="020B0609020204030204" pitchFamily="49" charset="0"/>
+                <a:cs typeface="Consolas" panose="020B0609020204030204" pitchFamily="49" charset="0"/>
+              </a:rPr>
+              <a:t>[[1]][,2]</a:t>
+            </a:r>
+          </a:p>
+        </p:txBody>
+      </p:sp>
+      <p:sp>
+        <p:nvSpPr>
+          <p:cNvPr id="46" name="TextBox 45">
+            <a:extLst>
+              <a:ext uri="{FF2B5EF4-FFF2-40B4-BE49-F238E27FC236}">
+                <a16:creationId xmlns:a16="http://schemas.microsoft.com/office/drawing/2014/main" id="{70FB6FDE-13D0-6148-AFE4-BF4937F50951}"/>
+              </a:ext>
+            </a:extLst>
+          </p:cNvPr>
+          <p:cNvSpPr txBox="1"/>
+          <p:nvPr/>
+        </p:nvSpPr>
+        <p:spPr>
+          <a:xfrm>
+            <a:off x="6750996" y="4101650"/>
+            <a:ext cx="1774845" cy="307777"/>
+          </a:xfrm>
+          <a:prstGeom prst="rect">
+            <a:avLst/>
+          </a:prstGeom>
+          <a:noFill/>
+        </p:spPr>
+        <p:txBody>
+          <a:bodyPr wrap="none" rtlCol="0">
+            <a:spAutoFit/>
+          </a:bodyPr>
+          <a:lstStyle/>
+          <a:p>
+            <a:r>
+              <a:rPr lang="en-US" sz="1400" dirty="0" err="1">
+                <a:latin typeface="Consolas" panose="020B0609020204030204" pitchFamily="49" charset="0"/>
+                <a:cs typeface="Consolas" panose="020B0609020204030204" pitchFamily="49" charset="0"/>
+              </a:rPr>
+              <a:t>txtLst</a:t>
+            </a:r>
+            <a:r>
+              <a:rPr lang="en-US" sz="1400" dirty="0">
+                <a:latin typeface="Consolas" panose="020B0609020204030204" pitchFamily="49" charset="0"/>
+                <a:cs typeface="Consolas" panose="020B0609020204030204" pitchFamily="49" charset="0"/>
+              </a:rPr>
+              <a:t>[[2]]$text</a:t>
+            </a:r>
+          </a:p>
+        </p:txBody>
+      </p:sp>
+      <p:sp>
+        <p:nvSpPr>
+          <p:cNvPr id="47" name="TextBox 46">
+            <a:extLst>
+              <a:ext uri="{FF2B5EF4-FFF2-40B4-BE49-F238E27FC236}">
+                <a16:creationId xmlns:a16="http://schemas.microsoft.com/office/drawing/2014/main" id="{DE7C1366-00EF-6C4C-8B6C-253469148300}"/>
+              </a:ext>
+            </a:extLst>
+          </p:cNvPr>
+          <p:cNvSpPr txBox="1"/>
+          <p:nvPr/>
+        </p:nvSpPr>
+        <p:spPr>
+          <a:xfrm>
+            <a:off x="6750996" y="4433500"/>
+            <a:ext cx="1973617" cy="307777"/>
+          </a:xfrm>
+          <a:prstGeom prst="rect">
+            <a:avLst/>
+          </a:prstGeom>
+          <a:noFill/>
+        </p:spPr>
+        <p:txBody>
+          <a:bodyPr wrap="none" rtlCol="0">
+            <a:spAutoFit/>
+          </a:bodyPr>
+          <a:lstStyle/>
+          <a:p>
+            <a:r>
+              <a:rPr lang="en-US" sz="1400" dirty="0" err="1">
+                <a:latin typeface="Consolas" panose="020B0609020204030204" pitchFamily="49" charset="0"/>
+                <a:cs typeface="Consolas" panose="020B0609020204030204" pitchFamily="49" charset="0"/>
+              </a:rPr>
+              <a:t>txtLst</a:t>
+            </a:r>
+            <a:r>
+              <a:rPr lang="en-US" sz="1400" dirty="0">
+                <a:latin typeface="Consolas" panose="020B0609020204030204" pitchFamily="49" charset="0"/>
+                <a:cs typeface="Consolas" panose="020B0609020204030204" pitchFamily="49" charset="0"/>
+              </a:rPr>
+              <a:t>[[2]]$</a:t>
+            </a:r>
+            <a:r>
+              <a:rPr lang="en-US" sz="1400" dirty="0" err="1">
+                <a:latin typeface="Consolas" panose="020B0609020204030204" pitchFamily="49" charset="0"/>
+                <a:cs typeface="Consolas" panose="020B0609020204030204" pitchFamily="49" charset="0"/>
+              </a:rPr>
+              <a:t>doc_id</a:t>
+            </a:r>
+            <a:endParaRPr lang="en-US" sz="1400" dirty="0">
+              <a:latin typeface="Consolas" panose="020B0609020204030204" pitchFamily="49" charset="0"/>
+              <a:cs typeface="Consolas" panose="020B0609020204030204" pitchFamily="49" charset="0"/>
+            </a:endParaRPr>
+          </a:p>
+        </p:txBody>
+      </p:sp>
+      <p:sp>
+        <p:nvSpPr>
+          <p:cNvPr id="48" name="TextBox 47">
+            <a:extLst>
+              <a:ext uri="{FF2B5EF4-FFF2-40B4-BE49-F238E27FC236}">
+                <a16:creationId xmlns:a16="http://schemas.microsoft.com/office/drawing/2014/main" id="{AB3315C0-8451-7E46-AD73-EED4AA50D0D8}"/>
+              </a:ext>
+            </a:extLst>
+          </p:cNvPr>
+          <p:cNvSpPr txBox="1"/>
+          <p:nvPr/>
+        </p:nvSpPr>
+        <p:spPr>
+          <a:xfrm>
+            <a:off x="6750996" y="4804473"/>
+            <a:ext cx="1675459" cy="307777"/>
+          </a:xfrm>
+          <a:prstGeom prst="rect">
+            <a:avLst/>
+          </a:prstGeom>
+          <a:noFill/>
+        </p:spPr>
+        <p:txBody>
+          <a:bodyPr wrap="none" rtlCol="0">
+            <a:spAutoFit/>
+          </a:bodyPr>
+          <a:lstStyle/>
+          <a:p>
+            <a:r>
+              <a:rPr lang="en-US" sz="1400" dirty="0" err="1">
+                <a:latin typeface="Consolas" panose="020B0609020204030204" pitchFamily="49" charset="0"/>
+                <a:cs typeface="Consolas" panose="020B0609020204030204" pitchFamily="49" charset="0"/>
+              </a:rPr>
+              <a:t>txtLst</a:t>
+            </a:r>
+            <a:r>
+              <a:rPr lang="en-US" sz="1400" dirty="0">
+                <a:latin typeface="Consolas" panose="020B0609020204030204" pitchFamily="49" charset="0"/>
+                <a:cs typeface="Consolas" panose="020B0609020204030204" pitchFamily="49" charset="0"/>
+              </a:rPr>
+              <a:t>[[2]][,2]</a:t>
+            </a:r>
+          </a:p>
+        </p:txBody>
+      </p:sp>
     </p:spTree>
     <p:extLst>
       <p:ext uri="{BB962C8B-B14F-4D97-AF65-F5344CB8AC3E}">
@@ -10767,8 +9192,8 @@
 </p:sld>
 </file>
 
-<file path=ppt/slides/slide19.xml><?xml version="1.0" encoding="utf-8"?>
-<p:sld xmlns:a="http://schemas.openxmlformats.org/drawingml/2006/main" xmlns:r="http://schemas.openxmlformats.org/officeDocument/2006/relationships" xmlns:p="http://schemas.openxmlformats.org/presentationml/2006/main" show="0">
+<file path=ppt/slides/slide16.xml><?xml version="1.0" encoding="utf-8"?>
+<p:sld xmlns:a="http://schemas.openxmlformats.org/drawingml/2006/main" xmlns:r="http://schemas.openxmlformats.org/officeDocument/2006/relationships" xmlns:p="http://schemas.openxmlformats.org/presentationml/2006/main">
   <p:cSld>
     <p:spTree>
       <p:nvGrpSpPr>
@@ -10807,7 +9232,7 @@
           <a:p>
             <a:fld id="{6700A58B-DD98-43D0-B791-721480A02982}" type="datetime1">
               <a:rPr lang="en-US" smtClean="0"/>
-              <a:t>2/25/21</a:t>
+              <a:t>1/18/22</a:t>
             </a:fld>
             <a:endParaRPr lang="en-US"/>
           </a:p>
@@ -10831,8 +9256,8 @@
         </p:nvSpPr>
         <p:spPr>
           <a:xfrm>
-            <a:off x="0" y="365126"/>
-            <a:ext cx="9144000" cy="591477"/>
+            <a:off x="61640" y="365126"/>
+            <a:ext cx="9082360" cy="591477"/>
           </a:xfrm>
         </p:spPr>
         <p:txBody>
@@ -10840,8 +9265,8 @@
           <a:lstStyle/>
           <a:p>
             <a:r>
-              <a:rPr lang="en-US" dirty="0"/>
-              <a:t> Multiple Document Collections as a single list object</a:t>
+              <a:rPr lang="en-US" sz="2800" dirty="0"/>
+              <a:t>Loop through each element and apply the processing steps</a:t>
             </a:r>
           </a:p>
         </p:txBody>
@@ -10899,124 +9324,9 @@
             <a:fld id="{37290FF7-652B-4475-AEAB-8B1A5D23AE09}" type="slidenum">
               <a:rPr lang="en-US" smtClean="0"/>
               <a:pPr/>
-              <a:t>19</a:t>
+              <a:t>16</a:t>
             </a:fld>
             <a:endParaRPr lang="en-US" dirty="0"/>
-          </a:p>
-        </p:txBody>
-      </p:sp>
-      <p:sp>
-        <p:nvSpPr>
-          <p:cNvPr id="7" name="Rectangle 6">
-            <a:extLst>
-              <a:ext uri="{FF2B5EF4-FFF2-40B4-BE49-F238E27FC236}">
-                <a16:creationId xmlns:a16="http://schemas.microsoft.com/office/drawing/2014/main" id="{EE809235-CABF-1849-B63C-0B8953EFBBB3}"/>
-              </a:ext>
-            </a:extLst>
-          </p:cNvPr>
-          <p:cNvSpPr/>
-          <p:nvPr/>
-        </p:nvSpPr>
-        <p:spPr>
-          <a:xfrm>
-            <a:off x="1267097" y="1237846"/>
-            <a:ext cx="6609806" cy="369332"/>
-          </a:xfrm>
-          <a:prstGeom prst="rect">
-            <a:avLst/>
-          </a:prstGeom>
-        </p:spPr>
-        <p:txBody>
-          <a:bodyPr wrap="square">
-            <a:spAutoFit/>
-          </a:bodyPr>
-          <a:lstStyle/>
-          <a:p>
-            <a:pPr defTabSz="457200"/>
-            <a:r>
-              <a:rPr lang="en-US" dirty="0" err="1">
-                <a:solidFill>
-                  <a:prstClr val="black"/>
-                </a:solidFill>
-                <a:highlight>
-                  <a:srgbClr val="C0C0C0"/>
-                </a:highlight>
-                <a:latin typeface="Consolas" panose="020B0609020204030204" pitchFamily="49" charset="0"/>
-                <a:ea typeface="Arial Unicode MS" panose="020B0604020202020204" pitchFamily="34" charset="-128"/>
-                <a:cs typeface="Consolas" panose="020B0609020204030204" pitchFamily="49" charset="0"/>
-              </a:rPr>
-              <a:t>allDocs</a:t>
-            </a:r>
-            <a:r>
-              <a:rPr lang="en-US" dirty="0">
-                <a:solidFill>
-                  <a:prstClr val="black"/>
-                </a:solidFill>
-                <a:highlight>
-                  <a:srgbClr val="C0C0C0"/>
-                </a:highlight>
-                <a:latin typeface="Consolas" panose="020B0609020204030204" pitchFamily="49" charset="0"/>
-                <a:ea typeface="Arial Unicode MS" panose="020B0604020202020204" pitchFamily="34" charset="-128"/>
-                <a:cs typeface="Consolas" panose="020B0609020204030204" pitchFamily="49" charset="0"/>
-              </a:rPr>
-              <a:t> &lt;- </a:t>
-            </a:r>
-            <a:r>
-              <a:rPr lang="en-US" dirty="0" err="1">
-                <a:solidFill>
-                  <a:prstClr val="black"/>
-                </a:solidFill>
-                <a:highlight>
-                  <a:srgbClr val="C0C0C0"/>
-                </a:highlight>
-                <a:latin typeface="Consolas" panose="020B0609020204030204" pitchFamily="49" charset="0"/>
-                <a:ea typeface="Arial Unicode MS" panose="020B0604020202020204" pitchFamily="34" charset="-128"/>
-                <a:cs typeface="Consolas" panose="020B0609020204030204" pitchFamily="49" charset="0"/>
-              </a:rPr>
-              <a:t>pblapply</a:t>
-            </a:r>
-            <a:r>
-              <a:rPr lang="en-US" dirty="0">
-                <a:solidFill>
-                  <a:prstClr val="black"/>
-                </a:solidFill>
-                <a:highlight>
-                  <a:srgbClr val="C0C0C0"/>
-                </a:highlight>
-                <a:latin typeface="Consolas" panose="020B0609020204030204" pitchFamily="49" charset="0"/>
-                <a:ea typeface="Arial Unicode MS" panose="020B0604020202020204" pitchFamily="34" charset="-128"/>
-                <a:cs typeface="Consolas" panose="020B0609020204030204" pitchFamily="49" charset="0"/>
-              </a:rPr>
-              <a:t>(</a:t>
-            </a:r>
-            <a:r>
-              <a:rPr lang="en-US" dirty="0" err="1">
-                <a:solidFill>
-                  <a:prstClr val="black"/>
-                </a:solidFill>
-                <a:highlight>
-                  <a:srgbClr val="C0C0C0"/>
-                </a:highlight>
-                <a:latin typeface="Consolas" panose="020B0609020204030204" pitchFamily="49" charset="0"/>
-                <a:ea typeface="Arial Unicode MS" panose="020B0604020202020204" pitchFamily="34" charset="-128"/>
-                <a:cs typeface="Consolas" panose="020B0609020204030204" pitchFamily="49" charset="0"/>
-              </a:rPr>
-              <a:t>txtFiles,read.csv</a:t>
-            </a:r>
-            <a:r>
-              <a:rPr lang="en-US" dirty="0">
-                <a:solidFill>
-                  <a:prstClr val="black"/>
-                </a:solidFill>
-                <a:highlight>
-                  <a:srgbClr val="C0C0C0"/>
-                </a:highlight>
-                <a:latin typeface="Consolas" panose="020B0609020204030204" pitchFamily="49" charset="0"/>
-                <a:ea typeface="Arial Unicode MS" panose="020B0604020202020204" pitchFamily="34" charset="-128"/>
-                <a:cs typeface="Consolas" panose="020B0609020204030204" pitchFamily="49" charset="0"/>
-              </a:rPr>
-              <a:t>)</a:t>
-            </a:r>
           </a:p>
         </p:txBody>
       </p:sp>
@@ -11034,7 +9344,7 @@
         </p:nvSpPr>
         <p:spPr>
           <a:xfrm>
-            <a:off x="1657350" y="2168434"/>
+            <a:off x="61640" y="2168434"/>
             <a:ext cx="1301387" cy="457200"/>
           </a:xfrm>
           <a:prstGeom prst="rect">
@@ -11067,7 +9377,7 @@
                 <a:latin typeface="Consolas" panose="020B0609020204030204" pitchFamily="49" charset="0"/>
                 <a:cs typeface="Consolas" panose="020B0609020204030204" pitchFamily="49" charset="0"/>
               </a:rPr>
-              <a:t>allDocs</a:t>
+              <a:t>txtLst</a:t>
             </a:r>
             <a:endParaRPr lang="en-US" dirty="0">
               <a:latin typeface="Consolas" panose="020B0609020204030204" pitchFamily="49" charset="0"/>
@@ -11090,7 +9400,7 @@
         </p:nvSpPr>
         <p:spPr>
           <a:xfrm>
-            <a:off x="2958737" y="3015336"/>
+            <a:off x="1363027" y="3015336"/>
             <a:ext cx="2266406" cy="457200"/>
           </a:xfrm>
           <a:prstGeom prst="rect">
@@ -11146,12 +9456,15 @@
         </p:nvSpPr>
         <p:spPr>
           <a:xfrm>
-            <a:off x="2958736" y="4373430"/>
+            <a:off x="1363026" y="4177485"/>
             <a:ext cx="2266406" cy="457200"/>
           </a:xfrm>
           <a:prstGeom prst="rect">
             <a:avLst/>
           </a:prstGeom>
+          <a:solidFill>
+            <a:schemeClr val="accent2"/>
+          </a:solidFill>
         </p:spPr>
         <p:style>
           <a:lnRef idx="2">
@@ -11180,62 +9493,6 @@
                 <a:cs typeface="Consolas" panose="020B0609020204030204" pitchFamily="49" charset="0"/>
               </a:rPr>
               <a:t>coffee.csv</a:t>
-            </a:r>
-            <a:endParaRPr lang="en-US" dirty="0">
-              <a:latin typeface="Consolas" panose="020B0609020204030204" pitchFamily="49" charset="0"/>
-              <a:cs typeface="Consolas" panose="020B0609020204030204" pitchFamily="49" charset="0"/>
-            </a:endParaRPr>
-          </a:p>
-        </p:txBody>
-      </p:sp>
-      <p:sp>
-        <p:nvSpPr>
-          <p:cNvPr id="11" name="Rectangle 10">
-            <a:extLst>
-              <a:ext uri="{FF2B5EF4-FFF2-40B4-BE49-F238E27FC236}">
-                <a16:creationId xmlns:a16="http://schemas.microsoft.com/office/drawing/2014/main" id="{458B3860-AB70-094D-BE66-583D750EE2E1}"/>
-              </a:ext>
-            </a:extLst>
-          </p:cNvPr>
-          <p:cNvSpPr/>
-          <p:nvPr/>
-        </p:nvSpPr>
-        <p:spPr>
-          <a:xfrm>
-            <a:off x="2958736" y="5528178"/>
-            <a:ext cx="2266406" cy="457200"/>
-          </a:xfrm>
-          <a:prstGeom prst="rect">
-            <a:avLst/>
-          </a:prstGeom>
-        </p:spPr>
-        <p:style>
-          <a:lnRef idx="2">
-            <a:schemeClr val="accent1">
-              <a:shade val="50000"/>
-            </a:schemeClr>
-          </a:lnRef>
-          <a:fillRef idx="1">
-            <a:schemeClr val="accent1"/>
-          </a:fillRef>
-          <a:effectRef idx="0">
-            <a:schemeClr val="accent1"/>
-          </a:effectRef>
-          <a:fontRef idx="minor">
-            <a:schemeClr val="lt1"/>
-          </a:fontRef>
-        </p:style>
-        <p:txBody>
-          <a:bodyPr rtlCol="0" anchor="ctr"/>
-          <a:lstStyle/>
-          <a:p>
-            <a:pPr algn="ctr"/>
-            <a:r>
-              <a:rPr lang="en-US" dirty="0" err="1">
-                <a:latin typeface="Consolas" panose="020B0609020204030204" pitchFamily="49" charset="0"/>
-                <a:cs typeface="Consolas" panose="020B0609020204030204" pitchFamily="49" charset="0"/>
-              </a:rPr>
-              <a:t>beer.csv</a:t>
             </a:r>
             <a:endParaRPr lang="en-US" dirty="0">
               <a:latin typeface="Consolas" panose="020B0609020204030204" pitchFamily="49" charset="0"/>
@@ -11261,7 +9518,7 @@
         </p:nvCxnSpPr>
         <p:spPr>
           <a:xfrm rot="16200000" flipH="1">
-            <a:off x="2324239" y="2609438"/>
+            <a:off x="728529" y="2609438"/>
             <a:ext cx="618302" cy="650693"/>
           </a:xfrm>
           <a:prstGeom prst="bentConnector2">
@@ -11304,13 +9561,16 @@
         </p:nvCxnSpPr>
         <p:spPr>
           <a:xfrm rot="16200000" flipH="1">
-            <a:off x="1645192" y="3288486"/>
-            <a:ext cx="1976396" cy="650692"/>
+            <a:off x="147455" y="3190513"/>
+            <a:ext cx="1780451" cy="650692"/>
           </a:xfrm>
           <a:prstGeom prst="bentConnector2">
             <a:avLst/>
           </a:prstGeom>
           <a:ln>
+            <a:solidFill>
+              <a:schemeClr val="accent2"/>
+            </a:solidFill>
             <a:tailEnd type="triangle"/>
           </a:ln>
         </p:spPr>
@@ -11329,55 +9589,12 @@
           </a:fontRef>
         </p:style>
       </p:cxnSp>
-      <p:cxnSp>
-        <p:nvCxnSpPr>
-          <p:cNvPr id="17" name="Elbow Connector 16">
+      <p:sp>
+        <p:nvSpPr>
+          <p:cNvPr id="36" name="TextBox 35">
             <a:extLst>
               <a:ext uri="{FF2B5EF4-FFF2-40B4-BE49-F238E27FC236}">
-                <a16:creationId xmlns:a16="http://schemas.microsoft.com/office/drawing/2014/main" id="{A31675D0-B4B8-0747-93C3-2ACB1F94114A}"/>
-              </a:ext>
-            </a:extLst>
-          </p:cNvPr>
-          <p:cNvCxnSpPr>
-            <a:cxnSpLocks/>
-            <a:stCxn id="8" idx="2"/>
-            <a:endCxn id="11" idx="1"/>
-          </p:cNvCxnSpPr>
-          <p:nvPr/>
-        </p:nvCxnSpPr>
-        <p:spPr>
-          <a:xfrm rot="16200000" flipH="1">
-            <a:off x="1067818" y="3865860"/>
-            <a:ext cx="3131144" cy="650692"/>
-          </a:xfrm>
-          <a:prstGeom prst="bentConnector2">
-            <a:avLst/>
-          </a:prstGeom>
-          <a:ln>
-            <a:tailEnd type="triangle"/>
-          </a:ln>
-        </p:spPr>
-        <p:style>
-          <a:lnRef idx="1">
-            <a:schemeClr val="accent1"/>
-          </a:lnRef>
-          <a:fillRef idx="0">
-            <a:schemeClr val="accent1"/>
-          </a:fillRef>
-          <a:effectRef idx="0">
-            <a:schemeClr val="accent1"/>
-          </a:effectRef>
-          <a:fontRef idx="minor">
-            <a:schemeClr val="tx1"/>
-          </a:fontRef>
-        </p:style>
-      </p:cxnSp>
-      <p:sp>
-        <p:nvSpPr>
-          <p:cNvPr id="6" name="TextBox 5">
-            <a:extLst>
-              <a:ext uri="{FF2B5EF4-FFF2-40B4-BE49-F238E27FC236}">
-                <a16:creationId xmlns:a16="http://schemas.microsoft.com/office/drawing/2014/main" id="{C77D46BD-4023-8944-AA32-D5BF024FD7A6}"/>
+                <a16:creationId xmlns:a16="http://schemas.microsoft.com/office/drawing/2014/main" id="{13CA6F69-59CE-3140-9A5D-42AD56F418A6}"/>
               </a:ext>
             </a:extLst>
           </p:cNvPr>
@@ -11386,8 +9603,8 @@
         </p:nvSpPr>
         <p:spPr>
           <a:xfrm>
-            <a:off x="550273" y="3044421"/>
-            <a:ext cx="1704313" cy="369332"/>
+            <a:off x="3629432" y="2932477"/>
+            <a:ext cx="5514568" cy="1815882"/>
           </a:xfrm>
           <a:prstGeom prst="rect">
             <a:avLst/>
@@ -11395,34 +9612,371 @@
           <a:noFill/>
         </p:spPr>
         <p:txBody>
-          <a:bodyPr wrap="none" rtlCol="0">
+          <a:bodyPr wrap="square">
             <a:spAutoFit/>
           </a:bodyPr>
           <a:lstStyle/>
           <a:p>
             <a:r>
-              <a:rPr lang="en-US" dirty="0" err="1">
+              <a:rPr lang="en-US" sz="1400" dirty="0">
                 <a:latin typeface="Consolas" panose="020B0609020204030204" pitchFamily="49" charset="0"/>
                 <a:cs typeface="Consolas" panose="020B0609020204030204" pitchFamily="49" charset="0"/>
               </a:rPr>
-              <a:t>allDocs</a:t>
-            </a:r>
-            <a:r>
-              <a:rPr lang="en-US" dirty="0">
+              <a:t>for(</a:t>
+            </a:r>
+            <a:r>
+              <a:rPr lang="en-US" sz="1400" dirty="0" err="1">
                 <a:latin typeface="Consolas" panose="020B0609020204030204" pitchFamily="49" charset="0"/>
                 <a:cs typeface="Consolas" panose="020B0609020204030204" pitchFamily="49" charset="0"/>
               </a:rPr>
-              <a:t>[[1]]</a:t>
-            </a:r>
-          </a:p>
-        </p:txBody>
-      </p:sp>
-      <p:sp>
-        <p:nvSpPr>
-          <p:cNvPr id="15" name="TextBox 14">
+              <a:t>i</a:t>
+            </a:r>
+            <a:r>
+              <a:rPr lang="en-US" sz="1400" dirty="0">
+                <a:latin typeface="Consolas" panose="020B0609020204030204" pitchFamily="49" charset="0"/>
+                <a:cs typeface="Consolas" panose="020B0609020204030204" pitchFamily="49" charset="0"/>
+              </a:rPr>
+              <a:t> in 1:length(</a:t>
+            </a:r>
+            <a:r>
+              <a:rPr lang="en-US" sz="1400" dirty="0" err="1">
+                <a:latin typeface="Consolas" panose="020B0609020204030204" pitchFamily="49" charset="0"/>
+                <a:cs typeface="Consolas" panose="020B0609020204030204" pitchFamily="49" charset="0"/>
+              </a:rPr>
+              <a:t>txtLst</a:t>
+            </a:r>
+            <a:r>
+              <a:rPr lang="en-US" sz="1400" dirty="0">
+                <a:latin typeface="Consolas" panose="020B0609020204030204" pitchFamily="49" charset="0"/>
+                <a:cs typeface="Consolas" panose="020B0609020204030204" pitchFamily="49" charset="0"/>
+              </a:rPr>
+              <a:t>)){</a:t>
+            </a:r>
+          </a:p>
+          <a:p>
+            <a:r>
+              <a:rPr lang="en-US" sz="1400" dirty="0">
+                <a:latin typeface="Consolas" panose="020B0609020204030204" pitchFamily="49" charset="0"/>
+                <a:cs typeface="Consolas" panose="020B0609020204030204" pitchFamily="49" charset="0"/>
+              </a:rPr>
+              <a:t>  print(paste('working on',</a:t>
+            </a:r>
+            <a:r>
+              <a:rPr lang="en-US" sz="1400" dirty="0" err="1">
+                <a:latin typeface="Consolas" panose="020B0609020204030204" pitchFamily="49" charset="0"/>
+                <a:cs typeface="Consolas" panose="020B0609020204030204" pitchFamily="49" charset="0"/>
+              </a:rPr>
+              <a:t>i</a:t>
+            </a:r>
+            <a:r>
+              <a:rPr lang="en-US" sz="1400" dirty="0">
+                <a:latin typeface="Consolas" panose="020B0609020204030204" pitchFamily="49" charset="0"/>
+                <a:cs typeface="Consolas" panose="020B0609020204030204" pitchFamily="49" charset="0"/>
+              </a:rPr>
+              <a:t>, 'of', length(</a:t>
+            </a:r>
+            <a:r>
+              <a:rPr lang="en-US" sz="1400" dirty="0" err="1">
+                <a:latin typeface="Consolas" panose="020B0609020204030204" pitchFamily="49" charset="0"/>
+                <a:cs typeface="Consolas" panose="020B0609020204030204" pitchFamily="49" charset="0"/>
+              </a:rPr>
+              <a:t>txtLst</a:t>
+            </a:r>
+            <a:r>
+              <a:rPr lang="en-US" sz="1400" dirty="0">
+                <a:latin typeface="Consolas" panose="020B0609020204030204" pitchFamily="49" charset="0"/>
+                <a:cs typeface="Consolas" panose="020B0609020204030204" pitchFamily="49" charset="0"/>
+              </a:rPr>
+              <a:t>)))</a:t>
+            </a:r>
+          </a:p>
+          <a:p>
+            <a:r>
+              <a:rPr lang="en-US" sz="1400" dirty="0">
+                <a:latin typeface="Consolas" panose="020B0609020204030204" pitchFamily="49" charset="0"/>
+                <a:cs typeface="Consolas" panose="020B0609020204030204" pitchFamily="49" charset="0"/>
+              </a:rPr>
+              <a:t>  </a:t>
+            </a:r>
+            <a:r>
+              <a:rPr lang="en-US" sz="1400" dirty="0" err="1">
+                <a:latin typeface="Consolas" panose="020B0609020204030204" pitchFamily="49" charset="0"/>
+                <a:cs typeface="Consolas" panose="020B0609020204030204" pitchFamily="49" charset="0"/>
+              </a:rPr>
+              <a:t>tmp</a:t>
+            </a:r>
+            <a:r>
+              <a:rPr lang="en-US" sz="1400" dirty="0">
+                <a:latin typeface="Consolas" panose="020B0609020204030204" pitchFamily="49" charset="0"/>
+                <a:cs typeface="Consolas" panose="020B0609020204030204" pitchFamily="49" charset="0"/>
+              </a:rPr>
+              <a:t> &lt;- paste(</a:t>
+            </a:r>
+            <a:r>
+              <a:rPr lang="en-US" sz="1400" dirty="0" err="1">
+                <a:latin typeface="Consolas" panose="020B0609020204030204" pitchFamily="49" charset="0"/>
+                <a:cs typeface="Consolas" panose="020B0609020204030204" pitchFamily="49" charset="0"/>
+              </a:rPr>
+              <a:t>txtLst</a:t>
+            </a:r>
+            <a:r>
+              <a:rPr lang="en-US" sz="1400" dirty="0">
+                <a:latin typeface="Consolas" panose="020B0609020204030204" pitchFamily="49" charset="0"/>
+                <a:cs typeface="Consolas" panose="020B0609020204030204" pitchFamily="49" charset="0"/>
+              </a:rPr>
+              <a:t>[[</a:t>
+            </a:r>
+            <a:r>
+              <a:rPr lang="en-US" sz="1400" dirty="0" err="1">
+                <a:latin typeface="Consolas" panose="020B0609020204030204" pitchFamily="49" charset="0"/>
+                <a:cs typeface="Consolas" panose="020B0609020204030204" pitchFamily="49" charset="0"/>
+              </a:rPr>
+              <a:t>i</a:t>
+            </a:r>
+            <a:r>
+              <a:rPr lang="en-US" sz="1400" dirty="0">
+                <a:latin typeface="Consolas" panose="020B0609020204030204" pitchFamily="49" charset="0"/>
+                <a:cs typeface="Consolas" panose="020B0609020204030204" pitchFamily="49" charset="0"/>
+              </a:rPr>
+              <a:t>]]$text, collapse = ' ')</a:t>
+            </a:r>
+          </a:p>
+          <a:p>
+            <a:r>
+              <a:rPr lang="en-US" sz="1400" dirty="0">
+                <a:latin typeface="Consolas" panose="020B0609020204030204" pitchFamily="49" charset="0"/>
+                <a:cs typeface="Consolas" panose="020B0609020204030204" pitchFamily="49" charset="0"/>
+              </a:rPr>
+              <a:t>  </a:t>
+            </a:r>
+            <a:r>
+              <a:rPr lang="en-US" sz="1400" dirty="0" err="1">
+                <a:latin typeface="Consolas" panose="020B0609020204030204" pitchFamily="49" charset="0"/>
+                <a:cs typeface="Consolas" panose="020B0609020204030204" pitchFamily="49" charset="0"/>
+              </a:rPr>
+              <a:t>tmp</a:t>
+            </a:r>
+            <a:r>
+              <a:rPr lang="en-US" sz="1400" dirty="0">
+                <a:latin typeface="Consolas" panose="020B0609020204030204" pitchFamily="49" charset="0"/>
+                <a:cs typeface="Consolas" panose="020B0609020204030204" pitchFamily="49" charset="0"/>
+              </a:rPr>
+              <a:t> &lt;- </a:t>
+            </a:r>
+            <a:r>
+              <a:rPr lang="en-US" sz="1400" dirty="0" err="1">
+                <a:latin typeface="Consolas" panose="020B0609020204030204" pitchFamily="49" charset="0"/>
+                <a:cs typeface="Consolas" panose="020B0609020204030204" pitchFamily="49" charset="0"/>
+              </a:rPr>
+              <a:t>VCorpus</a:t>
+            </a:r>
+            <a:r>
+              <a:rPr lang="en-US" sz="1400" dirty="0">
+                <a:latin typeface="Consolas" panose="020B0609020204030204" pitchFamily="49" charset="0"/>
+                <a:cs typeface="Consolas" panose="020B0609020204030204" pitchFamily="49" charset="0"/>
+              </a:rPr>
+              <a:t>(</a:t>
+            </a:r>
+            <a:r>
+              <a:rPr lang="en-US" sz="1400" dirty="0" err="1">
+                <a:latin typeface="Consolas" panose="020B0609020204030204" pitchFamily="49" charset="0"/>
+                <a:cs typeface="Consolas" panose="020B0609020204030204" pitchFamily="49" charset="0"/>
+              </a:rPr>
+              <a:t>VectorSource</a:t>
+            </a:r>
+            <a:r>
+              <a:rPr lang="en-US" sz="1400" dirty="0">
+                <a:latin typeface="Consolas" panose="020B0609020204030204" pitchFamily="49" charset="0"/>
+                <a:cs typeface="Consolas" panose="020B0609020204030204" pitchFamily="49" charset="0"/>
+              </a:rPr>
+              <a:t>(</a:t>
+            </a:r>
+            <a:r>
+              <a:rPr lang="en-US" sz="1400" dirty="0" err="1">
+                <a:latin typeface="Consolas" panose="020B0609020204030204" pitchFamily="49" charset="0"/>
+                <a:cs typeface="Consolas" panose="020B0609020204030204" pitchFamily="49" charset="0"/>
+              </a:rPr>
+              <a:t>tmp</a:t>
+            </a:r>
+            <a:r>
+              <a:rPr lang="en-US" sz="1400" dirty="0">
+                <a:latin typeface="Consolas" panose="020B0609020204030204" pitchFamily="49" charset="0"/>
+                <a:cs typeface="Consolas" panose="020B0609020204030204" pitchFamily="49" charset="0"/>
+              </a:rPr>
+              <a:t>))</a:t>
+            </a:r>
+          </a:p>
+          <a:p>
+            <a:r>
+              <a:rPr lang="en-US" sz="1400" dirty="0">
+                <a:latin typeface="Consolas" panose="020B0609020204030204" pitchFamily="49" charset="0"/>
+                <a:cs typeface="Consolas" panose="020B0609020204030204" pitchFamily="49" charset="0"/>
+              </a:rPr>
+              <a:t>  </a:t>
+            </a:r>
+            <a:r>
+              <a:rPr lang="en-US" sz="1400" dirty="0" err="1">
+                <a:latin typeface="Consolas" panose="020B0609020204030204" pitchFamily="49" charset="0"/>
+                <a:cs typeface="Consolas" panose="020B0609020204030204" pitchFamily="49" charset="0"/>
+              </a:rPr>
+              <a:t>tmp</a:t>
+            </a:r>
+            <a:r>
+              <a:rPr lang="en-US" sz="1400" dirty="0">
+                <a:latin typeface="Consolas" panose="020B0609020204030204" pitchFamily="49" charset="0"/>
+                <a:cs typeface="Consolas" panose="020B0609020204030204" pitchFamily="49" charset="0"/>
+              </a:rPr>
+              <a:t> &lt;- </a:t>
+            </a:r>
+            <a:r>
+              <a:rPr lang="en-US" sz="1400" dirty="0" err="1">
+                <a:latin typeface="Consolas" panose="020B0609020204030204" pitchFamily="49" charset="0"/>
+                <a:cs typeface="Consolas" panose="020B0609020204030204" pitchFamily="49" charset="0"/>
+              </a:rPr>
+              <a:t>cleanCorpus</a:t>
+            </a:r>
+            <a:r>
+              <a:rPr lang="en-US" sz="1400" dirty="0">
+                <a:latin typeface="Consolas" panose="020B0609020204030204" pitchFamily="49" charset="0"/>
+                <a:cs typeface="Consolas" panose="020B0609020204030204" pitchFamily="49" charset="0"/>
+              </a:rPr>
+              <a:t>(</a:t>
+            </a:r>
+            <a:r>
+              <a:rPr lang="en-US" sz="1400" dirty="0" err="1">
+                <a:latin typeface="Consolas" panose="020B0609020204030204" pitchFamily="49" charset="0"/>
+                <a:cs typeface="Consolas" panose="020B0609020204030204" pitchFamily="49" charset="0"/>
+              </a:rPr>
+              <a:t>tmp</a:t>
+            </a:r>
+            <a:r>
+              <a:rPr lang="en-US" sz="1400" dirty="0">
+                <a:latin typeface="Consolas" panose="020B0609020204030204" pitchFamily="49" charset="0"/>
+                <a:cs typeface="Consolas" panose="020B0609020204030204" pitchFamily="49" charset="0"/>
+              </a:rPr>
+              <a:t>, stops)</a:t>
+            </a:r>
+          </a:p>
+          <a:p>
+            <a:r>
+              <a:rPr lang="en-US" sz="1400" dirty="0">
+                <a:latin typeface="Consolas" panose="020B0609020204030204" pitchFamily="49" charset="0"/>
+                <a:cs typeface="Consolas" panose="020B0609020204030204" pitchFamily="49" charset="0"/>
+              </a:rPr>
+              <a:t>  </a:t>
+            </a:r>
+            <a:r>
+              <a:rPr lang="en-US" sz="1400" dirty="0" err="1">
+                <a:latin typeface="Consolas" panose="020B0609020204030204" pitchFamily="49" charset="0"/>
+                <a:cs typeface="Consolas" panose="020B0609020204030204" pitchFamily="49" charset="0"/>
+              </a:rPr>
+              <a:t>tmp</a:t>
+            </a:r>
+            <a:r>
+              <a:rPr lang="en-US" sz="1400" dirty="0">
+                <a:latin typeface="Consolas" panose="020B0609020204030204" pitchFamily="49" charset="0"/>
+                <a:cs typeface="Consolas" panose="020B0609020204030204" pitchFamily="49" charset="0"/>
+              </a:rPr>
+              <a:t> &lt;- </a:t>
+            </a:r>
+            <a:r>
+              <a:rPr lang="en-US" sz="1400" dirty="0" err="1">
+                <a:latin typeface="Consolas" panose="020B0609020204030204" pitchFamily="49" charset="0"/>
+                <a:cs typeface="Consolas" panose="020B0609020204030204" pitchFamily="49" charset="0"/>
+              </a:rPr>
+              <a:t>sapply</a:t>
+            </a:r>
+            <a:r>
+              <a:rPr lang="en-US" sz="1400" dirty="0">
+                <a:latin typeface="Consolas" panose="020B0609020204030204" pitchFamily="49" charset="0"/>
+                <a:cs typeface="Consolas" panose="020B0609020204030204" pitchFamily="49" charset="0"/>
+              </a:rPr>
+              <a:t>(</a:t>
+            </a:r>
+            <a:r>
+              <a:rPr lang="en-US" sz="1400" dirty="0" err="1">
+                <a:latin typeface="Consolas" panose="020B0609020204030204" pitchFamily="49" charset="0"/>
+                <a:cs typeface="Consolas" panose="020B0609020204030204" pitchFamily="49" charset="0"/>
+              </a:rPr>
+              <a:t>tmp</a:t>
+            </a:r>
+            <a:r>
+              <a:rPr lang="en-US" sz="1400" dirty="0">
+                <a:latin typeface="Consolas" panose="020B0609020204030204" pitchFamily="49" charset="0"/>
+                <a:cs typeface="Consolas" panose="020B0609020204030204" pitchFamily="49" charset="0"/>
+              </a:rPr>
+              <a:t>, content)</a:t>
+            </a:r>
+          </a:p>
+          <a:p>
+            <a:r>
+              <a:rPr lang="en-US" sz="1400" dirty="0">
+                <a:latin typeface="Consolas" panose="020B0609020204030204" pitchFamily="49" charset="0"/>
+                <a:cs typeface="Consolas" panose="020B0609020204030204" pitchFamily="49" charset="0"/>
+              </a:rPr>
+              <a:t>  </a:t>
+            </a:r>
+            <a:r>
+              <a:rPr lang="en-US" sz="1400" dirty="0" err="1">
+                <a:latin typeface="Consolas" panose="020B0609020204030204" pitchFamily="49" charset="0"/>
+                <a:cs typeface="Consolas" panose="020B0609020204030204" pitchFamily="49" charset="0"/>
+              </a:rPr>
+              <a:t>txtLst</a:t>
+            </a:r>
+            <a:r>
+              <a:rPr lang="en-US" sz="1400" dirty="0">
+                <a:latin typeface="Consolas" panose="020B0609020204030204" pitchFamily="49" charset="0"/>
+                <a:cs typeface="Consolas" panose="020B0609020204030204" pitchFamily="49" charset="0"/>
+              </a:rPr>
+              <a:t>[[</a:t>
+            </a:r>
+            <a:r>
+              <a:rPr lang="en-US" sz="1400" dirty="0" err="1">
+                <a:latin typeface="Consolas" panose="020B0609020204030204" pitchFamily="49" charset="0"/>
+                <a:cs typeface="Consolas" panose="020B0609020204030204" pitchFamily="49" charset="0"/>
+              </a:rPr>
+              <a:t>i</a:t>
+            </a:r>
+            <a:r>
+              <a:rPr lang="en-US" sz="1400" dirty="0">
+                <a:latin typeface="Consolas" panose="020B0609020204030204" pitchFamily="49" charset="0"/>
+                <a:cs typeface="Consolas" panose="020B0609020204030204" pitchFamily="49" charset="0"/>
+              </a:rPr>
+              <a:t>]] &lt;- </a:t>
+            </a:r>
+            <a:r>
+              <a:rPr lang="en-US" sz="1400" dirty="0" err="1">
+                <a:latin typeface="Consolas" panose="020B0609020204030204" pitchFamily="49" charset="0"/>
+                <a:cs typeface="Consolas" panose="020B0609020204030204" pitchFamily="49" charset="0"/>
+              </a:rPr>
+              <a:t>tmp</a:t>
+            </a:r>
+            <a:endParaRPr lang="en-US" sz="1400" dirty="0">
+              <a:latin typeface="Consolas" panose="020B0609020204030204" pitchFamily="49" charset="0"/>
+              <a:cs typeface="Consolas" panose="020B0609020204030204" pitchFamily="49" charset="0"/>
+            </a:endParaRPr>
+          </a:p>
+          <a:p>
+            <a:r>
+              <a:rPr lang="en-US" sz="1400">
+                <a:latin typeface="Consolas" panose="020B0609020204030204" pitchFamily="49" charset="0"/>
+                <a:cs typeface="Consolas" panose="020B0609020204030204" pitchFamily="49" charset="0"/>
+              </a:rPr>
+              <a:t>}</a:t>
+            </a:r>
+            <a:endParaRPr lang="en-US" sz="1400" dirty="0">
+              <a:latin typeface="Consolas" panose="020B0609020204030204" pitchFamily="49" charset="0"/>
+              <a:cs typeface="Consolas" panose="020B0609020204030204" pitchFamily="49" charset="0"/>
+            </a:endParaRPr>
+          </a:p>
+        </p:txBody>
+      </p:sp>
+      <p:sp>
+        <p:nvSpPr>
+          <p:cNvPr id="37" name="TextBox 36">
             <a:extLst>
               <a:ext uri="{FF2B5EF4-FFF2-40B4-BE49-F238E27FC236}">
-                <a16:creationId xmlns:a16="http://schemas.microsoft.com/office/drawing/2014/main" id="{9596800C-750D-8F4D-B27B-AE5E3BAA8600}"/>
+                <a16:creationId xmlns:a16="http://schemas.microsoft.com/office/drawing/2014/main" id="{02E765F2-4230-E44F-A7EE-6E0C3D583447}"/>
               </a:ext>
             </a:extLst>
           </p:cNvPr>
@@ -11431,78 +9985,64 @@
         </p:nvSpPr>
         <p:spPr>
           <a:xfrm>
-            <a:off x="577002" y="4387339"/>
-            <a:ext cx="1704313" cy="369332"/>
+            <a:off x="3865463" y="2168434"/>
+            <a:ext cx="5216897" cy="738664"/>
           </a:xfrm>
           <a:prstGeom prst="rect">
             <a:avLst/>
           </a:prstGeom>
-          <a:noFill/>
+          <a:solidFill>
+            <a:schemeClr val="accent6"/>
+          </a:solidFill>
         </p:spPr>
         <p:txBody>
-          <a:bodyPr wrap="none" rtlCol="0">
+          <a:bodyPr wrap="square" rtlCol="0">
             <a:spAutoFit/>
           </a:bodyPr>
           <a:lstStyle/>
           <a:p>
-            <a:r>
-              <a:rPr lang="en-US" dirty="0" err="1">
-                <a:latin typeface="Consolas" panose="020B0609020204030204" pitchFamily="49" charset="0"/>
+            <a:pPr algn="ctr"/>
+            <a:r>
+              <a:rPr lang="en-US" sz="1400" dirty="0" err="1">
+                <a:solidFill>
+                  <a:schemeClr val="bg1"/>
+                </a:solidFill>
                 <a:cs typeface="Consolas" panose="020B0609020204030204" pitchFamily="49" charset="0"/>
               </a:rPr>
-              <a:t>allDocs</a:t>
-            </a:r>
-            <a:r>
-              <a:rPr lang="en-US" dirty="0">
-                <a:latin typeface="Consolas" panose="020B0609020204030204" pitchFamily="49" charset="0"/>
+              <a:t>i</a:t>
+            </a:r>
+            <a:r>
+              <a:rPr lang="en-US" sz="1400" dirty="0">
+                <a:solidFill>
+                  <a:schemeClr val="bg1"/>
+                </a:solidFill>
                 <a:cs typeface="Consolas" panose="020B0609020204030204" pitchFamily="49" charset="0"/>
               </a:rPr>
-              <a:t>[[2]]</a:t>
-            </a:r>
-          </a:p>
-        </p:txBody>
-      </p:sp>
-      <p:sp>
-        <p:nvSpPr>
-          <p:cNvPr id="16" name="TextBox 15">
-            <a:extLst>
-              <a:ext uri="{FF2B5EF4-FFF2-40B4-BE49-F238E27FC236}">
-                <a16:creationId xmlns:a16="http://schemas.microsoft.com/office/drawing/2014/main" id="{604FF152-40C4-2346-9C0E-082D185B34CF}"/>
-              </a:ext>
-            </a:extLst>
-          </p:cNvPr>
-          <p:cNvSpPr txBox="1"/>
-          <p:nvPr/>
-        </p:nvSpPr>
-        <p:spPr>
-          <a:xfrm>
-            <a:off x="550272" y="5572112"/>
-            <a:ext cx="1704313" cy="369332"/>
-          </a:xfrm>
-          <a:prstGeom prst="rect">
-            <a:avLst/>
-          </a:prstGeom>
-          <a:noFill/>
-        </p:spPr>
-        <p:txBody>
-          <a:bodyPr wrap="none" rtlCol="0">
-            <a:spAutoFit/>
-          </a:bodyPr>
-          <a:lstStyle/>
-          <a:p>
-            <a:r>
-              <a:rPr lang="en-US" dirty="0" err="1">
-                <a:latin typeface="Consolas" panose="020B0609020204030204" pitchFamily="49" charset="0"/>
+              <a:t> &lt;- 1 the first time through…</a:t>
+            </a:r>
+          </a:p>
+          <a:p>
+            <a:pPr algn="ctr"/>
+            <a:r>
+              <a:rPr lang="en-US" sz="1400" dirty="0">
+                <a:solidFill>
+                  <a:schemeClr val="bg1"/>
+                </a:solidFill>
                 <a:cs typeface="Consolas" panose="020B0609020204030204" pitchFamily="49" charset="0"/>
               </a:rPr>
-              <a:t>allDocs</a:t>
-            </a:r>
-            <a:r>
-              <a:rPr lang="en-US" dirty="0">
-                <a:latin typeface="Consolas" panose="020B0609020204030204" pitchFamily="49" charset="0"/>
+              <a:t>Referring to the first list data frame..</a:t>
+            </a:r>
+          </a:p>
+          <a:p>
+            <a:pPr algn="ctr"/>
+            <a:r>
+              <a:rPr lang="en-US" sz="1400" dirty="0">
+                <a:solidFill>
+                  <a:schemeClr val="bg1"/>
+                </a:solidFill>
                 <a:cs typeface="Consolas" panose="020B0609020204030204" pitchFamily="49" charset="0"/>
               </a:rPr>
-              <a:t>[[3]]</a:t>
+              <a:t>Then 2 and so on</a:t>
             </a:r>
           </a:p>
         </p:txBody>
@@ -11510,7 +10050,7 @@
     </p:spTree>
     <p:extLst>
       <p:ext uri="{BB962C8B-B14F-4D97-AF65-F5344CB8AC3E}">
-        <p14:creationId xmlns:p14="http://schemas.microsoft.com/office/powerpoint/2010/main" val="430306129"/>
+        <p14:creationId xmlns:p14="http://schemas.microsoft.com/office/powerpoint/2010/main" val="1264397571"/>
       </p:ext>
     </p:extLst>
   </p:cSld>
@@ -11520,7 +10060,7 @@
 </p:sld>
 </file>
 
-<file path=ppt/slides/slide2.xml><?xml version="1.0" encoding="utf-8"?>
+<file path=ppt/slides/slide17.xml><?xml version="1.0" encoding="utf-8"?>
 <p:sld xmlns:a="http://schemas.openxmlformats.org/drawingml/2006/main" xmlns:r="http://schemas.openxmlformats.org/officeDocument/2006/relationships" xmlns:p="http://schemas.openxmlformats.org/presentationml/2006/main">
   <p:cSld>
     <p:spTree>
@@ -11539,124 +10079,6 @@
       </p:grpSpPr>
       <p:sp>
         <p:nvSpPr>
-          <p:cNvPr id="11" name="Rectangle 10">
-            <a:extLst>
-              <a:ext uri="{FF2B5EF4-FFF2-40B4-BE49-F238E27FC236}">
-                <a16:creationId xmlns:a16="http://schemas.microsoft.com/office/drawing/2014/main" id="{C246B7D1-453D-487B-B491-889C15C460F6}"/>
-              </a:ext>
-            </a:extLst>
-          </p:cNvPr>
-          <p:cNvSpPr/>
-          <p:nvPr/>
-        </p:nvSpPr>
-        <p:spPr>
-          <a:xfrm>
-            <a:off x="512916" y="2025076"/>
-            <a:ext cx="8118168" cy="3176852"/>
-          </a:xfrm>
-          <a:prstGeom prst="rect">
-            <a:avLst/>
-          </a:prstGeom>
-          <a:solidFill>
-            <a:schemeClr val="bg1"/>
-          </a:solidFill>
-          <a:ln w="9525">
-            <a:solidFill>
-              <a:schemeClr val="bg2"/>
-            </a:solidFill>
-          </a:ln>
-        </p:spPr>
-        <p:style>
-          <a:lnRef idx="2">
-            <a:schemeClr val="accent1">
-              <a:shade val="50000"/>
-            </a:schemeClr>
-          </a:lnRef>
-          <a:fillRef idx="1">
-            <a:schemeClr val="accent1"/>
-          </a:fillRef>
-          <a:effectRef idx="0">
-            <a:schemeClr val="accent1"/>
-          </a:effectRef>
-          <a:fontRef idx="minor">
-            <a:schemeClr val="lt1"/>
-          </a:fontRef>
-        </p:style>
-        <p:txBody>
-          <a:bodyPr lIns="88900" tIns="88900" rIns="88900" bIns="88900" rtlCol="0" anchor="t" anchorCtr="0"/>
-          <a:lstStyle/>
-          <a:p>
-            <a:pPr defTabSz="457200"/>
-            <a:endParaRPr lang="en-US" sz="1000" dirty="0">
-              <a:solidFill>
-                <a:schemeClr val="tx2"/>
-              </a:solidFill>
-            </a:endParaRPr>
-          </a:p>
-        </p:txBody>
-      </p:sp>
-      <p:sp>
-        <p:nvSpPr>
-          <p:cNvPr id="12" name="Rectangle 11">
-            <a:extLst>
-              <a:ext uri="{FF2B5EF4-FFF2-40B4-BE49-F238E27FC236}">
-                <a16:creationId xmlns:a16="http://schemas.microsoft.com/office/drawing/2014/main" id="{2C95F845-8979-407C-9F4E-6FBCB9476B2D}"/>
-              </a:ext>
-            </a:extLst>
-          </p:cNvPr>
-          <p:cNvSpPr/>
-          <p:nvPr/>
-        </p:nvSpPr>
-        <p:spPr>
-          <a:xfrm>
-            <a:off x="512916" y="1656073"/>
-            <a:ext cx="8118168" cy="365760"/>
-          </a:xfrm>
-          <a:prstGeom prst="rect">
-            <a:avLst/>
-          </a:prstGeom>
-          <a:solidFill>
-            <a:schemeClr val="accent3"/>
-          </a:solidFill>
-          <a:ln w="9525">
-            <a:solidFill>
-              <a:schemeClr val="accent3"/>
-            </a:solidFill>
-          </a:ln>
-        </p:spPr>
-        <p:style>
-          <a:lnRef idx="2">
-            <a:schemeClr val="accent1">
-              <a:shade val="50000"/>
-            </a:schemeClr>
-          </a:lnRef>
-          <a:fillRef idx="1">
-            <a:schemeClr val="accent1"/>
-          </a:fillRef>
-          <a:effectRef idx="0">
-            <a:schemeClr val="accent1"/>
-          </a:effectRef>
-          <a:fontRef idx="minor">
-            <a:schemeClr val="lt1"/>
-          </a:fontRef>
-        </p:style>
-        <p:txBody>
-          <a:bodyPr lIns="88900" tIns="88900" rIns="88900" bIns="88900" rtlCol="0" anchor="ctr"/>
-          <a:lstStyle/>
-          <a:p>
-            <a:r>
-              <a:rPr lang="en-US" sz="1200" b="1" dirty="0">
-                <a:solidFill>
-                  <a:schemeClr val="bg1"/>
-                </a:solidFill>
-              </a:rPr>
-              <a:t>“Text mining is so fun.  So do text mining!</a:t>
-            </a:r>
-          </a:p>
-        </p:txBody>
-      </p:sp>
-      <p:sp>
-        <p:nvSpPr>
           <p:cNvPr id="2" name="Date Placeholder 1"/>
           <p:cNvSpPr>
             <a:spLocks noGrp="1"/>
@@ -11673,7 +10095,7 @@
             <a:fld id="{6700A58B-DD98-43D0-B791-721480A02982}" type="datetime1">
               <a:rPr lang="en-US" smtClean="0"/>
               <a:pPr/>
-              <a:t>2/25/21</a:t>
+              <a:t>1/18/22</a:t>
             </a:fld>
             <a:endParaRPr lang="en-US"/>
           </a:p>
@@ -11696,7 +10118,7 @@
           <a:p>
             <a:r>
               <a:rPr lang="en-US"/>
-              <a:t>Unigram Tokenization</a:t>
+              <a:t>Manipulating multiple corpora</a:t>
             </a:r>
             <a:endParaRPr lang="en-US" dirty="0"/>
           </a:p>
@@ -11743,1298 +10165,7 @@
             <a:fld id="{37290FF7-652B-4475-AEAB-8B1A5D23AE09}" type="slidenum">
               <a:rPr lang="en-US" smtClean="0"/>
               <a:pPr/>
-              <a:t>2</a:t>
-            </a:fld>
-            <a:endParaRPr lang="en-US"/>
-          </a:p>
-        </p:txBody>
-      </p:sp>
-      <p:sp>
-        <p:nvSpPr>
-          <p:cNvPr id="7" name="TextBox 6">
-            <a:extLst>
-              <a:ext uri="{FF2B5EF4-FFF2-40B4-BE49-F238E27FC236}">
-                <a16:creationId xmlns:a16="http://schemas.microsoft.com/office/drawing/2014/main" id="{B99349F3-A8F2-4D17-B849-7F8115A13DC7}"/>
-              </a:ext>
-            </a:extLst>
-          </p:cNvPr>
-          <p:cNvSpPr txBox="1"/>
-          <p:nvPr/>
-        </p:nvSpPr>
-        <p:spPr>
-          <a:xfrm>
-            <a:off x="440250" y="5196043"/>
-            <a:ext cx="1890261" cy="276999"/>
-          </a:xfrm>
-          <a:prstGeom prst="rect">
-            <a:avLst/>
-          </a:prstGeom>
-          <a:noFill/>
-        </p:spPr>
-        <p:txBody>
-          <a:bodyPr wrap="none" rtlCol="0">
-            <a:spAutoFit/>
-          </a:bodyPr>
-          <a:lstStyle/>
-          <a:p>
-            <a:pPr defTabSz="457200"/>
-            <a:r>
-              <a:rPr lang="en-US" sz="1200" i="1" kern="1200" dirty="0">
-                <a:solidFill>
-                  <a:prstClr val="black"/>
-                </a:solidFill>
-                <a:latin typeface="Arial Unicode MS" panose="020B0604020202020204" pitchFamily="34" charset="-128"/>
-                <a:ea typeface="Arial Unicode MS" panose="020B0604020202020204" pitchFamily="34" charset="-128"/>
-                <a:cs typeface="Arial Unicode MS" panose="020B0604020202020204" pitchFamily="34" charset="-128"/>
-              </a:rPr>
-              <a:t>*with common </a:t>
-            </a:r>
-            <a:r>
-              <a:rPr lang="en-US" sz="1200" i="1" kern="1200" dirty="0" err="1">
-                <a:solidFill>
-                  <a:prstClr val="black"/>
-                </a:solidFill>
-                <a:latin typeface="Arial Unicode MS" panose="020B0604020202020204" pitchFamily="34" charset="-128"/>
-                <a:ea typeface="Arial Unicode MS" panose="020B0604020202020204" pitchFamily="34" charset="-128"/>
-                <a:cs typeface="Arial Unicode MS" panose="020B0604020202020204" pitchFamily="34" charset="-128"/>
-              </a:rPr>
-              <a:t>stopwords</a:t>
-            </a:r>
-            <a:endParaRPr lang="en-US" sz="1200" i="1" kern="1200" dirty="0">
-              <a:solidFill>
-                <a:prstClr val="black"/>
-              </a:solidFill>
-              <a:latin typeface="Arial Unicode MS" panose="020B0604020202020204" pitchFamily="34" charset="-128"/>
-              <a:ea typeface="Arial Unicode MS" panose="020B0604020202020204" pitchFamily="34" charset="-128"/>
-              <a:cs typeface="Arial Unicode MS" panose="020B0604020202020204" pitchFamily="34" charset="-128"/>
-            </a:endParaRPr>
-          </a:p>
-        </p:txBody>
-      </p:sp>
-      <p:pic>
-        <p:nvPicPr>
-          <p:cNvPr id="10" name="Picture 9">
-            <a:extLst>
-              <a:ext uri="{FF2B5EF4-FFF2-40B4-BE49-F238E27FC236}">
-                <a16:creationId xmlns:a16="http://schemas.microsoft.com/office/drawing/2014/main" id="{352C3F10-AE75-4FEA-BD93-24F01EF1F0F8}"/>
-              </a:ext>
-            </a:extLst>
-          </p:cNvPr>
-          <p:cNvPicPr>
-            <a:picLocks noChangeAspect="1"/>
-          </p:cNvPicPr>
-          <p:nvPr/>
-        </p:nvPicPr>
-        <p:blipFill>
-          <a:blip r:embed="rId2"/>
-          <a:stretch>
-            <a:fillRect/>
-          </a:stretch>
-        </p:blipFill>
-        <p:spPr>
-          <a:xfrm>
-            <a:off x="3249722" y="2513577"/>
-            <a:ext cx="2644556" cy="1830846"/>
-          </a:xfrm>
-          <a:prstGeom prst="rect">
-            <a:avLst/>
-          </a:prstGeom>
-        </p:spPr>
-      </p:pic>
-      <p:sp>
-        <p:nvSpPr>
-          <p:cNvPr id="13" name="TextBox 12">
-            <a:extLst>
-              <a:ext uri="{FF2B5EF4-FFF2-40B4-BE49-F238E27FC236}">
-                <a16:creationId xmlns:a16="http://schemas.microsoft.com/office/drawing/2014/main" id="{A5A3EE36-0573-4214-8E8B-E9BD628BC999}"/>
-              </a:ext>
-            </a:extLst>
-          </p:cNvPr>
-          <p:cNvSpPr txBox="1"/>
-          <p:nvPr/>
-        </p:nvSpPr>
-        <p:spPr>
-          <a:xfrm>
-            <a:off x="512380" y="1198603"/>
-            <a:ext cx="8119241" cy="338554"/>
-          </a:xfrm>
-          <a:prstGeom prst="rect">
-            <a:avLst/>
-          </a:prstGeom>
-          <a:solidFill>
-            <a:schemeClr val="accent6">
-              <a:lumMod val="60000"/>
-              <a:lumOff val="40000"/>
-            </a:schemeClr>
-          </a:solidFill>
-        </p:spPr>
-        <p:txBody>
-          <a:bodyPr wrap="square" rtlCol="0">
-            <a:spAutoFit/>
-          </a:bodyPr>
-          <a:lstStyle/>
-          <a:p>
-            <a:pPr algn="ctr" defTabSz="457200"/>
-            <a:r>
-              <a:rPr lang="en-US" sz="1600" dirty="0">
-                <a:solidFill>
-                  <a:prstClr val="white"/>
-                </a:solidFill>
-                <a:latin typeface="+mj-lt"/>
-                <a:ea typeface="Arial Unicode MS" panose="020B0604020202020204" pitchFamily="34" charset="-128"/>
-                <a:cs typeface="Arial Unicode MS" panose="020B0604020202020204" pitchFamily="34" charset="-128"/>
-              </a:rPr>
-              <a:t>Thus far, we have performed unigram tokenization of terms.</a:t>
-            </a:r>
-            <a:endParaRPr lang="en-US" sz="1600" kern="1200" dirty="0">
-              <a:solidFill>
-                <a:prstClr val="white"/>
-              </a:solidFill>
-              <a:latin typeface="+mj-lt"/>
-              <a:ea typeface="Arial Unicode MS" panose="020B0604020202020204" pitchFamily="34" charset="-128"/>
-              <a:cs typeface="Arial Unicode MS" panose="020B0604020202020204" pitchFamily="34" charset="-128"/>
-            </a:endParaRPr>
-          </a:p>
-        </p:txBody>
-      </p:sp>
-      <p:cxnSp>
-        <p:nvCxnSpPr>
-          <p:cNvPr id="14" name="Straight Connector 13">
-            <a:extLst>
-              <a:ext uri="{FF2B5EF4-FFF2-40B4-BE49-F238E27FC236}">
-                <a16:creationId xmlns:a16="http://schemas.microsoft.com/office/drawing/2014/main" id="{D5EE2E8A-5825-E94E-BAF3-6B45FE58D5A2}"/>
-              </a:ext>
-            </a:extLst>
-          </p:cNvPr>
-          <p:cNvCxnSpPr/>
-          <p:nvPr/>
-        </p:nvCxnSpPr>
-        <p:spPr>
-          <a:xfrm>
-            <a:off x="6798363" y="6549885"/>
-            <a:ext cx="0" cy="182880"/>
-          </a:xfrm>
-          <a:prstGeom prst="line">
-            <a:avLst/>
-          </a:prstGeom>
-          <a:ln>
-            <a:solidFill>
-              <a:schemeClr val="bg1">
-                <a:lumMod val="85000"/>
-              </a:schemeClr>
-            </a:solidFill>
-          </a:ln>
-        </p:spPr>
-        <p:style>
-          <a:lnRef idx="1">
-            <a:schemeClr val="accent1"/>
-          </a:lnRef>
-          <a:fillRef idx="0">
-            <a:schemeClr val="accent1"/>
-          </a:fillRef>
-          <a:effectRef idx="0">
-            <a:schemeClr val="accent1"/>
-          </a:effectRef>
-          <a:fontRef idx="minor">
-            <a:schemeClr val="tx1"/>
-          </a:fontRef>
-        </p:style>
-      </p:cxnSp>
-      <p:cxnSp>
-        <p:nvCxnSpPr>
-          <p:cNvPr id="15" name="Straight Connector 14">
-            <a:extLst>
-              <a:ext uri="{FF2B5EF4-FFF2-40B4-BE49-F238E27FC236}">
-                <a16:creationId xmlns:a16="http://schemas.microsoft.com/office/drawing/2014/main" id="{A9E0A8EA-FC60-D047-B731-CA4FB9098607}"/>
-              </a:ext>
-            </a:extLst>
-          </p:cNvPr>
-          <p:cNvCxnSpPr/>
-          <p:nvPr/>
-        </p:nvCxnSpPr>
-        <p:spPr>
-          <a:xfrm>
-            <a:off x="7076661" y="4664763"/>
-            <a:ext cx="182880" cy="0"/>
-          </a:xfrm>
-          <a:prstGeom prst="line">
-            <a:avLst/>
-          </a:prstGeom>
-          <a:ln>
-            <a:solidFill>
-              <a:schemeClr val="bg1">
-                <a:lumMod val="85000"/>
-              </a:schemeClr>
-            </a:solidFill>
-          </a:ln>
-        </p:spPr>
-        <p:style>
-          <a:lnRef idx="1">
-            <a:schemeClr val="accent1"/>
-          </a:lnRef>
-          <a:fillRef idx="0">
-            <a:schemeClr val="accent1"/>
-          </a:fillRef>
-          <a:effectRef idx="0">
-            <a:schemeClr val="accent1"/>
-          </a:effectRef>
-          <a:fontRef idx="minor">
-            <a:schemeClr val="tx1"/>
-          </a:fontRef>
-        </p:style>
-      </p:cxnSp>
-    </p:spTree>
-    <p:extLst>
-      <p:ext uri="{BB962C8B-B14F-4D97-AF65-F5344CB8AC3E}">
-        <p14:creationId xmlns:p14="http://schemas.microsoft.com/office/powerpoint/2010/main" val="2545044768"/>
-      </p:ext>
-    </p:extLst>
-  </p:cSld>
-  <p:clrMapOvr>
-    <a:masterClrMapping/>
-  </p:clrMapOvr>
-</p:sld>
-</file>
-
-<file path=ppt/slides/slide20.xml><?xml version="1.0" encoding="utf-8"?>
-<p:sld xmlns:a="http://schemas.openxmlformats.org/drawingml/2006/main" xmlns:r="http://schemas.openxmlformats.org/officeDocument/2006/relationships" xmlns:p="http://schemas.openxmlformats.org/presentationml/2006/main" show="0">
-  <p:cSld>
-    <p:spTree>
-      <p:nvGrpSpPr>
-        <p:cNvPr id="1" name=""/>
-        <p:cNvGrpSpPr/>
-        <p:nvPr/>
-      </p:nvGrpSpPr>
-      <p:grpSpPr>
-        <a:xfrm>
-          <a:off x="0" y="0"/>
-          <a:ext cx="0" cy="0"/>
-          <a:chOff x="0" y="0"/>
-          <a:chExt cx="0" cy="0"/>
-        </a:xfrm>
-      </p:grpSpPr>
-      <p:sp>
-        <p:nvSpPr>
-          <p:cNvPr id="2" name="Date Placeholder 1">
-            <a:extLst>
-              <a:ext uri="{FF2B5EF4-FFF2-40B4-BE49-F238E27FC236}">
-                <a16:creationId xmlns:a16="http://schemas.microsoft.com/office/drawing/2014/main" id="{51E1C17F-350C-F84E-8042-EC7EE0C015F8}"/>
-              </a:ext>
-            </a:extLst>
-          </p:cNvPr>
-          <p:cNvSpPr>
-            <a:spLocks noGrp="1"/>
-          </p:cNvSpPr>
-          <p:nvPr>
-            <p:ph type="dt" sz="half" idx="10"/>
-          </p:nvPr>
-        </p:nvSpPr>
-        <p:spPr/>
-        <p:txBody>
-          <a:bodyPr/>
-          <a:lstStyle/>
-          <a:p>
-            <a:fld id="{6700A58B-DD98-43D0-B791-721480A02982}" type="datetime1">
-              <a:rPr lang="en-US" smtClean="0"/>
-              <a:t>2/25/21</a:t>
-            </a:fld>
-            <a:endParaRPr lang="en-US"/>
-          </a:p>
-        </p:txBody>
-      </p:sp>
-      <p:sp>
-        <p:nvSpPr>
-          <p:cNvPr id="3" name="Title 2">
-            <a:extLst>
-              <a:ext uri="{FF2B5EF4-FFF2-40B4-BE49-F238E27FC236}">
-                <a16:creationId xmlns:a16="http://schemas.microsoft.com/office/drawing/2014/main" id="{67B23D8A-24A2-7F41-8009-A3EE670C787D}"/>
-              </a:ext>
-            </a:extLst>
-          </p:cNvPr>
-          <p:cNvSpPr>
-            <a:spLocks noGrp="1"/>
-          </p:cNvSpPr>
-          <p:nvPr>
-            <p:ph type="title"/>
-          </p:nvPr>
-        </p:nvSpPr>
-        <p:spPr>
-          <a:xfrm>
-            <a:off x="0" y="365126"/>
-            <a:ext cx="9144000" cy="591477"/>
-          </a:xfrm>
-        </p:spPr>
-        <p:txBody>
-          <a:bodyPr/>
-          <a:lstStyle/>
-          <a:p>
-            <a:r>
-              <a:rPr lang="en-US" dirty="0"/>
-              <a:t>Each list “element” is a data frame</a:t>
-            </a:r>
-          </a:p>
-        </p:txBody>
-      </p:sp>
-      <p:sp>
-        <p:nvSpPr>
-          <p:cNvPr id="4" name="Footer Placeholder 3">
-            <a:extLst>
-              <a:ext uri="{FF2B5EF4-FFF2-40B4-BE49-F238E27FC236}">
-                <a16:creationId xmlns:a16="http://schemas.microsoft.com/office/drawing/2014/main" id="{AF654C98-0717-D044-8CFC-1D1A72380139}"/>
-              </a:ext>
-            </a:extLst>
-          </p:cNvPr>
-          <p:cNvSpPr>
-            <a:spLocks noGrp="1"/>
-          </p:cNvSpPr>
-          <p:nvPr>
-            <p:ph type="ftr" sz="quarter" idx="3"/>
-          </p:nvPr>
-        </p:nvSpPr>
-        <p:spPr/>
-        <p:txBody>
-          <a:bodyPr/>
-          <a:lstStyle/>
-          <a:p>
-            <a:r>
-              <a:rPr lang="en-US"/>
-              <a:t>Kwartler</a:t>
-            </a:r>
-            <a:endParaRPr lang="en-US" dirty="0"/>
-          </a:p>
-        </p:txBody>
-      </p:sp>
-      <p:sp>
-        <p:nvSpPr>
-          <p:cNvPr id="5" name="Slide Number Placeholder 4">
-            <a:extLst>
-              <a:ext uri="{FF2B5EF4-FFF2-40B4-BE49-F238E27FC236}">
-                <a16:creationId xmlns:a16="http://schemas.microsoft.com/office/drawing/2014/main" id="{B84750F5-283F-DB46-A09D-30BA6F173324}"/>
-              </a:ext>
-            </a:extLst>
-          </p:cNvPr>
-          <p:cNvSpPr>
-            <a:spLocks noGrp="1"/>
-          </p:cNvSpPr>
-          <p:nvPr>
-            <p:ph type="sldNum" sz="quarter" idx="4"/>
-          </p:nvPr>
-        </p:nvSpPr>
-        <p:spPr/>
-        <p:txBody>
-          <a:bodyPr/>
-          <a:lstStyle/>
-          <a:p>
-            <a:fld id="{37290FF7-652B-4475-AEAB-8B1A5D23AE09}" type="slidenum">
-              <a:rPr lang="en-US" smtClean="0"/>
-              <a:pPr/>
-              <a:t>20</a:t>
-            </a:fld>
-            <a:endParaRPr lang="en-US" dirty="0"/>
-          </a:p>
-        </p:txBody>
-      </p:sp>
-      <p:sp>
-        <p:nvSpPr>
-          <p:cNvPr id="7" name="Rectangle 6">
-            <a:extLst>
-              <a:ext uri="{FF2B5EF4-FFF2-40B4-BE49-F238E27FC236}">
-                <a16:creationId xmlns:a16="http://schemas.microsoft.com/office/drawing/2014/main" id="{EE809235-CABF-1849-B63C-0B8953EFBBB3}"/>
-              </a:ext>
-            </a:extLst>
-          </p:cNvPr>
-          <p:cNvSpPr/>
-          <p:nvPr/>
-        </p:nvSpPr>
-        <p:spPr>
-          <a:xfrm>
-            <a:off x="1267097" y="1237846"/>
-            <a:ext cx="6609806" cy="369332"/>
-          </a:xfrm>
-          <a:prstGeom prst="rect">
-            <a:avLst/>
-          </a:prstGeom>
-        </p:spPr>
-        <p:txBody>
-          <a:bodyPr wrap="square">
-            <a:spAutoFit/>
-          </a:bodyPr>
-          <a:lstStyle/>
-          <a:p>
-            <a:pPr defTabSz="457200"/>
-            <a:r>
-              <a:rPr lang="en-US" dirty="0" err="1">
-                <a:solidFill>
-                  <a:prstClr val="black"/>
-                </a:solidFill>
-                <a:highlight>
-                  <a:srgbClr val="C0C0C0"/>
-                </a:highlight>
-                <a:latin typeface="Consolas" panose="020B0609020204030204" pitchFamily="49" charset="0"/>
-                <a:ea typeface="Arial Unicode MS" panose="020B0604020202020204" pitchFamily="34" charset="-128"/>
-                <a:cs typeface="Consolas" panose="020B0609020204030204" pitchFamily="49" charset="0"/>
-              </a:rPr>
-              <a:t>allDocs</a:t>
-            </a:r>
-            <a:r>
-              <a:rPr lang="en-US" dirty="0">
-                <a:solidFill>
-                  <a:prstClr val="black"/>
-                </a:solidFill>
-                <a:highlight>
-                  <a:srgbClr val="C0C0C0"/>
-                </a:highlight>
-                <a:latin typeface="Consolas" panose="020B0609020204030204" pitchFamily="49" charset="0"/>
-                <a:ea typeface="Arial Unicode MS" panose="020B0604020202020204" pitchFamily="34" charset="-128"/>
-                <a:cs typeface="Consolas" panose="020B0609020204030204" pitchFamily="49" charset="0"/>
-              </a:rPr>
-              <a:t> &lt;- </a:t>
-            </a:r>
-            <a:r>
-              <a:rPr lang="en-US" dirty="0" err="1">
-                <a:solidFill>
-                  <a:prstClr val="black"/>
-                </a:solidFill>
-                <a:highlight>
-                  <a:srgbClr val="C0C0C0"/>
-                </a:highlight>
-                <a:latin typeface="Consolas" panose="020B0609020204030204" pitchFamily="49" charset="0"/>
-                <a:ea typeface="Arial Unicode MS" panose="020B0604020202020204" pitchFamily="34" charset="-128"/>
-                <a:cs typeface="Consolas" panose="020B0609020204030204" pitchFamily="49" charset="0"/>
-              </a:rPr>
-              <a:t>pblapply</a:t>
-            </a:r>
-            <a:r>
-              <a:rPr lang="en-US" dirty="0">
-                <a:solidFill>
-                  <a:prstClr val="black"/>
-                </a:solidFill>
-                <a:highlight>
-                  <a:srgbClr val="C0C0C0"/>
-                </a:highlight>
-                <a:latin typeface="Consolas" panose="020B0609020204030204" pitchFamily="49" charset="0"/>
-                <a:ea typeface="Arial Unicode MS" panose="020B0604020202020204" pitchFamily="34" charset="-128"/>
-                <a:cs typeface="Consolas" panose="020B0609020204030204" pitchFamily="49" charset="0"/>
-              </a:rPr>
-              <a:t>(</a:t>
-            </a:r>
-            <a:r>
-              <a:rPr lang="en-US" dirty="0" err="1">
-                <a:solidFill>
-                  <a:prstClr val="black"/>
-                </a:solidFill>
-                <a:highlight>
-                  <a:srgbClr val="C0C0C0"/>
-                </a:highlight>
-                <a:latin typeface="Consolas" panose="020B0609020204030204" pitchFamily="49" charset="0"/>
-                <a:ea typeface="Arial Unicode MS" panose="020B0604020202020204" pitchFamily="34" charset="-128"/>
-                <a:cs typeface="Consolas" panose="020B0609020204030204" pitchFamily="49" charset="0"/>
-              </a:rPr>
-              <a:t>txtFiles,read.csv</a:t>
-            </a:r>
-            <a:r>
-              <a:rPr lang="en-US" dirty="0">
-                <a:solidFill>
-                  <a:prstClr val="black"/>
-                </a:solidFill>
-                <a:highlight>
-                  <a:srgbClr val="C0C0C0"/>
-                </a:highlight>
-                <a:latin typeface="Consolas" panose="020B0609020204030204" pitchFamily="49" charset="0"/>
-                <a:ea typeface="Arial Unicode MS" panose="020B0604020202020204" pitchFamily="34" charset="-128"/>
-                <a:cs typeface="Consolas" panose="020B0609020204030204" pitchFamily="49" charset="0"/>
-              </a:rPr>
-              <a:t>)</a:t>
-            </a:r>
-          </a:p>
-        </p:txBody>
-      </p:sp>
-      <p:sp>
-        <p:nvSpPr>
-          <p:cNvPr id="8" name="Rectangle 7">
-            <a:extLst>
-              <a:ext uri="{FF2B5EF4-FFF2-40B4-BE49-F238E27FC236}">
-                <a16:creationId xmlns:a16="http://schemas.microsoft.com/office/drawing/2014/main" id="{1E8CE02C-9EF2-7A41-91F6-ECB96C932A69}"/>
-              </a:ext>
-            </a:extLst>
-          </p:cNvPr>
-          <p:cNvSpPr/>
-          <p:nvPr/>
-        </p:nvSpPr>
-        <p:spPr>
-          <a:xfrm>
-            <a:off x="1657350" y="2168434"/>
-            <a:ext cx="1301387" cy="457200"/>
-          </a:xfrm>
-          <a:prstGeom prst="rect">
-            <a:avLst/>
-          </a:prstGeom>
-        </p:spPr>
-        <p:style>
-          <a:lnRef idx="2">
-            <a:schemeClr val="accent1">
-              <a:shade val="50000"/>
-            </a:schemeClr>
-          </a:lnRef>
-          <a:fillRef idx="1">
-            <a:schemeClr val="accent1"/>
-          </a:fillRef>
-          <a:effectRef idx="0">
-            <a:schemeClr val="accent1"/>
-          </a:effectRef>
-          <a:fontRef idx="minor">
-            <a:schemeClr val="lt1"/>
-          </a:fontRef>
-        </p:style>
-        <p:txBody>
-          <a:bodyPr rtlCol="0" anchor="ctr"/>
-          <a:lstStyle/>
-          <a:p>
-            <a:pPr algn="ctr"/>
-            <a:r>
-              <a:rPr lang="en-US" dirty="0" err="1">
-                <a:latin typeface="Consolas" panose="020B0609020204030204" pitchFamily="49" charset="0"/>
-                <a:cs typeface="Consolas" panose="020B0609020204030204" pitchFamily="49" charset="0"/>
-              </a:rPr>
-              <a:t>allDocs</a:t>
-            </a:r>
-            <a:endParaRPr lang="en-US" dirty="0">
-              <a:latin typeface="Consolas" panose="020B0609020204030204" pitchFamily="49" charset="0"/>
-              <a:cs typeface="Consolas" panose="020B0609020204030204" pitchFamily="49" charset="0"/>
-            </a:endParaRPr>
-          </a:p>
-        </p:txBody>
-      </p:sp>
-      <p:sp>
-        <p:nvSpPr>
-          <p:cNvPr id="9" name="Rectangle 8">
-            <a:extLst>
-              <a:ext uri="{FF2B5EF4-FFF2-40B4-BE49-F238E27FC236}">
-                <a16:creationId xmlns:a16="http://schemas.microsoft.com/office/drawing/2014/main" id="{CCF91108-5F35-6149-B199-41DDFFCF47B5}"/>
-              </a:ext>
-            </a:extLst>
-          </p:cNvPr>
-          <p:cNvSpPr/>
-          <p:nvPr/>
-        </p:nvSpPr>
-        <p:spPr>
-          <a:xfrm>
-            <a:off x="2958737" y="3015336"/>
-            <a:ext cx="2266406" cy="457200"/>
-          </a:xfrm>
-          <a:prstGeom prst="rect">
-            <a:avLst/>
-          </a:prstGeom>
-        </p:spPr>
-        <p:style>
-          <a:lnRef idx="2">
-            <a:schemeClr val="accent1">
-              <a:shade val="50000"/>
-            </a:schemeClr>
-          </a:lnRef>
-          <a:fillRef idx="1">
-            <a:schemeClr val="accent1"/>
-          </a:fillRef>
-          <a:effectRef idx="0">
-            <a:schemeClr val="accent1"/>
-          </a:effectRef>
-          <a:fontRef idx="minor">
-            <a:schemeClr val="lt1"/>
-          </a:fontRef>
-        </p:style>
-        <p:txBody>
-          <a:bodyPr rtlCol="0" anchor="ctr"/>
-          <a:lstStyle/>
-          <a:p>
-            <a:pPr algn="ctr"/>
-            <a:r>
-              <a:rPr lang="en-US" dirty="0" err="1">
-                <a:latin typeface="Consolas" panose="020B0609020204030204" pitchFamily="49" charset="0"/>
-                <a:cs typeface="Consolas" panose="020B0609020204030204" pitchFamily="49" charset="0"/>
-              </a:rPr>
-              <a:t>chardonnay.csv</a:t>
-            </a:r>
-            <a:endParaRPr lang="en-US" dirty="0">
-              <a:latin typeface="Consolas" panose="020B0609020204030204" pitchFamily="49" charset="0"/>
-              <a:cs typeface="Consolas" panose="020B0609020204030204" pitchFamily="49" charset="0"/>
-            </a:endParaRPr>
-          </a:p>
-        </p:txBody>
-      </p:sp>
-      <p:sp>
-        <p:nvSpPr>
-          <p:cNvPr id="10" name="Rectangle 9">
-            <a:extLst>
-              <a:ext uri="{FF2B5EF4-FFF2-40B4-BE49-F238E27FC236}">
-                <a16:creationId xmlns:a16="http://schemas.microsoft.com/office/drawing/2014/main" id="{338F636B-5BD3-CE41-BEB4-F10FC5907974}"/>
-              </a:ext>
-            </a:extLst>
-          </p:cNvPr>
-          <p:cNvSpPr/>
-          <p:nvPr/>
-        </p:nvSpPr>
-        <p:spPr>
-          <a:xfrm>
-            <a:off x="2958736" y="4373430"/>
-            <a:ext cx="2266406" cy="457200"/>
-          </a:xfrm>
-          <a:prstGeom prst="rect">
-            <a:avLst/>
-          </a:prstGeom>
-          <a:solidFill>
-            <a:schemeClr val="accent2"/>
-          </a:solidFill>
-        </p:spPr>
-        <p:style>
-          <a:lnRef idx="2">
-            <a:schemeClr val="accent1">
-              <a:shade val="50000"/>
-            </a:schemeClr>
-          </a:lnRef>
-          <a:fillRef idx="1">
-            <a:schemeClr val="accent1"/>
-          </a:fillRef>
-          <a:effectRef idx="0">
-            <a:schemeClr val="accent1"/>
-          </a:effectRef>
-          <a:fontRef idx="minor">
-            <a:schemeClr val="lt1"/>
-          </a:fontRef>
-        </p:style>
-        <p:txBody>
-          <a:bodyPr rtlCol="0" anchor="ctr"/>
-          <a:lstStyle/>
-          <a:p>
-            <a:pPr algn="ctr"/>
-            <a:r>
-              <a:rPr lang="en-US" dirty="0" err="1">
-                <a:solidFill>
-                  <a:schemeClr val="bg2"/>
-                </a:solidFill>
-                <a:latin typeface="Consolas" panose="020B0609020204030204" pitchFamily="49" charset="0"/>
-                <a:cs typeface="Consolas" panose="020B0609020204030204" pitchFamily="49" charset="0"/>
-              </a:rPr>
-              <a:t>coffee.csv</a:t>
-            </a:r>
-            <a:endParaRPr lang="en-US" dirty="0">
-              <a:solidFill>
-                <a:schemeClr val="bg2"/>
-              </a:solidFill>
-              <a:latin typeface="Consolas" panose="020B0609020204030204" pitchFamily="49" charset="0"/>
-              <a:cs typeface="Consolas" panose="020B0609020204030204" pitchFamily="49" charset="0"/>
-            </a:endParaRPr>
-          </a:p>
-        </p:txBody>
-      </p:sp>
-      <p:sp>
-        <p:nvSpPr>
-          <p:cNvPr id="11" name="Rectangle 10">
-            <a:extLst>
-              <a:ext uri="{FF2B5EF4-FFF2-40B4-BE49-F238E27FC236}">
-                <a16:creationId xmlns:a16="http://schemas.microsoft.com/office/drawing/2014/main" id="{458B3860-AB70-094D-BE66-583D750EE2E1}"/>
-              </a:ext>
-            </a:extLst>
-          </p:cNvPr>
-          <p:cNvSpPr/>
-          <p:nvPr/>
-        </p:nvSpPr>
-        <p:spPr>
-          <a:xfrm>
-            <a:off x="2958736" y="5528178"/>
-            <a:ext cx="2266406" cy="457200"/>
-          </a:xfrm>
-          <a:prstGeom prst="rect">
-            <a:avLst/>
-          </a:prstGeom>
-          <a:solidFill>
-            <a:schemeClr val="accent2"/>
-          </a:solidFill>
-        </p:spPr>
-        <p:style>
-          <a:lnRef idx="2">
-            <a:schemeClr val="accent1">
-              <a:shade val="50000"/>
-            </a:schemeClr>
-          </a:lnRef>
-          <a:fillRef idx="1">
-            <a:schemeClr val="accent1"/>
-          </a:fillRef>
-          <a:effectRef idx="0">
-            <a:schemeClr val="accent1"/>
-          </a:effectRef>
-          <a:fontRef idx="minor">
-            <a:schemeClr val="lt1"/>
-          </a:fontRef>
-        </p:style>
-        <p:txBody>
-          <a:bodyPr rtlCol="0" anchor="ctr"/>
-          <a:lstStyle/>
-          <a:p>
-            <a:pPr algn="ctr"/>
-            <a:r>
-              <a:rPr lang="en-US" dirty="0" err="1">
-                <a:solidFill>
-                  <a:schemeClr val="bg2"/>
-                </a:solidFill>
-                <a:latin typeface="Consolas" panose="020B0609020204030204" pitchFamily="49" charset="0"/>
-                <a:cs typeface="Consolas" panose="020B0609020204030204" pitchFamily="49" charset="0"/>
-              </a:rPr>
-              <a:t>beer.csv</a:t>
-            </a:r>
-            <a:endParaRPr lang="en-US" dirty="0">
-              <a:solidFill>
-                <a:schemeClr val="bg2"/>
-              </a:solidFill>
-              <a:latin typeface="Consolas" panose="020B0609020204030204" pitchFamily="49" charset="0"/>
-              <a:cs typeface="Consolas" panose="020B0609020204030204" pitchFamily="49" charset="0"/>
-            </a:endParaRPr>
-          </a:p>
-        </p:txBody>
-      </p:sp>
-      <p:cxnSp>
-        <p:nvCxnSpPr>
-          <p:cNvPr id="13" name="Elbow Connector 12">
-            <a:extLst>
-              <a:ext uri="{FF2B5EF4-FFF2-40B4-BE49-F238E27FC236}">
-                <a16:creationId xmlns:a16="http://schemas.microsoft.com/office/drawing/2014/main" id="{1F63A65B-ED2E-8F4E-AC5D-852FF21F2EF4}"/>
-              </a:ext>
-            </a:extLst>
-          </p:cNvPr>
-          <p:cNvCxnSpPr>
-            <a:stCxn id="8" idx="2"/>
-            <a:endCxn id="9" idx="1"/>
-          </p:cNvCxnSpPr>
-          <p:nvPr/>
-        </p:nvCxnSpPr>
-        <p:spPr>
-          <a:xfrm rot="16200000" flipH="1">
-            <a:off x="2324239" y="2609438"/>
-            <a:ext cx="618302" cy="650693"/>
-          </a:xfrm>
-          <a:prstGeom prst="bentConnector2">
-            <a:avLst/>
-          </a:prstGeom>
-          <a:ln>
-            <a:tailEnd type="triangle"/>
-          </a:ln>
-        </p:spPr>
-        <p:style>
-          <a:lnRef idx="1">
-            <a:schemeClr val="accent1"/>
-          </a:lnRef>
-          <a:fillRef idx="0">
-            <a:schemeClr val="accent1"/>
-          </a:fillRef>
-          <a:effectRef idx="0">
-            <a:schemeClr val="accent1"/>
-          </a:effectRef>
-          <a:fontRef idx="minor">
-            <a:schemeClr val="tx1"/>
-          </a:fontRef>
-        </p:style>
-      </p:cxnSp>
-      <p:cxnSp>
-        <p:nvCxnSpPr>
-          <p:cNvPr id="14" name="Elbow Connector 13">
-            <a:extLst>
-              <a:ext uri="{FF2B5EF4-FFF2-40B4-BE49-F238E27FC236}">
-                <a16:creationId xmlns:a16="http://schemas.microsoft.com/office/drawing/2014/main" id="{F1344C7D-C6C9-5248-9745-631A6B23598C}"/>
-              </a:ext>
-            </a:extLst>
-          </p:cNvPr>
-          <p:cNvCxnSpPr>
-            <a:cxnSpLocks/>
-            <a:stCxn id="8" idx="2"/>
-            <a:endCxn id="10" idx="1"/>
-          </p:cNvCxnSpPr>
-          <p:nvPr/>
-        </p:nvCxnSpPr>
-        <p:spPr>
-          <a:xfrm rot="16200000" flipH="1">
-            <a:off x="1645192" y="3288486"/>
-            <a:ext cx="1976396" cy="650692"/>
-          </a:xfrm>
-          <a:prstGeom prst="bentConnector2">
-            <a:avLst/>
-          </a:prstGeom>
-          <a:ln>
-            <a:tailEnd type="triangle"/>
-          </a:ln>
-        </p:spPr>
-        <p:style>
-          <a:lnRef idx="1">
-            <a:schemeClr val="accent1"/>
-          </a:lnRef>
-          <a:fillRef idx="0">
-            <a:schemeClr val="accent1"/>
-          </a:fillRef>
-          <a:effectRef idx="0">
-            <a:schemeClr val="accent1"/>
-          </a:effectRef>
-          <a:fontRef idx="minor">
-            <a:schemeClr val="tx1"/>
-          </a:fontRef>
-        </p:style>
-      </p:cxnSp>
-      <p:cxnSp>
-        <p:nvCxnSpPr>
-          <p:cNvPr id="17" name="Elbow Connector 16">
-            <a:extLst>
-              <a:ext uri="{FF2B5EF4-FFF2-40B4-BE49-F238E27FC236}">
-                <a16:creationId xmlns:a16="http://schemas.microsoft.com/office/drawing/2014/main" id="{A31675D0-B4B8-0747-93C3-2ACB1F94114A}"/>
-              </a:ext>
-            </a:extLst>
-          </p:cNvPr>
-          <p:cNvCxnSpPr>
-            <a:cxnSpLocks/>
-            <a:stCxn id="8" idx="2"/>
-            <a:endCxn id="11" idx="1"/>
-          </p:cNvCxnSpPr>
-          <p:nvPr/>
-        </p:nvCxnSpPr>
-        <p:spPr>
-          <a:xfrm rot="16200000" flipH="1">
-            <a:off x="1067818" y="3865860"/>
-            <a:ext cx="3131144" cy="650692"/>
-          </a:xfrm>
-          <a:prstGeom prst="bentConnector2">
-            <a:avLst/>
-          </a:prstGeom>
-          <a:ln>
-            <a:tailEnd type="triangle"/>
-          </a:ln>
-        </p:spPr>
-        <p:style>
-          <a:lnRef idx="1">
-            <a:schemeClr val="accent1"/>
-          </a:lnRef>
-          <a:fillRef idx="0">
-            <a:schemeClr val="accent1"/>
-          </a:fillRef>
-          <a:effectRef idx="0">
-            <a:schemeClr val="accent1"/>
-          </a:effectRef>
-          <a:fontRef idx="minor">
-            <a:schemeClr val="tx1"/>
-          </a:fontRef>
-        </p:style>
-      </p:cxnSp>
-      <p:sp>
-        <p:nvSpPr>
-          <p:cNvPr id="6" name="TextBox 5">
-            <a:extLst>
-              <a:ext uri="{FF2B5EF4-FFF2-40B4-BE49-F238E27FC236}">
-                <a16:creationId xmlns:a16="http://schemas.microsoft.com/office/drawing/2014/main" id="{C77D46BD-4023-8944-AA32-D5BF024FD7A6}"/>
-              </a:ext>
-            </a:extLst>
-          </p:cNvPr>
-          <p:cNvSpPr txBox="1"/>
-          <p:nvPr/>
-        </p:nvSpPr>
-        <p:spPr>
-          <a:xfrm>
-            <a:off x="550273" y="3044421"/>
-            <a:ext cx="1704313" cy="369332"/>
-          </a:xfrm>
-          <a:prstGeom prst="rect">
-            <a:avLst/>
-          </a:prstGeom>
-          <a:noFill/>
-        </p:spPr>
-        <p:txBody>
-          <a:bodyPr wrap="none" rtlCol="0">
-            <a:spAutoFit/>
-          </a:bodyPr>
-          <a:lstStyle/>
-          <a:p>
-            <a:r>
-              <a:rPr lang="en-US" dirty="0" err="1">
-                <a:latin typeface="Consolas" panose="020B0609020204030204" pitchFamily="49" charset="0"/>
-                <a:cs typeface="Consolas" panose="020B0609020204030204" pitchFamily="49" charset="0"/>
-              </a:rPr>
-              <a:t>allDocs</a:t>
-            </a:r>
-            <a:r>
-              <a:rPr lang="en-US" dirty="0">
-                <a:latin typeface="Consolas" panose="020B0609020204030204" pitchFamily="49" charset="0"/>
-                <a:cs typeface="Consolas" panose="020B0609020204030204" pitchFamily="49" charset="0"/>
-              </a:rPr>
-              <a:t>[[1]]</a:t>
-            </a:r>
-          </a:p>
-        </p:txBody>
-      </p:sp>
-      <p:sp>
-        <p:nvSpPr>
-          <p:cNvPr id="15" name="TextBox 14">
-            <a:extLst>
-              <a:ext uri="{FF2B5EF4-FFF2-40B4-BE49-F238E27FC236}">
-                <a16:creationId xmlns:a16="http://schemas.microsoft.com/office/drawing/2014/main" id="{9596800C-750D-8F4D-B27B-AE5E3BAA8600}"/>
-              </a:ext>
-            </a:extLst>
-          </p:cNvPr>
-          <p:cNvSpPr txBox="1"/>
-          <p:nvPr/>
-        </p:nvSpPr>
-        <p:spPr>
-          <a:xfrm>
-            <a:off x="577002" y="4387339"/>
-            <a:ext cx="1704313" cy="369332"/>
-          </a:xfrm>
-          <a:prstGeom prst="rect">
-            <a:avLst/>
-          </a:prstGeom>
-          <a:solidFill>
-            <a:schemeClr val="accent2"/>
-          </a:solidFill>
-        </p:spPr>
-        <p:txBody>
-          <a:bodyPr wrap="none" rtlCol="0">
-            <a:spAutoFit/>
-          </a:bodyPr>
-          <a:lstStyle/>
-          <a:p>
-            <a:r>
-              <a:rPr lang="en-US" dirty="0" err="1">
-                <a:solidFill>
-                  <a:schemeClr val="bg2"/>
-                </a:solidFill>
-                <a:latin typeface="Consolas" panose="020B0609020204030204" pitchFamily="49" charset="0"/>
-                <a:cs typeface="Consolas" panose="020B0609020204030204" pitchFamily="49" charset="0"/>
-              </a:rPr>
-              <a:t>allDocs</a:t>
-            </a:r>
-            <a:r>
-              <a:rPr lang="en-US" dirty="0">
-                <a:solidFill>
-                  <a:schemeClr val="bg2"/>
-                </a:solidFill>
-                <a:latin typeface="Consolas" panose="020B0609020204030204" pitchFamily="49" charset="0"/>
-                <a:cs typeface="Consolas" panose="020B0609020204030204" pitchFamily="49" charset="0"/>
-              </a:rPr>
-              <a:t>[[2]]</a:t>
-            </a:r>
-          </a:p>
-        </p:txBody>
-      </p:sp>
-      <p:sp>
-        <p:nvSpPr>
-          <p:cNvPr id="16" name="TextBox 15">
-            <a:extLst>
-              <a:ext uri="{FF2B5EF4-FFF2-40B4-BE49-F238E27FC236}">
-                <a16:creationId xmlns:a16="http://schemas.microsoft.com/office/drawing/2014/main" id="{604FF152-40C4-2346-9C0E-082D185B34CF}"/>
-              </a:ext>
-            </a:extLst>
-          </p:cNvPr>
-          <p:cNvSpPr txBox="1"/>
-          <p:nvPr/>
-        </p:nvSpPr>
-        <p:spPr>
-          <a:xfrm>
-            <a:off x="550272" y="5572112"/>
-            <a:ext cx="1704313" cy="369332"/>
-          </a:xfrm>
-          <a:prstGeom prst="rect">
-            <a:avLst/>
-          </a:prstGeom>
-          <a:solidFill>
-            <a:schemeClr val="accent2"/>
-          </a:solidFill>
-        </p:spPr>
-        <p:txBody>
-          <a:bodyPr wrap="none" rtlCol="0">
-            <a:spAutoFit/>
-          </a:bodyPr>
-          <a:lstStyle/>
-          <a:p>
-            <a:r>
-              <a:rPr lang="en-US" dirty="0" err="1">
-                <a:solidFill>
-                  <a:schemeClr val="bg2"/>
-                </a:solidFill>
-                <a:latin typeface="Consolas" panose="020B0609020204030204" pitchFamily="49" charset="0"/>
-                <a:cs typeface="Consolas" panose="020B0609020204030204" pitchFamily="49" charset="0"/>
-              </a:rPr>
-              <a:t>allDocs</a:t>
-            </a:r>
-            <a:r>
-              <a:rPr lang="en-US" dirty="0">
-                <a:solidFill>
-                  <a:schemeClr val="bg2"/>
-                </a:solidFill>
-                <a:latin typeface="Consolas" panose="020B0609020204030204" pitchFamily="49" charset="0"/>
-                <a:cs typeface="Consolas" panose="020B0609020204030204" pitchFamily="49" charset="0"/>
-              </a:rPr>
-              <a:t>[[3]]</a:t>
-            </a:r>
-          </a:p>
-        </p:txBody>
-      </p:sp>
-      <p:sp>
-        <p:nvSpPr>
-          <p:cNvPr id="18" name="TextBox 17">
-            <a:extLst>
-              <a:ext uri="{FF2B5EF4-FFF2-40B4-BE49-F238E27FC236}">
-                <a16:creationId xmlns:a16="http://schemas.microsoft.com/office/drawing/2014/main" id="{608F3254-A28B-224A-9750-6A490F7F3318}"/>
-              </a:ext>
-            </a:extLst>
-          </p:cNvPr>
-          <p:cNvSpPr txBox="1"/>
-          <p:nvPr/>
-        </p:nvSpPr>
-        <p:spPr>
-          <a:xfrm>
-            <a:off x="5333108" y="3013680"/>
-            <a:ext cx="2337499" cy="369332"/>
-          </a:xfrm>
-          <a:prstGeom prst="rect">
-            <a:avLst/>
-          </a:prstGeom>
-          <a:noFill/>
-        </p:spPr>
-        <p:txBody>
-          <a:bodyPr wrap="none" rtlCol="0">
-            <a:spAutoFit/>
-          </a:bodyPr>
-          <a:lstStyle/>
-          <a:p>
-            <a:r>
-              <a:rPr lang="en-US" dirty="0" err="1">
-                <a:latin typeface="Consolas" panose="020B0609020204030204" pitchFamily="49" charset="0"/>
-                <a:cs typeface="Consolas" panose="020B0609020204030204" pitchFamily="49" charset="0"/>
-              </a:rPr>
-              <a:t>allDocs</a:t>
-            </a:r>
-            <a:r>
-              <a:rPr lang="en-US" dirty="0">
-                <a:latin typeface="Consolas" panose="020B0609020204030204" pitchFamily="49" charset="0"/>
-                <a:cs typeface="Consolas" panose="020B0609020204030204" pitchFamily="49" charset="0"/>
-              </a:rPr>
-              <a:t>[[1]]$text</a:t>
-            </a:r>
-          </a:p>
-        </p:txBody>
-      </p:sp>
-      <p:sp>
-        <p:nvSpPr>
-          <p:cNvPr id="19" name="TextBox 18">
-            <a:extLst>
-              <a:ext uri="{FF2B5EF4-FFF2-40B4-BE49-F238E27FC236}">
-                <a16:creationId xmlns:a16="http://schemas.microsoft.com/office/drawing/2014/main" id="{02E76BB5-CCCF-0947-9B56-1017B4C7C5BA}"/>
-              </a:ext>
-            </a:extLst>
-          </p:cNvPr>
-          <p:cNvSpPr txBox="1"/>
-          <p:nvPr/>
-        </p:nvSpPr>
-        <p:spPr>
-          <a:xfrm>
-            <a:off x="5333108" y="3345530"/>
-            <a:ext cx="2590774" cy="369332"/>
-          </a:xfrm>
-          <a:prstGeom prst="rect">
-            <a:avLst/>
-          </a:prstGeom>
-          <a:noFill/>
-        </p:spPr>
-        <p:txBody>
-          <a:bodyPr wrap="none" rtlCol="0">
-            <a:spAutoFit/>
-          </a:bodyPr>
-          <a:lstStyle/>
-          <a:p>
-            <a:r>
-              <a:rPr lang="en-US" dirty="0" err="1">
-                <a:latin typeface="Consolas" panose="020B0609020204030204" pitchFamily="49" charset="0"/>
-                <a:cs typeface="Consolas" panose="020B0609020204030204" pitchFamily="49" charset="0"/>
-              </a:rPr>
-              <a:t>allDocs</a:t>
-            </a:r>
-            <a:r>
-              <a:rPr lang="en-US" dirty="0">
-                <a:latin typeface="Consolas" panose="020B0609020204030204" pitchFamily="49" charset="0"/>
-                <a:cs typeface="Consolas" panose="020B0609020204030204" pitchFamily="49" charset="0"/>
-              </a:rPr>
-              <a:t>[[1]]$</a:t>
-            </a:r>
-            <a:r>
-              <a:rPr lang="en-US" dirty="0" err="1">
-                <a:latin typeface="Consolas" panose="020B0609020204030204" pitchFamily="49" charset="0"/>
-                <a:cs typeface="Consolas" panose="020B0609020204030204" pitchFamily="49" charset="0"/>
-              </a:rPr>
-              <a:t>doc_id</a:t>
-            </a:r>
-            <a:endParaRPr lang="en-US" dirty="0">
-              <a:latin typeface="Consolas" panose="020B0609020204030204" pitchFamily="49" charset="0"/>
-              <a:cs typeface="Consolas" panose="020B0609020204030204" pitchFamily="49" charset="0"/>
-            </a:endParaRPr>
-          </a:p>
-        </p:txBody>
-      </p:sp>
-      <p:sp>
-        <p:nvSpPr>
-          <p:cNvPr id="20" name="TextBox 19">
-            <a:extLst>
-              <a:ext uri="{FF2B5EF4-FFF2-40B4-BE49-F238E27FC236}">
-                <a16:creationId xmlns:a16="http://schemas.microsoft.com/office/drawing/2014/main" id="{5376E67F-B346-A447-9F7E-A0728BA2B05C}"/>
-              </a:ext>
-            </a:extLst>
-          </p:cNvPr>
-          <p:cNvSpPr txBox="1"/>
-          <p:nvPr/>
-        </p:nvSpPr>
-        <p:spPr>
-          <a:xfrm>
-            <a:off x="5333108" y="3716503"/>
-            <a:ext cx="2210862" cy="369332"/>
-          </a:xfrm>
-          <a:prstGeom prst="rect">
-            <a:avLst/>
-          </a:prstGeom>
-          <a:noFill/>
-        </p:spPr>
-        <p:txBody>
-          <a:bodyPr wrap="none" rtlCol="0">
-            <a:spAutoFit/>
-          </a:bodyPr>
-          <a:lstStyle/>
-          <a:p>
-            <a:r>
-              <a:rPr lang="en-US" dirty="0" err="1">
-                <a:latin typeface="Consolas" panose="020B0609020204030204" pitchFamily="49" charset="0"/>
-                <a:cs typeface="Consolas" panose="020B0609020204030204" pitchFamily="49" charset="0"/>
-              </a:rPr>
-              <a:t>allDocs</a:t>
-            </a:r>
-            <a:r>
-              <a:rPr lang="en-US" dirty="0">
-                <a:latin typeface="Consolas" panose="020B0609020204030204" pitchFamily="49" charset="0"/>
-                <a:cs typeface="Consolas" panose="020B0609020204030204" pitchFamily="49" charset="0"/>
-              </a:rPr>
-              <a:t>[[1]][,2]</a:t>
-            </a:r>
-          </a:p>
-        </p:txBody>
-      </p:sp>
-    </p:spTree>
-    <p:extLst>
-      <p:ext uri="{BB962C8B-B14F-4D97-AF65-F5344CB8AC3E}">
-        <p14:creationId xmlns:p14="http://schemas.microsoft.com/office/powerpoint/2010/main" val="4052378079"/>
-      </p:ext>
-    </p:extLst>
-  </p:cSld>
-  <p:clrMapOvr>
-    <a:masterClrMapping/>
-  </p:clrMapOvr>
-</p:sld>
-</file>
-
-<file path=ppt/slides/slide21.xml><?xml version="1.0" encoding="utf-8"?>
-<p:sld xmlns:a="http://schemas.openxmlformats.org/drawingml/2006/main" xmlns:r="http://schemas.openxmlformats.org/officeDocument/2006/relationships" xmlns:p="http://schemas.openxmlformats.org/presentationml/2006/main">
-  <p:cSld>
-    <p:spTree>
-      <p:nvGrpSpPr>
-        <p:cNvPr id="1" name=""/>
-        <p:cNvGrpSpPr/>
-        <p:nvPr/>
-      </p:nvGrpSpPr>
-      <p:grpSpPr>
-        <a:xfrm>
-          <a:off x="0" y="0"/>
-          <a:ext cx="0" cy="0"/>
-          <a:chOff x="0" y="0"/>
-          <a:chExt cx="0" cy="0"/>
-        </a:xfrm>
-      </p:grpSpPr>
-      <p:sp>
-        <p:nvSpPr>
-          <p:cNvPr id="2" name="Date Placeholder 1"/>
-          <p:cNvSpPr>
-            <a:spLocks noGrp="1"/>
-          </p:cNvSpPr>
-          <p:nvPr>
-            <p:ph type="dt" sz="half" idx="10"/>
-          </p:nvPr>
-        </p:nvSpPr>
-        <p:spPr/>
-        <p:txBody>
-          <a:bodyPr/>
-          <a:lstStyle/>
-          <a:p>
-            <a:fld id="{6700A58B-DD98-43D0-B791-721480A02982}" type="datetime1">
-              <a:rPr lang="en-US" smtClean="0"/>
-              <a:pPr/>
-              <a:t>2/25/21</a:t>
-            </a:fld>
-            <a:endParaRPr lang="en-US"/>
-          </a:p>
-        </p:txBody>
-      </p:sp>
-      <p:sp>
-        <p:nvSpPr>
-          <p:cNvPr id="3" name="Title 2"/>
-          <p:cNvSpPr>
-            <a:spLocks noGrp="1"/>
-          </p:cNvSpPr>
-          <p:nvPr>
-            <p:ph type="title"/>
-          </p:nvPr>
-        </p:nvSpPr>
-        <p:spPr/>
-        <p:txBody>
-          <a:bodyPr/>
-          <a:lstStyle/>
-          <a:p>
-            <a:r>
-              <a:rPr lang="en-US"/>
-              <a:t>Manipulating multiple corpora</a:t>
-            </a:r>
-            <a:endParaRPr lang="en-US" dirty="0"/>
-          </a:p>
-        </p:txBody>
-      </p:sp>
-      <p:sp>
-        <p:nvSpPr>
-          <p:cNvPr id="5" name="Footer Placeholder 4"/>
-          <p:cNvSpPr>
-            <a:spLocks noGrp="1"/>
-          </p:cNvSpPr>
-          <p:nvPr>
-            <p:ph type="ftr" sz="quarter" idx="3"/>
-          </p:nvPr>
-        </p:nvSpPr>
-        <p:spPr/>
-        <p:txBody>
-          <a:bodyPr/>
-          <a:lstStyle/>
-          <a:p>
-            <a:r>
-              <a:rPr lang="en-US"/>
-              <a:t>Kwartler</a:t>
-            </a:r>
-            <a:endParaRPr lang="en-US" dirty="0"/>
-          </a:p>
-        </p:txBody>
-      </p:sp>
-      <p:sp>
-        <p:nvSpPr>
-          <p:cNvPr id="4" name="Slide Number Placeholder 3"/>
-          <p:cNvSpPr>
-            <a:spLocks noGrp="1"/>
-          </p:cNvSpPr>
-          <p:nvPr>
-            <p:ph type="sldNum" sz="quarter" idx="4"/>
-          </p:nvPr>
-        </p:nvSpPr>
-        <p:spPr/>
-        <p:txBody>
-          <a:bodyPr/>
-          <a:lstStyle/>
-          <a:p>
-            <a:fld id="{37290FF7-652B-4475-AEAB-8B1A5D23AE09}" type="slidenum">
-              <a:rPr lang="en-US" smtClean="0"/>
-              <a:pPr/>
-              <a:t>21</a:t>
+              <a:t>17</a:t>
             </a:fld>
             <a:endParaRPr lang="en-US"/>
           </a:p>
@@ -14133,7 +11264,7 @@
 </p:sld>
 </file>
 
-<file path=ppt/slides/slide22.xml><?xml version="1.0" encoding="utf-8"?>
+<file path=ppt/slides/slide18.xml><?xml version="1.0" encoding="utf-8"?>
 <p:sld xmlns:a="http://schemas.openxmlformats.org/drawingml/2006/main" xmlns:r="http://schemas.openxmlformats.org/officeDocument/2006/relationships" xmlns:p="http://schemas.openxmlformats.org/presentationml/2006/main">
   <p:cSld>
     <p:spTree>
@@ -14168,7 +11299,7 @@
             <a:fld id="{6700A58B-DD98-43D0-B791-721480A02982}" type="datetime1">
               <a:rPr lang="en-US" smtClean="0"/>
               <a:pPr/>
-              <a:t>2/25/21</a:t>
+              <a:t>1/18/22</a:t>
             </a:fld>
             <a:endParaRPr lang="en-US"/>
           </a:p>
@@ -14238,7 +11369,7 @@
             <a:fld id="{37290FF7-652B-4475-AEAB-8B1A5D23AE09}" type="slidenum">
               <a:rPr lang="en-US" smtClean="0"/>
               <a:pPr/>
-              <a:t>22</a:t>
+              <a:t>18</a:t>
             </a:fld>
             <a:endParaRPr lang="en-US"/>
           </a:p>
@@ -14267,7 +11398,7 @@
         </p:blipFill>
         <p:spPr bwMode="auto">
           <a:xfrm>
-            <a:off x="7140761" y="1682660"/>
+            <a:off x="6683560" y="1682660"/>
             <a:ext cx="946096" cy="946096"/>
           </a:xfrm>
           <a:prstGeom prst="rect">
@@ -14293,8 +11424,8 @@
         </p:nvSpPr>
         <p:spPr>
           <a:xfrm>
-            <a:off x="6306208" y="961242"/>
-            <a:ext cx="2615203" cy="646331"/>
+            <a:off x="7463651" y="1864431"/>
+            <a:ext cx="1080407" cy="646331"/>
           </a:xfrm>
           <a:prstGeom prst="rect">
             <a:avLst/>
@@ -14302,22 +11433,15 @@
           <a:noFill/>
         </p:spPr>
         <p:txBody>
-          <a:bodyPr wrap="none" rtlCol="0">
+          <a:bodyPr wrap="square" rtlCol="0">
             <a:spAutoFit/>
           </a:bodyPr>
           <a:lstStyle/>
           <a:p>
             <a:pPr algn="ctr"/>
             <a:r>
-              <a:rPr lang="en-US" b="1" u="sng" dirty="0"/>
-              <a:t>Combined/Collapsed </a:t>
-            </a:r>
-          </a:p>
-          <a:p>
-            <a:pPr algn="ctr"/>
-            <a:r>
-              <a:rPr lang="en-US" b="1" u="sng" dirty="0"/>
-              <a:t>into a 2 document corpus</a:t>
+              <a:rPr lang="en-US" sz="1200" u="sng" dirty="0"/>
+              <a:t>Everything known about Chardonnay</a:t>
             </a:r>
           </a:p>
         </p:txBody>
@@ -14834,7 +11958,7 @@
         </p:blipFill>
         <p:spPr bwMode="auto">
           <a:xfrm>
-            <a:off x="7140761" y="3466909"/>
+            <a:off x="6695053" y="3486135"/>
             <a:ext cx="946096" cy="946096"/>
           </a:xfrm>
           <a:prstGeom prst="rect">
@@ -15316,6 +12440,42 @@
           </a:p>
         </p:txBody>
       </p:sp>
+      <p:sp>
+        <p:nvSpPr>
+          <p:cNvPr id="33" name="TextBox 32">
+            <a:extLst>
+              <a:ext uri="{FF2B5EF4-FFF2-40B4-BE49-F238E27FC236}">
+                <a16:creationId xmlns:a16="http://schemas.microsoft.com/office/drawing/2014/main" id="{5C9C7D55-EE49-EF49-8AB6-26BB4A3BE7F2}"/>
+              </a:ext>
+            </a:extLst>
+          </p:cNvPr>
+          <p:cNvSpPr txBox="1"/>
+          <p:nvPr/>
+        </p:nvSpPr>
+        <p:spPr>
+          <a:xfrm>
+            <a:off x="7452158" y="3667906"/>
+            <a:ext cx="1080407" cy="646331"/>
+          </a:xfrm>
+          <a:prstGeom prst="rect">
+            <a:avLst/>
+          </a:prstGeom>
+          <a:noFill/>
+        </p:spPr>
+        <p:txBody>
+          <a:bodyPr wrap="square" rtlCol="0">
+            <a:spAutoFit/>
+          </a:bodyPr>
+          <a:lstStyle/>
+          <a:p>
+            <a:pPr algn="ctr"/>
+            <a:r>
+              <a:rPr lang="en-US" sz="1200" u="sng" dirty="0"/>
+              <a:t>Everything known about Beer</a:t>
+            </a:r>
+          </a:p>
+        </p:txBody>
+      </p:sp>
     </p:spTree>
     <p:extLst>
       <p:ext uri="{BB962C8B-B14F-4D97-AF65-F5344CB8AC3E}">
@@ -15329,7 +12489,7 @@
 </p:sld>
 </file>
 
-<file path=ppt/slides/slide23.xml><?xml version="1.0" encoding="utf-8"?>
+<file path=ppt/slides/slide19.xml><?xml version="1.0" encoding="utf-8"?>
 <p:sld xmlns:a="http://schemas.openxmlformats.org/drawingml/2006/main" xmlns:r="http://schemas.openxmlformats.org/officeDocument/2006/relationships" xmlns:p="http://schemas.openxmlformats.org/presentationml/2006/main">
   <p:cSld>
     <p:spTree>
@@ -15364,7 +12524,7 @@
             <a:fld id="{6700A58B-DD98-43D0-B791-721480A02982}" type="datetime1">
               <a:rPr lang="en-US" smtClean="0"/>
               <a:pPr/>
-              <a:t>2/25/21</a:t>
+              <a:t>1/18/22</a:t>
             </a:fld>
             <a:endParaRPr lang="en-US"/>
           </a:p>
@@ -15434,7 +12594,7 @@
             <a:fld id="{37290FF7-652B-4475-AEAB-8B1A5D23AE09}" type="slidenum">
               <a:rPr lang="en-US" smtClean="0"/>
               <a:pPr/>
-              <a:t>23</a:t>
+              <a:t>19</a:t>
             </a:fld>
             <a:endParaRPr lang="en-US"/>
           </a:p>
@@ -15785,7 +12945,7 @@
 </p:sld>
 </file>
 
-<file path=ppt/slides/slide24.xml><?xml version="1.0" encoding="utf-8"?>
+<file path=ppt/slides/slide2.xml><?xml version="1.0" encoding="utf-8"?>
 <p:sld xmlns:a="http://schemas.openxmlformats.org/drawingml/2006/main" xmlns:r="http://schemas.openxmlformats.org/officeDocument/2006/relationships" xmlns:p="http://schemas.openxmlformats.org/presentationml/2006/main">
   <p:cSld>
     <p:spTree>
@@ -15804,13 +12964,125 @@
       </p:grpSpPr>
       <p:sp>
         <p:nvSpPr>
-          <p:cNvPr id="2" name="Date Placeholder 1">
+          <p:cNvPr id="11" name="Rectangle 10">
             <a:extLst>
               <a:ext uri="{FF2B5EF4-FFF2-40B4-BE49-F238E27FC236}">
-                <a16:creationId xmlns:a16="http://schemas.microsoft.com/office/drawing/2014/main" id="{3E6FFA28-2AFC-46BA-97EC-72EA43A5FCF1}"/>
+                <a16:creationId xmlns:a16="http://schemas.microsoft.com/office/drawing/2014/main" id="{C246B7D1-453D-487B-B491-889C15C460F6}"/>
               </a:ext>
             </a:extLst>
           </p:cNvPr>
+          <p:cNvSpPr/>
+          <p:nvPr/>
+        </p:nvSpPr>
+        <p:spPr>
+          <a:xfrm>
+            <a:off x="512916" y="2025076"/>
+            <a:ext cx="8118168" cy="3176852"/>
+          </a:xfrm>
+          <a:prstGeom prst="rect">
+            <a:avLst/>
+          </a:prstGeom>
+          <a:solidFill>
+            <a:schemeClr val="bg1"/>
+          </a:solidFill>
+          <a:ln w="9525">
+            <a:solidFill>
+              <a:schemeClr val="bg2"/>
+            </a:solidFill>
+          </a:ln>
+        </p:spPr>
+        <p:style>
+          <a:lnRef idx="2">
+            <a:schemeClr val="accent1">
+              <a:shade val="50000"/>
+            </a:schemeClr>
+          </a:lnRef>
+          <a:fillRef idx="1">
+            <a:schemeClr val="accent1"/>
+          </a:fillRef>
+          <a:effectRef idx="0">
+            <a:schemeClr val="accent1"/>
+          </a:effectRef>
+          <a:fontRef idx="minor">
+            <a:schemeClr val="lt1"/>
+          </a:fontRef>
+        </p:style>
+        <p:txBody>
+          <a:bodyPr lIns="88900" tIns="88900" rIns="88900" bIns="88900" rtlCol="0" anchor="t" anchorCtr="0"/>
+          <a:lstStyle/>
+          <a:p>
+            <a:pPr defTabSz="457200"/>
+            <a:endParaRPr lang="en-US" sz="1000" dirty="0">
+              <a:solidFill>
+                <a:schemeClr val="tx2"/>
+              </a:solidFill>
+            </a:endParaRPr>
+          </a:p>
+        </p:txBody>
+      </p:sp>
+      <p:sp>
+        <p:nvSpPr>
+          <p:cNvPr id="12" name="Rectangle 11">
+            <a:extLst>
+              <a:ext uri="{FF2B5EF4-FFF2-40B4-BE49-F238E27FC236}">
+                <a16:creationId xmlns:a16="http://schemas.microsoft.com/office/drawing/2014/main" id="{2C95F845-8979-407C-9F4E-6FBCB9476B2D}"/>
+              </a:ext>
+            </a:extLst>
+          </p:cNvPr>
+          <p:cNvSpPr/>
+          <p:nvPr/>
+        </p:nvSpPr>
+        <p:spPr>
+          <a:xfrm>
+            <a:off x="512916" y="1656073"/>
+            <a:ext cx="8118168" cy="365760"/>
+          </a:xfrm>
+          <a:prstGeom prst="rect">
+            <a:avLst/>
+          </a:prstGeom>
+          <a:solidFill>
+            <a:schemeClr val="accent3"/>
+          </a:solidFill>
+          <a:ln w="9525">
+            <a:solidFill>
+              <a:schemeClr val="accent3"/>
+            </a:solidFill>
+          </a:ln>
+        </p:spPr>
+        <p:style>
+          <a:lnRef idx="2">
+            <a:schemeClr val="accent1">
+              <a:shade val="50000"/>
+            </a:schemeClr>
+          </a:lnRef>
+          <a:fillRef idx="1">
+            <a:schemeClr val="accent1"/>
+          </a:fillRef>
+          <a:effectRef idx="0">
+            <a:schemeClr val="accent1"/>
+          </a:effectRef>
+          <a:fontRef idx="minor">
+            <a:schemeClr val="lt1"/>
+          </a:fontRef>
+        </p:style>
+        <p:txBody>
+          <a:bodyPr lIns="88900" tIns="88900" rIns="88900" bIns="88900" rtlCol="0" anchor="ctr"/>
+          <a:lstStyle/>
+          <a:p>
+            <a:r>
+              <a:rPr lang="en-US" sz="1200" b="1" dirty="0">
+                <a:solidFill>
+                  <a:schemeClr val="bg1"/>
+                </a:solidFill>
+              </a:rPr>
+              <a:t>“Text mining is so fun.  So do text mining!</a:t>
+            </a:r>
+          </a:p>
+        </p:txBody>
+      </p:sp>
+      <p:sp>
+        <p:nvSpPr>
+          <p:cNvPr id="2" name="Date Placeholder 1"/>
           <p:cNvSpPr>
             <a:spLocks noGrp="1"/>
           </p:cNvSpPr>
@@ -15826,7 +13098,7 @@
             <a:fld id="{6700A58B-DD98-43D0-B791-721480A02982}" type="datetime1">
               <a:rPr lang="en-US" smtClean="0"/>
               <a:pPr/>
-              <a:t>2/25/21</a:t>
+              <a:t>1/18/22</a:t>
             </a:fld>
             <a:endParaRPr lang="en-US"/>
           </a:p>
@@ -15834,13 +13106,7 @@
       </p:sp>
       <p:sp>
         <p:nvSpPr>
-          <p:cNvPr id="3" name="Title 2">
-            <a:extLst>
-              <a:ext uri="{FF2B5EF4-FFF2-40B4-BE49-F238E27FC236}">
-                <a16:creationId xmlns:a16="http://schemas.microsoft.com/office/drawing/2014/main" id="{1A28C5AC-3677-4E2E-BC72-2BFCF0C6A5EC}"/>
-              </a:ext>
-            </a:extLst>
-          </p:cNvPr>
+          <p:cNvPr id="3" name="Title 2"/>
           <p:cNvSpPr>
             <a:spLocks noGrp="1"/>
           </p:cNvSpPr>
@@ -15855,7 +13121,7 @@
           <a:p>
             <a:r>
               <a:rPr lang="en-US"/>
-              <a:t>Lets make some improved word clouds</a:t>
+              <a:t>Unigram Tokenization</a:t>
             </a:r>
             <a:endParaRPr lang="en-US" dirty="0"/>
           </a:p>
@@ -15863,13 +13129,7 @@
       </p:sp>
       <p:sp>
         <p:nvSpPr>
-          <p:cNvPr id="8" name="Footer Placeholder 5">
-            <a:extLst>
-              <a:ext uri="{FF2B5EF4-FFF2-40B4-BE49-F238E27FC236}">
-                <a16:creationId xmlns:a16="http://schemas.microsoft.com/office/drawing/2014/main" id="{53F5E589-703C-43D9-B204-17A2B658FCCE}"/>
-              </a:ext>
-            </a:extLst>
-          </p:cNvPr>
+          <p:cNvPr id="5" name="Footer Placeholder 4"/>
           <p:cNvSpPr>
             <a:spLocks noGrp="1"/>
           </p:cNvSpPr>
@@ -15892,13 +13152,7 @@
       </p:sp>
       <p:sp>
         <p:nvSpPr>
-          <p:cNvPr id="4" name="Slide Number Placeholder 3">
-            <a:extLst>
-              <a:ext uri="{FF2B5EF4-FFF2-40B4-BE49-F238E27FC236}">
-                <a16:creationId xmlns:a16="http://schemas.microsoft.com/office/drawing/2014/main" id="{912D24EB-6B7F-42DA-A05B-461AF5085D91}"/>
-              </a:ext>
-            </a:extLst>
-          </p:cNvPr>
+          <p:cNvPr id="4" name="Slide Number Placeholder 3"/>
           <p:cNvSpPr>
             <a:spLocks noGrp="1"/>
           </p:cNvSpPr>
@@ -15914,7 +13168,7 @@
             <a:fld id="{37290FF7-652B-4475-AEAB-8B1A5D23AE09}" type="slidenum">
               <a:rPr lang="en-US" smtClean="0"/>
               <a:pPr/>
-              <a:t>24</a:t>
+              <a:t>2</a:t>
             </a:fld>
             <a:endParaRPr lang="en-US"/>
           </a:p>
@@ -15922,10 +13176,10 @@
       </p:sp>
       <p:sp>
         <p:nvSpPr>
-          <p:cNvPr id="6" name="TextBox 5">
+          <p:cNvPr id="7" name="TextBox 6">
             <a:extLst>
               <a:ext uri="{FF2B5EF4-FFF2-40B4-BE49-F238E27FC236}">
-                <a16:creationId xmlns:a16="http://schemas.microsoft.com/office/drawing/2014/main" id="{C0F8E680-27F4-40BF-A3FC-AF16D46EC879}"/>
+                <a16:creationId xmlns:a16="http://schemas.microsoft.com/office/drawing/2014/main" id="{B99349F3-A8F2-4D17-B849-7F8115A13DC7}"/>
               </a:ext>
             </a:extLst>
           </p:cNvPr>
@@ -15934,8 +13188,8 @@
         </p:nvSpPr>
         <p:spPr>
           <a:xfrm>
-            <a:off x="660181" y="1699846"/>
-            <a:ext cx="3605474" cy="523220"/>
+            <a:off x="440250" y="5196043"/>
+            <a:ext cx="1890261" cy="276999"/>
           </a:xfrm>
           <a:prstGeom prst="rect">
             <a:avLst/>
@@ -15948,67 +13202,132 @@
           </a:bodyPr>
           <a:lstStyle/>
           <a:p>
-            <a:r>
-              <a:rPr lang="en-US" sz="2800" dirty="0" err="1"/>
-              <a:t>F_CommonalityCloud.R</a:t>
-            </a:r>
-            <a:endParaRPr lang="en-US" sz="2800" dirty="0"/>
+            <a:pPr defTabSz="457200"/>
+            <a:r>
+              <a:rPr lang="en-US" sz="1200" i="1" kern="1200" dirty="0">
+                <a:solidFill>
+                  <a:prstClr val="black"/>
+                </a:solidFill>
+                <a:latin typeface="Arial Unicode MS" panose="020B0604020202020204" pitchFamily="34" charset="-128"/>
+                <a:ea typeface="Arial Unicode MS" panose="020B0604020202020204" pitchFamily="34" charset="-128"/>
+                <a:cs typeface="Arial Unicode MS" panose="020B0604020202020204" pitchFamily="34" charset="-128"/>
+              </a:rPr>
+              <a:t>*with common </a:t>
+            </a:r>
+            <a:r>
+              <a:rPr lang="en-US" sz="1200" i="1" kern="1200" dirty="0" err="1">
+                <a:solidFill>
+                  <a:prstClr val="black"/>
+                </a:solidFill>
+                <a:latin typeface="Arial Unicode MS" panose="020B0604020202020204" pitchFamily="34" charset="-128"/>
+                <a:ea typeface="Arial Unicode MS" panose="020B0604020202020204" pitchFamily="34" charset="-128"/>
+                <a:cs typeface="Arial Unicode MS" panose="020B0604020202020204" pitchFamily="34" charset="-128"/>
+              </a:rPr>
+              <a:t>stopwords</a:t>
+            </a:r>
+            <a:endParaRPr lang="en-US" sz="1200" i="1" kern="1200" dirty="0">
+              <a:solidFill>
+                <a:prstClr val="black"/>
+              </a:solidFill>
+              <a:latin typeface="Arial Unicode MS" panose="020B0604020202020204" pitchFamily="34" charset="-128"/>
+              <a:ea typeface="Arial Unicode MS" panose="020B0604020202020204" pitchFamily="34" charset="-128"/>
+              <a:cs typeface="Arial Unicode MS" panose="020B0604020202020204" pitchFamily="34" charset="-128"/>
+            </a:endParaRPr>
           </a:p>
         </p:txBody>
       </p:sp>
       <p:pic>
         <p:nvPicPr>
-          <p:cNvPr id="12290" name="Picture 2" descr="Image result for nlp  meme">
+          <p:cNvPr id="10" name="Picture 9">
             <a:extLst>
               <a:ext uri="{FF2B5EF4-FFF2-40B4-BE49-F238E27FC236}">
-                <a16:creationId xmlns:a16="http://schemas.microsoft.com/office/drawing/2014/main" id="{E084A14F-187D-4780-97E6-5521F3FF951B}"/>
+                <a16:creationId xmlns:a16="http://schemas.microsoft.com/office/drawing/2014/main" id="{352C3F10-AE75-4FEA-BD93-24F01EF1F0F8}"/>
               </a:ext>
             </a:extLst>
           </p:cNvPr>
           <p:cNvPicPr>
-            <a:picLocks noChangeAspect="1" noChangeArrowheads="1"/>
+            <a:picLocks noChangeAspect="1"/>
           </p:cNvPicPr>
           <p:nvPr/>
         </p:nvPicPr>
         <p:blipFill>
-          <a:blip r:embed="rId2">
-            <a:extLst>
-              <a:ext uri="{28A0092B-C50C-407E-A947-70E740481C1C}">
-                <a14:useLocalDpi xmlns:a14="http://schemas.microsoft.com/office/drawing/2010/main" val="0"/>
-              </a:ext>
-            </a:extLst>
-          </a:blip>
-          <a:srcRect/>
+          <a:blip r:embed="rId2"/>
           <a:stretch>
             <a:fillRect/>
           </a:stretch>
         </p:blipFill>
-        <p:spPr bwMode="auto">
+        <p:spPr>
           <a:xfrm>
-            <a:off x="876130" y="2269741"/>
-            <a:ext cx="3296172" cy="3296172"/>
+            <a:off x="3249722" y="2513577"/>
+            <a:ext cx="2644556" cy="1830846"/>
           </a:xfrm>
           <a:prstGeom prst="rect">
             <a:avLst/>
           </a:prstGeom>
-          <a:noFill/>
-          <a:extLst>
-            <a:ext uri="{909E8E84-426E-40DD-AFC4-6F175D3DCCD1}">
-              <a14:hiddenFill xmlns:a14="http://schemas.microsoft.com/office/drawing/2010/main">
-                <a:solidFill>
-                  <a:srgbClr val="FFFFFF"/>
-                </a:solidFill>
-              </a14:hiddenFill>
-            </a:ext>
-          </a:extLst>
         </p:spPr>
       </p:pic>
+      <p:sp>
+        <p:nvSpPr>
+          <p:cNvPr id="13" name="TextBox 12">
+            <a:extLst>
+              <a:ext uri="{FF2B5EF4-FFF2-40B4-BE49-F238E27FC236}">
+                <a16:creationId xmlns:a16="http://schemas.microsoft.com/office/drawing/2014/main" id="{A5A3EE36-0573-4214-8E8B-E9BD628BC999}"/>
+              </a:ext>
+            </a:extLst>
+          </p:cNvPr>
+          <p:cNvSpPr txBox="1"/>
+          <p:nvPr/>
+        </p:nvSpPr>
+        <p:spPr>
+          <a:xfrm>
+            <a:off x="512380" y="1198603"/>
+            <a:ext cx="8119241" cy="338554"/>
+          </a:xfrm>
+          <a:prstGeom prst="rect">
+            <a:avLst/>
+          </a:prstGeom>
+          <a:solidFill>
+            <a:schemeClr val="accent6">
+              <a:lumMod val="60000"/>
+              <a:lumOff val="40000"/>
+            </a:schemeClr>
+          </a:solidFill>
+        </p:spPr>
+        <p:txBody>
+          <a:bodyPr wrap="square" rtlCol="0">
+            <a:spAutoFit/>
+          </a:bodyPr>
+          <a:lstStyle/>
+          <a:p>
+            <a:pPr algn="ctr" defTabSz="457200"/>
+            <a:r>
+              <a:rPr lang="en-US" sz="1600" dirty="0">
+                <a:solidFill>
+                  <a:prstClr val="white"/>
+                </a:solidFill>
+                <a:latin typeface="+mj-lt"/>
+                <a:ea typeface="Arial Unicode MS" panose="020B0604020202020204" pitchFamily="34" charset="-128"/>
+                <a:cs typeface="Arial Unicode MS" panose="020B0604020202020204" pitchFamily="34" charset="-128"/>
+              </a:rPr>
+              <a:t>Thus far, we have performed unigram tokenization of terms.</a:t>
+            </a:r>
+            <a:endParaRPr lang="en-US" sz="1600" kern="1200" dirty="0">
+              <a:solidFill>
+                <a:prstClr val="white"/>
+              </a:solidFill>
+              <a:latin typeface="+mj-lt"/>
+              <a:ea typeface="Arial Unicode MS" panose="020B0604020202020204" pitchFamily="34" charset="-128"/>
+              <a:cs typeface="Arial Unicode MS" panose="020B0604020202020204" pitchFamily="34" charset="-128"/>
+            </a:endParaRPr>
+          </a:p>
+        </p:txBody>
+      </p:sp>
       <p:cxnSp>
         <p:nvCxnSpPr>
-          <p:cNvPr id="9" name="Straight Connector 8">
+          <p:cNvPr id="14" name="Straight Connector 13">
             <a:extLst>
               <a:ext uri="{FF2B5EF4-FFF2-40B4-BE49-F238E27FC236}">
-                <a16:creationId xmlns:a16="http://schemas.microsoft.com/office/drawing/2014/main" id="{7E7705FF-846C-5140-9872-5D036398A8A8}"/>
+                <a16:creationId xmlns:a16="http://schemas.microsoft.com/office/drawing/2014/main" id="{D5EE2E8A-5825-E94E-BAF3-6B45FE58D5A2}"/>
               </a:ext>
             </a:extLst>
           </p:cNvPr>
@@ -16048,10 +13367,10 @@
       </p:cxnSp>
       <p:cxnSp>
         <p:nvCxnSpPr>
-          <p:cNvPr id="10" name="Straight Connector 9">
+          <p:cNvPr id="15" name="Straight Connector 14">
             <a:extLst>
               <a:ext uri="{FF2B5EF4-FFF2-40B4-BE49-F238E27FC236}">
-                <a16:creationId xmlns:a16="http://schemas.microsoft.com/office/drawing/2014/main" id="{9068F6EE-46D3-9843-8C17-434EF07721CC}"/>
+                <a16:creationId xmlns:a16="http://schemas.microsoft.com/office/drawing/2014/main" id="{A9E0A8EA-FC60-D047-B731-CA4FB9098607}"/>
               </a:ext>
             </a:extLst>
           </p:cNvPr>
@@ -16092,7 +13411,7 @@
     </p:spTree>
     <p:extLst>
       <p:ext uri="{BB962C8B-B14F-4D97-AF65-F5344CB8AC3E}">
-        <p14:creationId xmlns:p14="http://schemas.microsoft.com/office/powerpoint/2010/main" val="3235432905"/>
+        <p14:creationId xmlns:p14="http://schemas.microsoft.com/office/powerpoint/2010/main" val="2545044768"/>
       </p:ext>
     </p:extLst>
   </p:cSld>
@@ -16102,7 +13421,7 @@
 </p:sld>
 </file>
 
-<file path=ppt/slides/slide25.xml><?xml version="1.0" encoding="utf-8"?>
+<file path=ppt/slides/slide20.xml><?xml version="1.0" encoding="utf-8"?>
 <p:sld xmlns:a="http://schemas.openxmlformats.org/drawingml/2006/main" xmlns:r="http://schemas.openxmlformats.org/officeDocument/2006/relationships" xmlns:p="http://schemas.openxmlformats.org/presentationml/2006/main">
   <p:cSld>
     <p:spTree>
@@ -16137,7 +13456,7 @@
             <a:fld id="{6700A58B-DD98-43D0-B791-721480A02982}" type="datetime1">
               <a:rPr lang="en-US" smtClean="0"/>
               <a:pPr/>
-              <a:t>2/25/21</a:t>
+              <a:t>1/18/22</a:t>
             </a:fld>
             <a:endParaRPr lang="en-US"/>
           </a:p>
@@ -16207,7 +13526,7 @@
             <a:fld id="{37290FF7-652B-4475-AEAB-8B1A5D23AE09}" type="slidenum">
               <a:rPr lang="en-US" smtClean="0"/>
               <a:pPr/>
-              <a:t>25</a:t>
+              <a:t>20</a:t>
             </a:fld>
             <a:endParaRPr lang="en-US"/>
           </a:p>
@@ -16655,7 +13974,7 @@
 </p:sld>
 </file>
 
-<file path=ppt/slides/slide26.xml><?xml version="1.0" encoding="utf-8"?>
+<file path=ppt/slides/slide21.xml><?xml version="1.0" encoding="utf-8"?>
 <p:sld xmlns:a="http://schemas.openxmlformats.org/drawingml/2006/main" xmlns:r="http://schemas.openxmlformats.org/officeDocument/2006/relationships" xmlns:p="http://schemas.openxmlformats.org/presentationml/2006/main">
   <p:cSld>
     <p:spTree>
@@ -16674,6 +13993,323 @@
       </p:grpSpPr>
       <p:sp>
         <p:nvSpPr>
+          <p:cNvPr id="2" name="Date Placeholder 1">
+            <a:extLst>
+              <a:ext uri="{FF2B5EF4-FFF2-40B4-BE49-F238E27FC236}">
+                <a16:creationId xmlns:a16="http://schemas.microsoft.com/office/drawing/2014/main" id="{3E6FFA28-2AFC-46BA-97EC-72EA43A5FCF1}"/>
+              </a:ext>
+            </a:extLst>
+          </p:cNvPr>
+          <p:cNvSpPr>
+            <a:spLocks noGrp="1"/>
+          </p:cNvSpPr>
+          <p:nvPr>
+            <p:ph type="dt" sz="half" idx="10"/>
+          </p:nvPr>
+        </p:nvSpPr>
+        <p:spPr/>
+        <p:txBody>
+          <a:bodyPr/>
+          <a:lstStyle/>
+          <a:p>
+            <a:fld id="{6700A58B-DD98-43D0-B791-721480A02982}" type="datetime1">
+              <a:rPr lang="en-US" smtClean="0"/>
+              <a:pPr/>
+              <a:t>1/18/22</a:t>
+            </a:fld>
+            <a:endParaRPr lang="en-US"/>
+          </a:p>
+        </p:txBody>
+      </p:sp>
+      <p:sp>
+        <p:nvSpPr>
+          <p:cNvPr id="3" name="Title 2">
+            <a:extLst>
+              <a:ext uri="{FF2B5EF4-FFF2-40B4-BE49-F238E27FC236}">
+                <a16:creationId xmlns:a16="http://schemas.microsoft.com/office/drawing/2014/main" id="{1A28C5AC-3677-4E2E-BC72-2BFCF0C6A5EC}"/>
+              </a:ext>
+            </a:extLst>
+          </p:cNvPr>
+          <p:cNvSpPr>
+            <a:spLocks noGrp="1"/>
+          </p:cNvSpPr>
+          <p:nvPr>
+            <p:ph type="title"/>
+          </p:nvPr>
+        </p:nvSpPr>
+        <p:spPr/>
+        <p:txBody>
+          <a:bodyPr/>
+          <a:lstStyle/>
+          <a:p>
+            <a:r>
+              <a:rPr lang="en-US"/>
+              <a:t>Lets make some improved word clouds</a:t>
+            </a:r>
+            <a:endParaRPr lang="en-US" dirty="0"/>
+          </a:p>
+        </p:txBody>
+      </p:sp>
+      <p:sp>
+        <p:nvSpPr>
+          <p:cNvPr id="8" name="Footer Placeholder 5">
+            <a:extLst>
+              <a:ext uri="{FF2B5EF4-FFF2-40B4-BE49-F238E27FC236}">
+                <a16:creationId xmlns:a16="http://schemas.microsoft.com/office/drawing/2014/main" id="{53F5E589-703C-43D9-B204-17A2B658FCCE}"/>
+              </a:ext>
+            </a:extLst>
+          </p:cNvPr>
+          <p:cNvSpPr>
+            <a:spLocks noGrp="1"/>
+          </p:cNvSpPr>
+          <p:nvPr>
+            <p:ph type="ftr" sz="quarter" idx="3"/>
+          </p:nvPr>
+        </p:nvSpPr>
+        <p:spPr/>
+        <p:txBody>
+          <a:bodyPr/>
+          <a:lstStyle/>
+          <a:p>
+            <a:r>
+              <a:rPr lang="en-US"/>
+              <a:t>Kwartler</a:t>
+            </a:r>
+            <a:endParaRPr lang="en-US" dirty="0"/>
+          </a:p>
+        </p:txBody>
+      </p:sp>
+      <p:sp>
+        <p:nvSpPr>
+          <p:cNvPr id="4" name="Slide Number Placeholder 3">
+            <a:extLst>
+              <a:ext uri="{FF2B5EF4-FFF2-40B4-BE49-F238E27FC236}">
+                <a16:creationId xmlns:a16="http://schemas.microsoft.com/office/drawing/2014/main" id="{912D24EB-6B7F-42DA-A05B-461AF5085D91}"/>
+              </a:ext>
+            </a:extLst>
+          </p:cNvPr>
+          <p:cNvSpPr>
+            <a:spLocks noGrp="1"/>
+          </p:cNvSpPr>
+          <p:nvPr>
+            <p:ph type="sldNum" sz="quarter" idx="4"/>
+          </p:nvPr>
+        </p:nvSpPr>
+        <p:spPr/>
+        <p:txBody>
+          <a:bodyPr/>
+          <a:lstStyle/>
+          <a:p>
+            <a:fld id="{37290FF7-652B-4475-AEAB-8B1A5D23AE09}" type="slidenum">
+              <a:rPr lang="en-US" smtClean="0"/>
+              <a:pPr/>
+              <a:t>21</a:t>
+            </a:fld>
+            <a:endParaRPr lang="en-US"/>
+          </a:p>
+        </p:txBody>
+      </p:sp>
+      <p:sp>
+        <p:nvSpPr>
+          <p:cNvPr id="6" name="TextBox 5">
+            <a:extLst>
+              <a:ext uri="{FF2B5EF4-FFF2-40B4-BE49-F238E27FC236}">
+                <a16:creationId xmlns:a16="http://schemas.microsoft.com/office/drawing/2014/main" id="{C0F8E680-27F4-40BF-A3FC-AF16D46EC879}"/>
+              </a:ext>
+            </a:extLst>
+          </p:cNvPr>
+          <p:cNvSpPr txBox="1"/>
+          <p:nvPr/>
+        </p:nvSpPr>
+        <p:spPr>
+          <a:xfrm>
+            <a:off x="660181" y="1699846"/>
+            <a:ext cx="3530134" cy="523220"/>
+          </a:xfrm>
+          <a:prstGeom prst="rect">
+            <a:avLst/>
+          </a:prstGeom>
+          <a:noFill/>
+        </p:spPr>
+        <p:txBody>
+          <a:bodyPr wrap="none" rtlCol="0">
+            <a:spAutoFit/>
+          </a:bodyPr>
+          <a:lstStyle/>
+          <a:p>
+            <a:r>
+              <a:rPr lang="en-US" sz="2800" dirty="0" err="1"/>
+              <a:t>I_CommonalityCloud.R</a:t>
+            </a:r>
+            <a:endParaRPr lang="en-US" sz="2800" dirty="0"/>
+          </a:p>
+        </p:txBody>
+      </p:sp>
+      <p:pic>
+        <p:nvPicPr>
+          <p:cNvPr id="12290" name="Picture 2" descr="Image result for nlp  meme">
+            <a:extLst>
+              <a:ext uri="{FF2B5EF4-FFF2-40B4-BE49-F238E27FC236}">
+                <a16:creationId xmlns:a16="http://schemas.microsoft.com/office/drawing/2014/main" id="{E084A14F-187D-4780-97E6-5521F3FF951B}"/>
+              </a:ext>
+            </a:extLst>
+          </p:cNvPr>
+          <p:cNvPicPr>
+            <a:picLocks noChangeAspect="1" noChangeArrowheads="1"/>
+          </p:cNvPicPr>
+          <p:nvPr/>
+        </p:nvPicPr>
+        <p:blipFill>
+          <a:blip r:embed="rId2">
+            <a:extLst>
+              <a:ext uri="{28A0092B-C50C-407E-A947-70E740481C1C}">
+                <a14:useLocalDpi xmlns:a14="http://schemas.microsoft.com/office/drawing/2010/main" val="0"/>
+              </a:ext>
+            </a:extLst>
+          </a:blip>
+          <a:srcRect/>
+          <a:stretch>
+            <a:fillRect/>
+          </a:stretch>
+        </p:blipFill>
+        <p:spPr bwMode="auto">
+          <a:xfrm>
+            <a:off x="876130" y="2269741"/>
+            <a:ext cx="3296172" cy="3296172"/>
+          </a:xfrm>
+          <a:prstGeom prst="rect">
+            <a:avLst/>
+          </a:prstGeom>
+          <a:noFill/>
+          <a:extLst>
+            <a:ext uri="{909E8E84-426E-40DD-AFC4-6F175D3DCCD1}">
+              <a14:hiddenFill xmlns:a14="http://schemas.microsoft.com/office/drawing/2010/main">
+                <a:solidFill>
+                  <a:srgbClr val="FFFFFF"/>
+                </a:solidFill>
+              </a14:hiddenFill>
+            </a:ext>
+          </a:extLst>
+        </p:spPr>
+      </p:pic>
+      <p:cxnSp>
+        <p:nvCxnSpPr>
+          <p:cNvPr id="9" name="Straight Connector 8">
+            <a:extLst>
+              <a:ext uri="{FF2B5EF4-FFF2-40B4-BE49-F238E27FC236}">
+                <a16:creationId xmlns:a16="http://schemas.microsoft.com/office/drawing/2014/main" id="{7E7705FF-846C-5140-9872-5D036398A8A8}"/>
+              </a:ext>
+            </a:extLst>
+          </p:cNvPr>
+          <p:cNvCxnSpPr/>
+          <p:nvPr/>
+        </p:nvCxnSpPr>
+        <p:spPr>
+          <a:xfrm>
+            <a:off x="6798363" y="6549885"/>
+            <a:ext cx="0" cy="182880"/>
+          </a:xfrm>
+          <a:prstGeom prst="line">
+            <a:avLst/>
+          </a:prstGeom>
+          <a:ln>
+            <a:solidFill>
+              <a:schemeClr val="bg1">
+                <a:lumMod val="85000"/>
+              </a:schemeClr>
+            </a:solidFill>
+          </a:ln>
+        </p:spPr>
+        <p:style>
+          <a:lnRef idx="1">
+            <a:schemeClr val="accent1"/>
+          </a:lnRef>
+          <a:fillRef idx="0">
+            <a:schemeClr val="accent1"/>
+          </a:fillRef>
+          <a:effectRef idx="0">
+            <a:schemeClr val="accent1"/>
+          </a:effectRef>
+          <a:fontRef idx="minor">
+            <a:schemeClr val="tx1"/>
+          </a:fontRef>
+        </p:style>
+      </p:cxnSp>
+      <p:cxnSp>
+        <p:nvCxnSpPr>
+          <p:cNvPr id="10" name="Straight Connector 9">
+            <a:extLst>
+              <a:ext uri="{FF2B5EF4-FFF2-40B4-BE49-F238E27FC236}">
+                <a16:creationId xmlns:a16="http://schemas.microsoft.com/office/drawing/2014/main" id="{9068F6EE-46D3-9843-8C17-434EF07721CC}"/>
+              </a:ext>
+            </a:extLst>
+          </p:cNvPr>
+          <p:cNvCxnSpPr/>
+          <p:nvPr/>
+        </p:nvCxnSpPr>
+        <p:spPr>
+          <a:xfrm>
+            <a:off x="7076661" y="4664763"/>
+            <a:ext cx="182880" cy="0"/>
+          </a:xfrm>
+          <a:prstGeom prst="line">
+            <a:avLst/>
+          </a:prstGeom>
+          <a:ln>
+            <a:solidFill>
+              <a:schemeClr val="bg1">
+                <a:lumMod val="85000"/>
+              </a:schemeClr>
+            </a:solidFill>
+          </a:ln>
+        </p:spPr>
+        <p:style>
+          <a:lnRef idx="1">
+            <a:schemeClr val="accent1"/>
+          </a:lnRef>
+          <a:fillRef idx="0">
+            <a:schemeClr val="accent1"/>
+          </a:fillRef>
+          <a:effectRef idx="0">
+            <a:schemeClr val="accent1"/>
+          </a:effectRef>
+          <a:fontRef idx="minor">
+            <a:schemeClr val="tx1"/>
+          </a:fontRef>
+        </p:style>
+      </p:cxnSp>
+    </p:spTree>
+    <p:extLst>
+      <p:ext uri="{BB962C8B-B14F-4D97-AF65-F5344CB8AC3E}">
+        <p14:creationId xmlns:p14="http://schemas.microsoft.com/office/powerpoint/2010/main" val="3235432905"/>
+      </p:ext>
+    </p:extLst>
+  </p:cSld>
+  <p:clrMapOvr>
+    <a:masterClrMapping/>
+  </p:clrMapOvr>
+</p:sld>
+</file>
+
+<file path=ppt/slides/slide22.xml><?xml version="1.0" encoding="utf-8"?>
+<p:sld xmlns:a="http://schemas.openxmlformats.org/drawingml/2006/main" xmlns:r="http://schemas.openxmlformats.org/officeDocument/2006/relationships" xmlns:p="http://schemas.openxmlformats.org/presentationml/2006/main">
+  <p:cSld>
+    <p:spTree>
+      <p:nvGrpSpPr>
+        <p:cNvPr id="1" name=""/>
+        <p:cNvGrpSpPr/>
+        <p:nvPr/>
+      </p:nvGrpSpPr>
+      <p:grpSpPr>
+        <a:xfrm>
+          <a:off x="0" y="0"/>
+          <a:ext cx="0" cy="0"/>
+          <a:chOff x="0" y="0"/>
+          <a:chExt cx="0" cy="0"/>
+        </a:xfrm>
+      </p:grpSpPr>
+      <p:sp>
+        <p:nvSpPr>
           <p:cNvPr id="2" name="Date Placeholder 1"/>
           <p:cNvSpPr>
             <a:spLocks noGrp="1"/>
@@ -16690,7 +14326,7 @@
             <a:fld id="{6700A58B-DD98-43D0-B791-721480A02982}" type="datetime1">
               <a:rPr lang="en-US" smtClean="0"/>
               <a:pPr/>
-              <a:t>2/25/21</a:t>
+              <a:t>1/18/22</a:t>
             </a:fld>
             <a:endParaRPr lang="en-US"/>
           </a:p>
@@ -16764,7 +14400,7 @@
             <a:fld id="{37290FF7-652B-4475-AEAB-8B1A5D23AE09}" type="slidenum">
               <a:rPr lang="en-US" smtClean="0"/>
               <a:pPr/>
-              <a:t>26</a:t>
+              <a:t>22</a:t>
             </a:fld>
             <a:endParaRPr lang="en-US"/>
           </a:p>
@@ -17533,7 +15169,7 @@
 </p:sld>
 </file>
 
-<file path=ppt/slides/slide27.xml><?xml version="1.0" encoding="utf-8"?>
+<file path=ppt/slides/slide23.xml><?xml version="1.0" encoding="utf-8"?>
 <p:sld xmlns:a="http://schemas.openxmlformats.org/drawingml/2006/main" xmlns:r="http://schemas.openxmlformats.org/officeDocument/2006/relationships" xmlns:p="http://schemas.openxmlformats.org/presentationml/2006/main">
   <p:cSld>
     <p:spTree>
@@ -17568,7 +15204,7 @@
             <a:fld id="{6700A58B-DD98-43D0-B791-721480A02982}" type="datetime1">
               <a:rPr lang="en-US" smtClean="0"/>
               <a:pPr/>
-              <a:t>2/25/21</a:t>
+              <a:t>1/18/22</a:t>
             </a:fld>
             <a:endParaRPr lang="en-US"/>
           </a:p>
@@ -17638,7 +15274,7 @@
             <a:fld id="{37290FF7-652B-4475-AEAB-8B1A5D23AE09}" type="slidenum">
               <a:rPr lang="en-US" smtClean="0"/>
               <a:pPr/>
-              <a:t>27</a:t>
+              <a:t>23</a:t>
             </a:fld>
             <a:endParaRPr lang="en-US"/>
           </a:p>
@@ -17828,7 +15464,7 @@
 </p:sld>
 </file>
 
-<file path=ppt/slides/slide28.xml><?xml version="1.0" encoding="utf-8"?>
+<file path=ppt/slides/slide24.xml><?xml version="1.0" encoding="utf-8"?>
 <p:sld xmlns:a="http://schemas.openxmlformats.org/drawingml/2006/main" xmlns:r="http://schemas.openxmlformats.org/officeDocument/2006/relationships" xmlns:p="http://schemas.openxmlformats.org/presentationml/2006/main">
   <p:cSld>
     <p:spTree>
@@ -17863,7 +15499,7 @@
             <a:fld id="{6700A58B-DD98-43D0-B791-721480A02982}" type="datetime1">
               <a:rPr lang="en-US" smtClean="0"/>
               <a:pPr/>
-              <a:t>2/25/21</a:t>
+              <a:t>1/18/22</a:t>
             </a:fld>
             <a:endParaRPr lang="en-US"/>
           </a:p>
@@ -17933,7 +15569,7 @@
             <a:fld id="{37290FF7-652B-4475-AEAB-8B1A5D23AE09}" type="slidenum">
               <a:rPr lang="en-US" smtClean="0"/>
               <a:pPr/>
-              <a:t>28</a:t>
+              <a:t>24</a:t>
             </a:fld>
             <a:endParaRPr lang="en-US"/>
           </a:p>
@@ -18129,7 +15765,7 @@
 </p:sld>
 </file>
 
-<file path=ppt/slides/slide29.xml><?xml version="1.0" encoding="utf-8"?>
+<file path=ppt/slides/slide25.xml><?xml version="1.0" encoding="utf-8"?>
 <p:sld xmlns:a="http://schemas.openxmlformats.org/drawingml/2006/main" xmlns:r="http://schemas.openxmlformats.org/officeDocument/2006/relationships" xmlns:p="http://schemas.openxmlformats.org/presentationml/2006/main">
   <p:cSld>
     <p:spTree>
@@ -18164,7 +15800,7 @@
             <a:fld id="{6700A58B-DD98-43D0-B791-721480A02982}" type="datetime1">
               <a:rPr lang="en-US" smtClean="0"/>
               <a:pPr/>
-              <a:t>2/25/21</a:t>
+              <a:t>1/18/22</a:t>
             </a:fld>
             <a:endParaRPr lang="en-US"/>
           </a:p>
@@ -18234,7 +15870,7 @@
             <a:fld id="{37290FF7-652B-4475-AEAB-8B1A5D23AE09}" type="slidenum">
               <a:rPr lang="en-US" smtClean="0"/>
               <a:pPr/>
-              <a:t>29</a:t>
+              <a:t>25</a:t>
             </a:fld>
             <a:endParaRPr lang="en-US"/>
           </a:p>
@@ -18377,7 +16013,7 @@
 </p:sld>
 </file>
 
-<file path=ppt/slides/slide3.xml><?xml version="1.0" encoding="utf-8"?>
+<file path=ppt/slides/slide26.xml><?xml version="1.0" encoding="utf-8"?>
 <p:sld xmlns:a="http://schemas.openxmlformats.org/drawingml/2006/main" xmlns:r="http://schemas.openxmlformats.org/officeDocument/2006/relationships" xmlns:p="http://schemas.openxmlformats.org/presentationml/2006/main">
   <p:cSld>
     <p:spTree>
@@ -18396,124 +16032,6 @@
       </p:grpSpPr>
       <p:sp>
         <p:nvSpPr>
-          <p:cNvPr id="11" name="Rectangle 10">
-            <a:extLst>
-              <a:ext uri="{FF2B5EF4-FFF2-40B4-BE49-F238E27FC236}">
-                <a16:creationId xmlns:a16="http://schemas.microsoft.com/office/drawing/2014/main" id="{C246B7D1-453D-487B-B491-889C15C460F6}"/>
-              </a:ext>
-            </a:extLst>
-          </p:cNvPr>
-          <p:cNvSpPr/>
-          <p:nvPr/>
-        </p:nvSpPr>
-        <p:spPr>
-          <a:xfrm>
-            <a:off x="141891" y="2025076"/>
-            <a:ext cx="8860219" cy="3582348"/>
-          </a:xfrm>
-          <a:prstGeom prst="rect">
-            <a:avLst/>
-          </a:prstGeom>
-          <a:solidFill>
-            <a:schemeClr val="bg1"/>
-          </a:solidFill>
-          <a:ln w="9525">
-            <a:solidFill>
-              <a:schemeClr val="bg2"/>
-            </a:solidFill>
-          </a:ln>
-        </p:spPr>
-        <p:style>
-          <a:lnRef idx="2">
-            <a:schemeClr val="accent1">
-              <a:shade val="50000"/>
-            </a:schemeClr>
-          </a:lnRef>
-          <a:fillRef idx="1">
-            <a:schemeClr val="accent1"/>
-          </a:fillRef>
-          <a:effectRef idx="0">
-            <a:schemeClr val="accent1"/>
-          </a:effectRef>
-          <a:fontRef idx="minor">
-            <a:schemeClr val="lt1"/>
-          </a:fontRef>
-        </p:style>
-        <p:txBody>
-          <a:bodyPr lIns="88900" tIns="88900" rIns="88900" bIns="88900" rtlCol="0" anchor="t" anchorCtr="0"/>
-          <a:lstStyle/>
-          <a:p>
-            <a:pPr defTabSz="457200"/>
-            <a:endParaRPr lang="en-US" sz="1000" dirty="0">
-              <a:solidFill>
-                <a:schemeClr val="tx2"/>
-              </a:solidFill>
-            </a:endParaRPr>
-          </a:p>
-        </p:txBody>
-      </p:sp>
-      <p:sp>
-        <p:nvSpPr>
-          <p:cNvPr id="12" name="Rectangle 11">
-            <a:extLst>
-              <a:ext uri="{FF2B5EF4-FFF2-40B4-BE49-F238E27FC236}">
-                <a16:creationId xmlns:a16="http://schemas.microsoft.com/office/drawing/2014/main" id="{2C95F845-8979-407C-9F4E-6FBCB9476B2D}"/>
-              </a:ext>
-            </a:extLst>
-          </p:cNvPr>
-          <p:cNvSpPr/>
-          <p:nvPr/>
-        </p:nvSpPr>
-        <p:spPr>
-          <a:xfrm>
-            <a:off x="141890" y="1671145"/>
-            <a:ext cx="8860220" cy="331076"/>
-          </a:xfrm>
-          <a:prstGeom prst="rect">
-            <a:avLst/>
-          </a:prstGeom>
-          <a:solidFill>
-            <a:schemeClr val="accent3"/>
-          </a:solidFill>
-          <a:ln w="9525">
-            <a:solidFill>
-              <a:schemeClr val="accent3"/>
-            </a:solidFill>
-          </a:ln>
-        </p:spPr>
-        <p:style>
-          <a:lnRef idx="2">
-            <a:schemeClr val="accent1">
-              <a:shade val="50000"/>
-            </a:schemeClr>
-          </a:lnRef>
-          <a:fillRef idx="1">
-            <a:schemeClr val="accent1"/>
-          </a:fillRef>
-          <a:effectRef idx="0">
-            <a:schemeClr val="accent1"/>
-          </a:effectRef>
-          <a:fontRef idx="minor">
-            <a:schemeClr val="lt1"/>
-          </a:fontRef>
-        </p:style>
-        <p:txBody>
-          <a:bodyPr lIns="88900" tIns="88900" rIns="88900" bIns="88900" rtlCol="0" anchor="ctr"/>
-          <a:lstStyle/>
-          <a:p>
-            <a:r>
-              <a:rPr lang="en-US" sz="1200" b="1" dirty="0">
-                <a:solidFill>
-                  <a:schemeClr val="bg1"/>
-                </a:solidFill>
-              </a:rPr>
-              <a:t>Within R</a:t>
-            </a:r>
-          </a:p>
-        </p:txBody>
-      </p:sp>
-      <p:sp>
-        <p:nvSpPr>
           <p:cNvPr id="2" name="Date Placeholder 1"/>
           <p:cNvSpPr>
             <a:spLocks noGrp="1"/>
@@ -18530,7 +16048,7 @@
             <a:fld id="{6700A58B-DD98-43D0-B791-721480A02982}" type="datetime1">
               <a:rPr lang="en-US" smtClean="0"/>
               <a:pPr/>
-              <a:t>2/25/21</a:t>
+              <a:t>1/18/22</a:t>
             </a:fld>
             <a:endParaRPr lang="en-US"/>
           </a:p>
@@ -18553,7 +16071,7 @@
           <a:p>
             <a:r>
               <a:rPr lang="en-US"/>
-              <a:t>Changing Tokenization Schema</a:t>
+              <a:t>TF-IDF Simple Example</a:t>
             </a:r>
             <a:endParaRPr lang="en-US" dirty="0"/>
           </a:p>
@@ -18600,618 +16118,7 @@
             <a:fld id="{37290FF7-652B-4475-AEAB-8B1A5D23AE09}" type="slidenum">
               <a:rPr lang="en-US" smtClean="0"/>
               <a:pPr/>
-              <a:t>3</a:t>
-            </a:fld>
-            <a:endParaRPr lang="en-US"/>
-          </a:p>
-        </p:txBody>
-      </p:sp>
-      <p:sp>
-        <p:nvSpPr>
-          <p:cNvPr id="13" name="TextBox 12">
-            <a:extLst>
-              <a:ext uri="{FF2B5EF4-FFF2-40B4-BE49-F238E27FC236}">
-                <a16:creationId xmlns:a16="http://schemas.microsoft.com/office/drawing/2014/main" id="{A5A3EE36-0573-4214-8E8B-E9BD628BC999}"/>
-              </a:ext>
-            </a:extLst>
-          </p:cNvPr>
-          <p:cNvSpPr txBox="1"/>
-          <p:nvPr/>
-        </p:nvSpPr>
-        <p:spPr>
-          <a:xfrm>
-            <a:off x="157656" y="1130091"/>
-            <a:ext cx="8828688" cy="340806"/>
-          </a:xfrm>
-          <a:prstGeom prst="rect">
-            <a:avLst/>
-          </a:prstGeom>
-          <a:solidFill>
-            <a:schemeClr val="accent6">
-              <a:lumMod val="60000"/>
-              <a:lumOff val="40000"/>
-            </a:schemeClr>
-          </a:solidFill>
-        </p:spPr>
-        <p:txBody>
-          <a:bodyPr wrap="square" rtlCol="0">
-            <a:spAutoFit/>
-          </a:bodyPr>
-          <a:lstStyle/>
-          <a:p>
-            <a:pPr algn="ctr" defTabSz="457200"/>
-            <a:r>
-              <a:rPr lang="en-US" sz="1600" dirty="0">
-                <a:solidFill>
-                  <a:prstClr val="white"/>
-                </a:solidFill>
-                <a:latin typeface="+mj-lt"/>
-                <a:ea typeface="Arial Unicode MS" panose="020B0604020202020204" pitchFamily="34" charset="-128"/>
-                <a:cs typeface="Arial Unicode MS" panose="020B0604020202020204" pitchFamily="34" charset="-128"/>
-              </a:rPr>
-              <a:t>First create a function defining tokenization then add as a control parameter to TDM or DTM.</a:t>
-            </a:r>
-            <a:endParaRPr lang="en-US" sz="1600" kern="1200" dirty="0">
-              <a:solidFill>
-                <a:prstClr val="white"/>
-              </a:solidFill>
-              <a:latin typeface="+mj-lt"/>
-              <a:ea typeface="Arial Unicode MS" panose="020B0604020202020204" pitchFamily="34" charset="-128"/>
-              <a:cs typeface="Arial Unicode MS" panose="020B0604020202020204" pitchFamily="34" charset="-128"/>
-            </a:endParaRPr>
-          </a:p>
-        </p:txBody>
-      </p:sp>
-      <p:sp>
-        <p:nvSpPr>
-          <p:cNvPr id="14" name="Rectangle 13">
-            <a:extLst>
-              <a:ext uri="{FF2B5EF4-FFF2-40B4-BE49-F238E27FC236}">
-                <a16:creationId xmlns:a16="http://schemas.microsoft.com/office/drawing/2014/main" id="{6C96FE2F-7E19-48CB-9942-7E78DB569A67}"/>
-              </a:ext>
-            </a:extLst>
-          </p:cNvPr>
-          <p:cNvSpPr/>
-          <p:nvPr/>
-        </p:nvSpPr>
-        <p:spPr>
-          <a:xfrm>
-            <a:off x="197069" y="2097871"/>
-            <a:ext cx="8749862" cy="738664"/>
-          </a:xfrm>
-          <a:prstGeom prst="rect">
-            <a:avLst/>
-          </a:prstGeom>
-          <a:solidFill>
-            <a:schemeClr val="bg1">
-              <a:lumMod val="85000"/>
-            </a:schemeClr>
-          </a:solidFill>
-        </p:spPr>
-        <p:txBody>
-          <a:bodyPr wrap="square">
-            <a:spAutoFit/>
-          </a:bodyPr>
-          <a:lstStyle/>
-          <a:p>
-            <a:pPr defTabSz="457200"/>
-            <a:r>
-              <a:rPr lang="en-US" sz="1400" kern="1200" dirty="0">
-                <a:solidFill>
-                  <a:prstClr val="black"/>
-                </a:solidFill>
-                <a:latin typeface="Consolas" panose="020B0609020204030204" pitchFamily="49" charset="0"/>
-                <a:ea typeface="Arial Unicode MS" panose="020B0604020202020204" pitchFamily="34" charset="-128"/>
-                <a:cs typeface="Consolas" panose="020B0609020204030204" pitchFamily="49" charset="0"/>
-              </a:rPr>
-              <a:t>#bigram token maker</a:t>
-            </a:r>
-          </a:p>
-          <a:p>
-            <a:pPr defTabSz="457200"/>
-            <a:r>
-              <a:rPr lang="en-US" sz="1400" kern="1200" dirty="0" err="1">
-                <a:solidFill>
-                  <a:prstClr val="black"/>
-                </a:solidFill>
-                <a:latin typeface="Consolas" panose="020B0609020204030204" pitchFamily="49" charset="0"/>
-                <a:ea typeface="Arial Unicode MS" panose="020B0604020202020204" pitchFamily="34" charset="-128"/>
-                <a:cs typeface="Consolas" panose="020B0609020204030204" pitchFamily="49" charset="0"/>
-              </a:rPr>
-              <a:t>bigramTokens</a:t>
-            </a:r>
-            <a:r>
-              <a:rPr lang="en-US" sz="1400" kern="1200" dirty="0">
-                <a:solidFill>
-                  <a:prstClr val="black"/>
-                </a:solidFill>
-                <a:latin typeface="Consolas" panose="020B0609020204030204" pitchFamily="49" charset="0"/>
-                <a:ea typeface="Arial Unicode MS" panose="020B0604020202020204" pitchFamily="34" charset="-128"/>
-                <a:cs typeface="Consolas" panose="020B0609020204030204" pitchFamily="49" charset="0"/>
-              </a:rPr>
-              <a:t> &lt;-function(x)</a:t>
-            </a:r>
-          </a:p>
-          <a:p>
-            <a:pPr defTabSz="457200"/>
-            <a:r>
-              <a:rPr lang="en-US" sz="1400" kern="1200" dirty="0">
-                <a:solidFill>
-                  <a:prstClr val="black"/>
-                </a:solidFill>
-                <a:latin typeface="Consolas" panose="020B0609020204030204" pitchFamily="49" charset="0"/>
-                <a:ea typeface="Arial Unicode MS" panose="020B0604020202020204" pitchFamily="34" charset="-128"/>
-                <a:cs typeface="Consolas" panose="020B0609020204030204" pitchFamily="49" charset="0"/>
-              </a:rPr>
-              <a:t>  </a:t>
-            </a:r>
-            <a:r>
-              <a:rPr lang="en-US" sz="1400" kern="1200" dirty="0" err="1">
-                <a:solidFill>
-                  <a:prstClr val="black"/>
-                </a:solidFill>
-                <a:latin typeface="Consolas" panose="020B0609020204030204" pitchFamily="49" charset="0"/>
-                <a:ea typeface="Arial Unicode MS" panose="020B0604020202020204" pitchFamily="34" charset="-128"/>
-                <a:cs typeface="Consolas" panose="020B0609020204030204" pitchFamily="49" charset="0"/>
-              </a:rPr>
-              <a:t>unlist</a:t>
-            </a:r>
-            <a:r>
-              <a:rPr lang="en-US" sz="1400" kern="1200" dirty="0">
-                <a:solidFill>
-                  <a:prstClr val="black"/>
-                </a:solidFill>
-                <a:latin typeface="Consolas" panose="020B0609020204030204" pitchFamily="49" charset="0"/>
-                <a:ea typeface="Arial Unicode MS" panose="020B0604020202020204" pitchFamily="34" charset="-128"/>
-                <a:cs typeface="Consolas" panose="020B0609020204030204" pitchFamily="49" charset="0"/>
-              </a:rPr>
-              <a:t>(</a:t>
-            </a:r>
-            <a:r>
-              <a:rPr lang="en-US" sz="1400" kern="1200" dirty="0" err="1">
-                <a:solidFill>
-                  <a:prstClr val="black"/>
-                </a:solidFill>
-                <a:latin typeface="Consolas" panose="020B0609020204030204" pitchFamily="49" charset="0"/>
-                <a:ea typeface="Arial Unicode MS" panose="020B0604020202020204" pitchFamily="34" charset="-128"/>
-                <a:cs typeface="Consolas" panose="020B0609020204030204" pitchFamily="49" charset="0"/>
-              </a:rPr>
-              <a:t>lapply</a:t>
-            </a:r>
-            <a:r>
-              <a:rPr lang="en-US" sz="1400" kern="1200" dirty="0">
-                <a:solidFill>
-                  <a:prstClr val="black"/>
-                </a:solidFill>
-                <a:latin typeface="Consolas" panose="020B0609020204030204" pitchFamily="49" charset="0"/>
-                <a:ea typeface="Arial Unicode MS" panose="020B0604020202020204" pitchFamily="34" charset="-128"/>
-                <a:cs typeface="Consolas" panose="020B0609020204030204" pitchFamily="49" charset="0"/>
-              </a:rPr>
-              <a:t>(NLP::</a:t>
-            </a:r>
-            <a:r>
-              <a:rPr lang="en-US" sz="1400" kern="1200" dirty="0" err="1">
-                <a:solidFill>
-                  <a:prstClr val="black"/>
-                </a:solidFill>
-                <a:latin typeface="Consolas" panose="020B0609020204030204" pitchFamily="49" charset="0"/>
-                <a:ea typeface="Arial Unicode MS" panose="020B0604020202020204" pitchFamily="34" charset="-128"/>
-                <a:cs typeface="Consolas" panose="020B0609020204030204" pitchFamily="49" charset="0"/>
-              </a:rPr>
-              <a:t>ngrams</a:t>
-            </a:r>
-            <a:r>
-              <a:rPr lang="en-US" sz="1400" kern="1200" dirty="0">
-                <a:solidFill>
-                  <a:prstClr val="black"/>
-                </a:solidFill>
-                <a:latin typeface="Consolas" panose="020B0609020204030204" pitchFamily="49" charset="0"/>
-                <a:ea typeface="Arial Unicode MS" panose="020B0604020202020204" pitchFamily="34" charset="-128"/>
-                <a:cs typeface="Consolas" panose="020B0609020204030204" pitchFamily="49" charset="0"/>
-              </a:rPr>
-              <a:t>(words(x), 2), paste, collapse = " "), </a:t>
-            </a:r>
-            <a:r>
-              <a:rPr lang="en-US" sz="1400" kern="1200" dirty="0" err="1">
-                <a:solidFill>
-                  <a:prstClr val="black"/>
-                </a:solidFill>
-                <a:latin typeface="Consolas" panose="020B0609020204030204" pitchFamily="49" charset="0"/>
-                <a:ea typeface="Arial Unicode MS" panose="020B0604020202020204" pitchFamily="34" charset="-128"/>
-                <a:cs typeface="Consolas" panose="020B0609020204030204" pitchFamily="49" charset="0"/>
-              </a:rPr>
-              <a:t>use.names</a:t>
-            </a:r>
-            <a:r>
-              <a:rPr lang="en-US" sz="1400" kern="1200" dirty="0">
-                <a:solidFill>
-                  <a:prstClr val="black"/>
-                </a:solidFill>
-                <a:latin typeface="Consolas" panose="020B0609020204030204" pitchFamily="49" charset="0"/>
-                <a:ea typeface="Arial Unicode MS" panose="020B0604020202020204" pitchFamily="34" charset="-128"/>
-                <a:cs typeface="Consolas" panose="020B0609020204030204" pitchFamily="49" charset="0"/>
-              </a:rPr>
-              <a:t> = FALSE)</a:t>
-            </a:r>
-          </a:p>
-        </p:txBody>
-      </p:sp>
-      <p:sp>
-        <p:nvSpPr>
-          <p:cNvPr id="15" name="Rectangle 14">
-            <a:extLst>
-              <a:ext uri="{FF2B5EF4-FFF2-40B4-BE49-F238E27FC236}">
-                <a16:creationId xmlns:a16="http://schemas.microsoft.com/office/drawing/2014/main" id="{2527D424-4DA2-4B6A-970C-CF74FF337084}"/>
-              </a:ext>
-            </a:extLst>
-          </p:cNvPr>
-          <p:cNvSpPr/>
-          <p:nvPr/>
-        </p:nvSpPr>
-        <p:spPr>
-          <a:xfrm>
-            <a:off x="197069" y="2946446"/>
-            <a:ext cx="7017252" cy="307777"/>
-          </a:xfrm>
-          <a:prstGeom prst="rect">
-            <a:avLst/>
-          </a:prstGeom>
-          <a:solidFill>
-            <a:schemeClr val="bg1">
-              <a:lumMod val="85000"/>
-            </a:schemeClr>
-          </a:solidFill>
-        </p:spPr>
-        <p:txBody>
-          <a:bodyPr wrap="square">
-            <a:spAutoFit/>
-          </a:bodyPr>
-          <a:lstStyle/>
-          <a:p>
-            <a:pPr defTabSz="457200"/>
-            <a:r>
-              <a:rPr lang="en-US" sz="1200" kern="1200" dirty="0" err="1">
-                <a:solidFill>
-                  <a:prstClr val="black"/>
-                </a:solidFill>
-                <a:latin typeface="Consolas" panose="020B0609020204030204" pitchFamily="49" charset="0"/>
-                <a:ea typeface="Arial Unicode MS" panose="020B0604020202020204" pitchFamily="34" charset="-128"/>
-                <a:cs typeface="Consolas" panose="020B0609020204030204" pitchFamily="49" charset="0"/>
-              </a:rPr>
-              <a:t>wineTDM</a:t>
-            </a:r>
-            <a:r>
-              <a:rPr lang="en-US" sz="1200" kern="1200" dirty="0">
-                <a:solidFill>
-                  <a:prstClr val="black"/>
-                </a:solidFill>
-                <a:latin typeface="Consolas" panose="020B0609020204030204" pitchFamily="49" charset="0"/>
-                <a:ea typeface="Arial Unicode MS" panose="020B0604020202020204" pitchFamily="34" charset="-128"/>
-                <a:cs typeface="Consolas" panose="020B0609020204030204" pitchFamily="49" charset="0"/>
-              </a:rPr>
-              <a:t>&lt;-</a:t>
-            </a:r>
-            <a:r>
-              <a:rPr lang="en-US" sz="1400" kern="1200" dirty="0" err="1">
-                <a:solidFill>
-                  <a:prstClr val="black"/>
-                </a:solidFill>
-                <a:latin typeface="Consolas" panose="020B0609020204030204" pitchFamily="49" charset="0"/>
-                <a:ea typeface="Arial Unicode MS" panose="020B0604020202020204" pitchFamily="34" charset="-128"/>
-                <a:cs typeface="Consolas" panose="020B0609020204030204" pitchFamily="49" charset="0"/>
-              </a:rPr>
-              <a:t>TermDocumentMatrix</a:t>
-            </a:r>
-            <a:r>
-              <a:rPr lang="en-US" sz="1400" kern="1200" dirty="0">
-                <a:solidFill>
-                  <a:prstClr val="black"/>
-                </a:solidFill>
-                <a:latin typeface="Consolas" panose="020B0609020204030204" pitchFamily="49" charset="0"/>
-                <a:ea typeface="Arial Unicode MS" panose="020B0604020202020204" pitchFamily="34" charset="-128"/>
-                <a:cs typeface="Consolas" panose="020B0609020204030204" pitchFamily="49" charset="0"/>
-              </a:rPr>
-              <a:t>(</a:t>
-            </a:r>
-            <a:r>
-              <a:rPr lang="en-US" sz="1400" kern="1200" dirty="0" err="1">
-                <a:solidFill>
-                  <a:prstClr val="black"/>
-                </a:solidFill>
-                <a:latin typeface="Consolas" panose="020B0609020204030204" pitchFamily="49" charset="0"/>
-                <a:ea typeface="Arial Unicode MS" panose="020B0604020202020204" pitchFamily="34" charset="-128"/>
-                <a:cs typeface="Consolas" panose="020B0609020204030204" pitchFamily="49" charset="0"/>
-              </a:rPr>
-              <a:t>txtCorpus</a:t>
-            </a:r>
-            <a:r>
-              <a:rPr lang="en-US" sz="1200" kern="1200" dirty="0">
-                <a:solidFill>
-                  <a:prstClr val="black"/>
-                </a:solidFill>
-                <a:latin typeface="Consolas" panose="020B0609020204030204" pitchFamily="49" charset="0"/>
-                <a:ea typeface="Arial Unicode MS" panose="020B0604020202020204" pitchFamily="34" charset="-128"/>
-                <a:cs typeface="Consolas" panose="020B0609020204030204" pitchFamily="49" charset="0"/>
-              </a:rPr>
-              <a:t>, control=list(tokenize=</a:t>
-            </a:r>
-            <a:r>
-              <a:rPr lang="en-US" sz="1200" kern="1200" dirty="0" err="1">
-                <a:solidFill>
-                  <a:prstClr val="black"/>
-                </a:solidFill>
-                <a:latin typeface="Consolas" panose="020B0609020204030204" pitchFamily="49" charset="0"/>
-                <a:ea typeface="Arial Unicode MS" panose="020B0604020202020204" pitchFamily="34" charset="-128"/>
-                <a:cs typeface="Consolas" panose="020B0609020204030204" pitchFamily="49" charset="0"/>
-              </a:rPr>
-              <a:t>bigramTokens</a:t>
-            </a:r>
-            <a:r>
-              <a:rPr lang="en-US" sz="1200" kern="1200" dirty="0">
-                <a:solidFill>
-                  <a:prstClr val="black"/>
-                </a:solidFill>
-                <a:latin typeface="Consolas" panose="020B0609020204030204" pitchFamily="49" charset="0"/>
-                <a:ea typeface="Arial Unicode MS" panose="020B0604020202020204" pitchFamily="34" charset="-128"/>
-                <a:cs typeface="Consolas" panose="020B0609020204030204" pitchFamily="49" charset="0"/>
-              </a:rPr>
-              <a:t>))</a:t>
-            </a:r>
-          </a:p>
-        </p:txBody>
-      </p:sp>
-      <p:pic>
-        <p:nvPicPr>
-          <p:cNvPr id="16" name="Picture 2" descr="Image result for NLP  meme">
-            <a:extLst>
-              <a:ext uri="{FF2B5EF4-FFF2-40B4-BE49-F238E27FC236}">
-                <a16:creationId xmlns:a16="http://schemas.microsoft.com/office/drawing/2014/main" id="{8F8F3932-9559-4796-94CE-420F11DB60DE}"/>
-              </a:ext>
-            </a:extLst>
-          </p:cNvPr>
-          <p:cNvPicPr>
-            <a:picLocks noChangeAspect="1" noChangeArrowheads="1"/>
-          </p:cNvPicPr>
-          <p:nvPr/>
-        </p:nvPicPr>
-        <p:blipFill>
-          <a:blip r:embed="rId2">
-            <a:extLst>
-              <a:ext uri="{28A0092B-C50C-407E-A947-70E740481C1C}">
-                <a14:useLocalDpi xmlns:a14="http://schemas.microsoft.com/office/drawing/2010/main" val="0"/>
-              </a:ext>
-            </a:extLst>
-          </a:blip>
-          <a:srcRect/>
-          <a:stretch>
-            <a:fillRect/>
-          </a:stretch>
-        </p:blipFill>
-        <p:spPr bwMode="auto">
-          <a:xfrm>
-            <a:off x="3452854" y="3334794"/>
-            <a:ext cx="2238292" cy="2227293"/>
-          </a:xfrm>
-          <a:prstGeom prst="rect">
-            <a:avLst/>
-          </a:prstGeom>
-          <a:noFill/>
-          <a:extLst>
-            <a:ext uri="{909E8E84-426E-40DD-AFC4-6F175D3DCCD1}">
-              <a14:hiddenFill xmlns:a14="http://schemas.microsoft.com/office/drawing/2010/main">
-                <a:solidFill>
-                  <a:srgbClr val="FFFFFF"/>
-                </a:solidFill>
-              </a14:hiddenFill>
-            </a:ext>
-          </a:extLst>
-        </p:spPr>
-      </p:pic>
-      <p:cxnSp>
-        <p:nvCxnSpPr>
-          <p:cNvPr id="17" name="Straight Connector 16">
-            <a:extLst>
-              <a:ext uri="{FF2B5EF4-FFF2-40B4-BE49-F238E27FC236}">
-                <a16:creationId xmlns:a16="http://schemas.microsoft.com/office/drawing/2014/main" id="{90F168D2-8199-6044-8A07-31ED6B366506}"/>
-              </a:ext>
-            </a:extLst>
-          </p:cNvPr>
-          <p:cNvCxnSpPr/>
-          <p:nvPr/>
-        </p:nvCxnSpPr>
-        <p:spPr>
-          <a:xfrm>
-            <a:off x="6798363" y="6549885"/>
-            <a:ext cx="0" cy="182880"/>
-          </a:xfrm>
-          <a:prstGeom prst="line">
-            <a:avLst/>
-          </a:prstGeom>
-          <a:ln>
-            <a:solidFill>
-              <a:schemeClr val="bg1">
-                <a:lumMod val="85000"/>
-              </a:schemeClr>
-            </a:solidFill>
-          </a:ln>
-        </p:spPr>
-        <p:style>
-          <a:lnRef idx="1">
-            <a:schemeClr val="accent1"/>
-          </a:lnRef>
-          <a:fillRef idx="0">
-            <a:schemeClr val="accent1"/>
-          </a:fillRef>
-          <a:effectRef idx="0">
-            <a:schemeClr val="accent1"/>
-          </a:effectRef>
-          <a:fontRef idx="minor">
-            <a:schemeClr val="tx1"/>
-          </a:fontRef>
-        </p:style>
-      </p:cxnSp>
-      <p:cxnSp>
-        <p:nvCxnSpPr>
-          <p:cNvPr id="18" name="Straight Connector 17">
-            <a:extLst>
-              <a:ext uri="{FF2B5EF4-FFF2-40B4-BE49-F238E27FC236}">
-                <a16:creationId xmlns:a16="http://schemas.microsoft.com/office/drawing/2014/main" id="{9C654BCF-9273-FE4D-AC9D-804EC4BE03D9}"/>
-              </a:ext>
-            </a:extLst>
-          </p:cNvPr>
-          <p:cNvCxnSpPr/>
-          <p:nvPr/>
-        </p:nvCxnSpPr>
-        <p:spPr>
-          <a:xfrm>
-            <a:off x="7076661" y="4664763"/>
-            <a:ext cx="182880" cy="0"/>
-          </a:xfrm>
-          <a:prstGeom prst="line">
-            <a:avLst/>
-          </a:prstGeom>
-          <a:ln>
-            <a:solidFill>
-              <a:schemeClr val="bg1">
-                <a:lumMod val="85000"/>
-              </a:schemeClr>
-            </a:solidFill>
-          </a:ln>
-        </p:spPr>
-        <p:style>
-          <a:lnRef idx="1">
-            <a:schemeClr val="accent1"/>
-          </a:lnRef>
-          <a:fillRef idx="0">
-            <a:schemeClr val="accent1"/>
-          </a:fillRef>
-          <a:effectRef idx="0">
-            <a:schemeClr val="accent1"/>
-          </a:effectRef>
-          <a:fontRef idx="minor">
-            <a:schemeClr val="tx1"/>
-          </a:fontRef>
-        </p:style>
-      </p:cxnSp>
-    </p:spTree>
-    <p:extLst>
-      <p:ext uri="{BB962C8B-B14F-4D97-AF65-F5344CB8AC3E}">
-        <p14:creationId xmlns:p14="http://schemas.microsoft.com/office/powerpoint/2010/main" val="2195443379"/>
-      </p:ext>
-    </p:extLst>
-  </p:cSld>
-  <p:clrMapOvr>
-    <a:masterClrMapping/>
-  </p:clrMapOvr>
-</p:sld>
-</file>
-
-<file path=ppt/slides/slide30.xml><?xml version="1.0" encoding="utf-8"?>
-<p:sld xmlns:a="http://schemas.openxmlformats.org/drawingml/2006/main" xmlns:r="http://schemas.openxmlformats.org/officeDocument/2006/relationships" xmlns:p="http://schemas.openxmlformats.org/presentationml/2006/main">
-  <p:cSld>
-    <p:spTree>
-      <p:nvGrpSpPr>
-        <p:cNvPr id="1" name=""/>
-        <p:cNvGrpSpPr/>
-        <p:nvPr/>
-      </p:nvGrpSpPr>
-      <p:grpSpPr>
-        <a:xfrm>
-          <a:off x="0" y="0"/>
-          <a:ext cx="0" cy="0"/>
-          <a:chOff x="0" y="0"/>
-          <a:chExt cx="0" cy="0"/>
-        </a:xfrm>
-      </p:grpSpPr>
-      <p:sp>
-        <p:nvSpPr>
-          <p:cNvPr id="2" name="Date Placeholder 1"/>
-          <p:cNvSpPr>
-            <a:spLocks noGrp="1"/>
-          </p:cNvSpPr>
-          <p:nvPr>
-            <p:ph type="dt" sz="half" idx="10"/>
-          </p:nvPr>
-        </p:nvSpPr>
-        <p:spPr/>
-        <p:txBody>
-          <a:bodyPr/>
-          <a:lstStyle/>
-          <a:p>
-            <a:fld id="{6700A58B-DD98-43D0-B791-721480A02982}" type="datetime1">
-              <a:rPr lang="en-US" smtClean="0"/>
-              <a:pPr/>
-              <a:t>2/25/21</a:t>
-            </a:fld>
-            <a:endParaRPr lang="en-US"/>
-          </a:p>
-        </p:txBody>
-      </p:sp>
-      <p:sp>
-        <p:nvSpPr>
-          <p:cNvPr id="3" name="Title 2"/>
-          <p:cNvSpPr>
-            <a:spLocks noGrp="1"/>
-          </p:cNvSpPr>
-          <p:nvPr>
-            <p:ph type="title"/>
-          </p:nvPr>
-        </p:nvSpPr>
-        <p:spPr/>
-        <p:txBody>
-          <a:bodyPr/>
-          <a:lstStyle/>
-          <a:p>
-            <a:r>
-              <a:rPr lang="en-US"/>
-              <a:t>TF-IDF Simple Example</a:t>
-            </a:r>
-            <a:endParaRPr lang="en-US" dirty="0"/>
-          </a:p>
-        </p:txBody>
-      </p:sp>
-      <p:sp>
-        <p:nvSpPr>
-          <p:cNvPr id="5" name="Footer Placeholder 4"/>
-          <p:cNvSpPr>
-            <a:spLocks noGrp="1"/>
-          </p:cNvSpPr>
-          <p:nvPr>
-            <p:ph type="ftr" sz="quarter" idx="3"/>
-          </p:nvPr>
-        </p:nvSpPr>
-        <p:spPr/>
-        <p:txBody>
-          <a:bodyPr/>
-          <a:lstStyle/>
-          <a:p>
-            <a:r>
-              <a:rPr lang="en-US"/>
-              <a:t>Kwartler</a:t>
-            </a:r>
-            <a:endParaRPr lang="en-US" dirty="0"/>
-          </a:p>
-        </p:txBody>
-      </p:sp>
-      <p:sp>
-        <p:nvSpPr>
-          <p:cNvPr id="4" name="Slide Number Placeholder 3"/>
-          <p:cNvSpPr>
-            <a:spLocks noGrp="1"/>
-          </p:cNvSpPr>
-          <p:nvPr>
-            <p:ph type="sldNum" sz="quarter" idx="4"/>
-          </p:nvPr>
-        </p:nvSpPr>
-        <p:spPr/>
-        <p:txBody>
-          <a:bodyPr/>
-          <a:lstStyle/>
-          <a:p>
-            <a:fld id="{37290FF7-652B-4475-AEAB-8B1A5D23AE09}" type="slidenum">
-              <a:rPr lang="en-US" smtClean="0"/>
-              <a:pPr/>
-              <a:t>30</a:t>
+              <a:t>26</a:t>
             </a:fld>
             <a:endParaRPr lang="en-US"/>
           </a:p>
@@ -19767,7 +16674,7 @@
 </p:sld>
 </file>
 
-<file path=ppt/slides/slide31.xml><?xml version="1.0" encoding="utf-8"?>
+<file path=ppt/slides/slide27.xml><?xml version="1.0" encoding="utf-8"?>
 <p:sld xmlns:a="http://schemas.openxmlformats.org/drawingml/2006/main" xmlns:r="http://schemas.openxmlformats.org/officeDocument/2006/relationships" xmlns:p="http://schemas.openxmlformats.org/presentationml/2006/main">
   <p:cSld>
     <p:spTree>
@@ -19802,7 +16709,7 @@
             <a:fld id="{6700A58B-DD98-43D0-B791-721480A02982}" type="datetime1">
               <a:rPr lang="en-US" smtClean="0"/>
               <a:pPr/>
-              <a:t>2/25/21</a:t>
+              <a:t>1/18/22</a:t>
             </a:fld>
             <a:endParaRPr lang="en-US"/>
           </a:p>
@@ -19872,7 +16779,7 @@
             <a:fld id="{37290FF7-652B-4475-AEAB-8B1A5D23AE09}" type="slidenum">
               <a:rPr lang="en-US" smtClean="0"/>
               <a:pPr/>
-              <a:t>31</a:t>
+              <a:t>27</a:t>
             </a:fld>
             <a:endParaRPr lang="en-US"/>
           </a:p>
@@ -20381,7 +17288,7 @@
 </p:sld>
 </file>
 
-<file path=ppt/slides/slide32.xml><?xml version="1.0" encoding="utf-8"?>
+<file path=ppt/slides/slide28.xml><?xml version="1.0" encoding="utf-8"?>
 <p:sld xmlns:a="http://schemas.openxmlformats.org/drawingml/2006/main" xmlns:r="http://schemas.openxmlformats.org/officeDocument/2006/relationships" xmlns:p="http://schemas.openxmlformats.org/presentationml/2006/main">
   <p:cSld>
     <p:spTree>
@@ -20416,7 +17323,7 @@
             <a:fld id="{6700A58B-DD98-43D0-B791-721480A02982}" type="datetime1">
               <a:rPr lang="en-US" smtClean="0"/>
               <a:pPr/>
-              <a:t>2/25/21</a:t>
+              <a:t>1/18/22</a:t>
             </a:fld>
             <a:endParaRPr lang="en-US"/>
           </a:p>
@@ -20486,7 +17393,7 @@
             <a:fld id="{37290FF7-652B-4475-AEAB-8B1A5D23AE09}" type="slidenum">
               <a:rPr lang="en-US" smtClean="0"/>
               <a:pPr/>
-              <a:t>32</a:t>
+              <a:t>28</a:t>
             </a:fld>
             <a:endParaRPr lang="en-US"/>
           </a:p>
@@ -21170,7 +18077,7 @@
 </p:sld>
 </file>
 
-<file path=ppt/slides/slide33.xml><?xml version="1.0" encoding="utf-8"?>
+<file path=ppt/slides/slide29.xml><?xml version="1.0" encoding="utf-8"?>
 <p:sld xmlns:a="http://schemas.openxmlformats.org/drawingml/2006/main" xmlns:r="http://schemas.openxmlformats.org/officeDocument/2006/relationships" xmlns:p="http://schemas.openxmlformats.org/presentationml/2006/main">
   <p:cSld>
     <p:spTree>
@@ -21205,7 +18112,7 @@
             <a:fld id="{6700A58B-DD98-43D0-B791-721480A02982}" type="datetime1">
               <a:rPr lang="en-US" smtClean="0"/>
               <a:pPr/>
-              <a:t>2/25/21</a:t>
+              <a:t>1/18/22</a:t>
             </a:fld>
             <a:endParaRPr lang="en-US"/>
           </a:p>
@@ -21227,9 +18134,10 @@
           <a:lstStyle/>
           <a:p>
             <a:r>
-              <a:rPr lang="en-US" dirty="0"/>
-              <a:t>What about proportional similarities?</a:t>
-            </a:r>
+              <a:rPr lang="en-US"/>
+              <a:t>What about disjoint tokens?</a:t>
+            </a:r>
+            <a:endParaRPr lang="en-US" dirty="0"/>
           </a:p>
         </p:txBody>
       </p:sp>
@@ -21274,638 +18182,7 @@
             <a:fld id="{37290FF7-652B-4475-AEAB-8B1A5D23AE09}" type="slidenum">
               <a:rPr lang="en-US" smtClean="0"/>
               <a:pPr/>
-              <a:t>33</a:t>
-            </a:fld>
-            <a:endParaRPr lang="en-US"/>
-          </a:p>
-        </p:txBody>
-      </p:sp>
-      <p:pic>
-        <p:nvPicPr>
-          <p:cNvPr id="14" name="Picture 13"/>
-          <p:cNvPicPr>
-            <a:picLocks noChangeAspect="1"/>
-          </p:cNvPicPr>
-          <p:nvPr/>
-        </p:nvPicPr>
-        <p:blipFill>
-          <a:blip r:embed="rId2"/>
-          <a:stretch>
-            <a:fillRect/>
-          </a:stretch>
-        </p:blipFill>
-        <p:spPr>
-          <a:xfrm>
-            <a:off x="5080767" y="1852284"/>
-            <a:ext cx="3333750" cy="3248025"/>
-          </a:xfrm>
-          <a:prstGeom prst="rect">
-            <a:avLst/>
-          </a:prstGeom>
-        </p:spPr>
-      </p:pic>
-      <p:sp>
-        <p:nvSpPr>
-          <p:cNvPr id="16" name="Oval 15"/>
-          <p:cNvSpPr/>
-          <p:nvPr/>
-        </p:nvSpPr>
-        <p:spPr>
-          <a:xfrm>
-            <a:off x="387135" y="2281575"/>
-            <a:ext cx="2294850" cy="2294850"/>
-          </a:xfrm>
-          <a:prstGeom prst="ellipse">
-            <a:avLst/>
-          </a:prstGeom>
-          <a:noFill/>
-          <a:ln>
-            <a:solidFill>
-              <a:srgbClr val="FFC000"/>
-            </a:solidFill>
-          </a:ln>
-          <a:effectLst/>
-        </p:spPr>
-        <p:style>
-          <a:lnRef idx="1">
-            <a:schemeClr val="accent1"/>
-          </a:lnRef>
-          <a:fillRef idx="3">
-            <a:schemeClr val="accent1"/>
-          </a:fillRef>
-          <a:effectRef idx="2">
-            <a:schemeClr val="accent1"/>
-          </a:effectRef>
-          <a:fontRef idx="minor">
-            <a:schemeClr val="lt1"/>
-          </a:fontRef>
-        </p:style>
-        <p:txBody>
-          <a:bodyPr rtlCol="0" anchor="ctr"/>
-          <a:lstStyle/>
-          <a:p>
-            <a:pPr algn="ctr" defTabSz="457200"/>
-            <a:endParaRPr lang="en-US" sz="1800" kern="1200" dirty="0">
-              <a:solidFill>
-                <a:prstClr val="white"/>
-              </a:solidFill>
-              <a:latin typeface="Arial Unicode MS" panose="020B0604020202020204" pitchFamily="34" charset="-128"/>
-            </a:endParaRPr>
-          </a:p>
-        </p:txBody>
-      </p:sp>
-      <p:sp>
-        <p:nvSpPr>
-          <p:cNvPr id="17" name="Oval 16"/>
-          <p:cNvSpPr/>
-          <p:nvPr/>
-        </p:nvSpPr>
-        <p:spPr>
-          <a:xfrm>
-            <a:off x="1637768" y="2281575"/>
-            <a:ext cx="2294850" cy="2294850"/>
-          </a:xfrm>
-          <a:prstGeom prst="ellipse">
-            <a:avLst/>
-          </a:prstGeom>
-          <a:noFill/>
-          <a:ln>
-            <a:solidFill>
-              <a:srgbClr val="FFC000"/>
-            </a:solidFill>
-          </a:ln>
-          <a:effectLst/>
-        </p:spPr>
-        <p:style>
-          <a:lnRef idx="1">
-            <a:schemeClr val="accent1"/>
-          </a:lnRef>
-          <a:fillRef idx="3">
-            <a:schemeClr val="accent1"/>
-          </a:fillRef>
-          <a:effectRef idx="2">
-            <a:schemeClr val="accent1"/>
-          </a:effectRef>
-          <a:fontRef idx="minor">
-            <a:schemeClr val="lt1"/>
-          </a:fontRef>
-        </p:style>
-        <p:txBody>
-          <a:bodyPr rtlCol="0" anchor="ctr"/>
-          <a:lstStyle/>
-          <a:p>
-            <a:pPr algn="ctr" defTabSz="457200"/>
-            <a:endParaRPr lang="en-US" sz="1800" kern="1200" dirty="0">
-              <a:solidFill>
-                <a:prstClr val="white"/>
-              </a:solidFill>
-              <a:latin typeface="Arial Unicode MS" panose="020B0604020202020204" pitchFamily="34" charset="-128"/>
-            </a:endParaRPr>
-          </a:p>
-        </p:txBody>
-      </p:sp>
-      <p:pic>
-        <p:nvPicPr>
-          <p:cNvPr id="18" name="Picture 2" descr="Image result for document icon"/>
-          <p:cNvPicPr>
-            <a:picLocks noChangeAspect="1" noChangeArrowheads="1"/>
-          </p:cNvPicPr>
-          <p:nvPr/>
-        </p:nvPicPr>
-        <p:blipFill>
-          <a:blip r:embed="rId3" cstate="print">
-            <a:extLst>
-              <a:ext uri="{28A0092B-C50C-407E-A947-70E740481C1C}">
-                <a14:useLocalDpi xmlns:a14="http://schemas.microsoft.com/office/drawing/2010/main" val="0"/>
-              </a:ext>
-            </a:extLst>
-          </a:blip>
-          <a:srcRect/>
-          <a:stretch>
-            <a:fillRect/>
-          </a:stretch>
-        </p:blipFill>
-        <p:spPr bwMode="auto">
-          <a:xfrm>
-            <a:off x="782461" y="2955952"/>
-            <a:ext cx="946096" cy="946096"/>
-          </a:xfrm>
-          <a:prstGeom prst="rect">
-            <a:avLst/>
-          </a:prstGeom>
-          <a:noFill/>
-          <a:extLst>
-            <a:ext uri="{909E8E84-426E-40DD-AFC4-6F175D3DCCD1}">
-              <a14:hiddenFill xmlns:a14="http://schemas.microsoft.com/office/drawing/2010/main">
-                <a:solidFill>
-                  <a:srgbClr val="FFFFFF"/>
-                </a:solidFill>
-              </a14:hiddenFill>
-            </a:ext>
-          </a:extLst>
-        </p:spPr>
-      </p:pic>
-      <p:pic>
-        <p:nvPicPr>
-          <p:cNvPr id="19" name="Picture 2" descr="Image result for document icon"/>
-          <p:cNvPicPr>
-            <a:picLocks noChangeAspect="1" noChangeArrowheads="1"/>
-          </p:cNvPicPr>
-          <p:nvPr/>
-        </p:nvPicPr>
-        <p:blipFill>
-          <a:blip r:embed="rId3" cstate="print">
-            <a:extLst>
-              <a:ext uri="{28A0092B-C50C-407E-A947-70E740481C1C}">
-                <a14:useLocalDpi xmlns:a14="http://schemas.microsoft.com/office/drawing/2010/main" val="0"/>
-              </a:ext>
-            </a:extLst>
-          </a:blip>
-          <a:srcRect/>
-          <a:stretch>
-            <a:fillRect/>
-          </a:stretch>
-        </p:blipFill>
-        <p:spPr bwMode="auto">
-          <a:xfrm>
-            <a:off x="2621772" y="2955952"/>
-            <a:ext cx="946096" cy="946096"/>
-          </a:xfrm>
-          <a:prstGeom prst="rect">
-            <a:avLst/>
-          </a:prstGeom>
-          <a:noFill/>
-          <a:extLst>
-            <a:ext uri="{909E8E84-426E-40DD-AFC4-6F175D3DCCD1}">
-              <a14:hiddenFill xmlns:a14="http://schemas.microsoft.com/office/drawing/2010/main">
-                <a:solidFill>
-                  <a:srgbClr val="FFFFFF"/>
-                </a:solidFill>
-              </a14:hiddenFill>
-            </a:ext>
-          </a:extLst>
-        </p:spPr>
-      </p:pic>
-      <p:sp>
-        <p:nvSpPr>
-          <p:cNvPr id="20" name="Freeform 19"/>
-          <p:cNvSpPr/>
-          <p:nvPr/>
-        </p:nvSpPr>
-        <p:spPr>
-          <a:xfrm>
-            <a:off x="1648279" y="2478196"/>
-            <a:ext cx="1044217" cy="1922633"/>
-          </a:xfrm>
-          <a:custGeom>
-            <a:avLst/>
-            <a:gdLst>
-              <a:gd name="connsiteX0" fmla="*/ 522109 w 1044217"/>
-              <a:gd name="connsiteY0" fmla="*/ 0 h 1922633"/>
-              <a:gd name="connsiteX1" fmla="*/ 538328 w 1044217"/>
-              <a:gd name="connsiteY1" fmla="*/ 9853 h 1922633"/>
-              <a:gd name="connsiteX2" fmla="*/ 1044217 w 1044217"/>
-              <a:gd name="connsiteY2" fmla="*/ 961316 h 1922633"/>
-              <a:gd name="connsiteX3" fmla="*/ 538328 w 1044217"/>
-              <a:gd name="connsiteY3" fmla="*/ 1912779 h 1922633"/>
-              <a:gd name="connsiteX4" fmla="*/ 522109 w 1044217"/>
-              <a:gd name="connsiteY4" fmla="*/ 1922633 h 1922633"/>
-              <a:gd name="connsiteX5" fmla="*/ 505889 w 1044217"/>
-              <a:gd name="connsiteY5" fmla="*/ 1912779 h 1922633"/>
-              <a:gd name="connsiteX6" fmla="*/ 0 w 1044217"/>
-              <a:gd name="connsiteY6" fmla="*/ 961316 h 1922633"/>
-              <a:gd name="connsiteX7" fmla="*/ 505889 w 1044217"/>
-              <a:gd name="connsiteY7" fmla="*/ 9853 h 1922633"/>
-            </a:gdLst>
-            <a:ahLst/>
-            <a:cxnLst>
-              <a:cxn ang="0">
-                <a:pos x="connsiteX0" y="connsiteY0"/>
-              </a:cxn>
-              <a:cxn ang="0">
-                <a:pos x="connsiteX1" y="connsiteY1"/>
-              </a:cxn>
-              <a:cxn ang="0">
-                <a:pos x="connsiteX2" y="connsiteY2"/>
-              </a:cxn>
-              <a:cxn ang="0">
-                <a:pos x="connsiteX3" y="connsiteY3"/>
-              </a:cxn>
-              <a:cxn ang="0">
-                <a:pos x="connsiteX4" y="connsiteY4"/>
-              </a:cxn>
-              <a:cxn ang="0">
-                <a:pos x="connsiteX5" y="connsiteY5"/>
-              </a:cxn>
-              <a:cxn ang="0">
-                <a:pos x="connsiteX6" y="connsiteY6"/>
-              </a:cxn>
-              <a:cxn ang="0">
-                <a:pos x="connsiteX7" y="connsiteY7"/>
-              </a:cxn>
-            </a:cxnLst>
-            <a:rect l="l" t="t" r="r" b="b"/>
-            <a:pathLst>
-              <a:path w="1044217" h="1922633">
-                <a:moveTo>
-                  <a:pt x="522109" y="0"/>
-                </a:moveTo>
-                <a:lnTo>
-                  <a:pt x="538328" y="9853"/>
-                </a:lnTo>
-                <a:cubicBezTo>
-                  <a:pt x="843545" y="216054"/>
-                  <a:pt x="1044217" y="565251"/>
-                  <a:pt x="1044217" y="961316"/>
-                </a:cubicBezTo>
-                <a:cubicBezTo>
-                  <a:pt x="1044217" y="1357382"/>
-                  <a:pt x="843545" y="1706578"/>
-                  <a:pt x="538328" y="1912779"/>
-                </a:cubicBezTo>
-                <a:lnTo>
-                  <a:pt x="522109" y="1922633"/>
-                </a:lnTo>
-                <a:lnTo>
-                  <a:pt x="505889" y="1912779"/>
-                </a:lnTo>
-                <a:cubicBezTo>
-                  <a:pt x="200672" y="1706578"/>
-                  <a:pt x="0" y="1357382"/>
-                  <a:pt x="0" y="961316"/>
-                </a:cubicBezTo>
-                <a:cubicBezTo>
-                  <a:pt x="0" y="565251"/>
-                  <a:pt x="200672" y="216054"/>
-                  <a:pt x="505889" y="9853"/>
-                </a:cubicBezTo>
-                <a:close/>
-              </a:path>
-            </a:pathLst>
-          </a:custGeom>
-          <a:solidFill>
-            <a:srgbClr val="FFC000"/>
-          </a:solidFill>
-          <a:ln>
-            <a:solidFill>
-              <a:srgbClr val="FFC000"/>
-            </a:solidFill>
-          </a:ln>
-          <a:effectLst/>
-        </p:spPr>
-        <p:style>
-          <a:lnRef idx="1">
-            <a:schemeClr val="accent1"/>
-          </a:lnRef>
-          <a:fillRef idx="3">
-            <a:schemeClr val="accent1"/>
-          </a:fillRef>
-          <a:effectRef idx="2">
-            <a:schemeClr val="accent1"/>
-          </a:effectRef>
-          <a:fontRef idx="minor">
-            <a:schemeClr val="lt1"/>
-          </a:fontRef>
-        </p:style>
-        <p:txBody>
-          <a:bodyPr wrap="square" rtlCol="0" anchor="ctr">
-            <a:noAutofit/>
-          </a:bodyPr>
-          <a:lstStyle/>
-          <a:p>
-            <a:pPr algn="ctr" defTabSz="457200"/>
-            <a:endParaRPr lang="en-US" sz="1800" kern="1200" dirty="0">
-              <a:solidFill>
-                <a:prstClr val="white"/>
-              </a:solidFill>
-              <a:latin typeface="Arial Unicode MS" panose="020B0604020202020204" pitchFamily="34" charset="-128"/>
-            </a:endParaRPr>
-          </a:p>
-        </p:txBody>
-      </p:sp>
-      <p:sp>
-        <p:nvSpPr>
-          <p:cNvPr id="21" name="TextBox 20">
-            <a:extLst>
-              <a:ext uri="{FF2B5EF4-FFF2-40B4-BE49-F238E27FC236}">
-                <a16:creationId xmlns:a16="http://schemas.microsoft.com/office/drawing/2014/main" id="{A5A3EE36-0573-4214-8E8B-E9BD628BC999}"/>
-              </a:ext>
-            </a:extLst>
-          </p:cNvPr>
-          <p:cNvSpPr txBox="1"/>
-          <p:nvPr/>
-        </p:nvSpPr>
-        <p:spPr>
-          <a:xfrm>
-            <a:off x="157656" y="1169847"/>
-            <a:ext cx="8828688" cy="340806"/>
-          </a:xfrm>
-          <a:prstGeom prst="rect">
-            <a:avLst/>
-          </a:prstGeom>
-          <a:solidFill>
-            <a:schemeClr val="accent6">
-              <a:lumMod val="60000"/>
-              <a:lumOff val="40000"/>
-            </a:schemeClr>
-          </a:solidFill>
-        </p:spPr>
-        <p:txBody>
-          <a:bodyPr wrap="square" rtlCol="0">
-            <a:spAutoFit/>
-          </a:bodyPr>
-          <a:lstStyle/>
-          <a:p>
-            <a:pPr algn="ctr" defTabSz="457200"/>
-            <a:r>
-              <a:rPr lang="en-US" sz="1600" dirty="0">
-                <a:solidFill>
-                  <a:prstClr val="white"/>
-                </a:solidFill>
-                <a:latin typeface="+mj-lt"/>
-                <a:ea typeface="Arial Unicode MS" panose="020B0604020202020204" pitchFamily="34" charset="-128"/>
-                <a:cs typeface="Arial Unicode MS" panose="020B0604020202020204" pitchFamily="34" charset="-128"/>
-              </a:rPr>
-              <a:t>The problem is that if </a:t>
-            </a:r>
-            <a:r>
-              <a:rPr lang="en-US" sz="1600" dirty="0" err="1">
-                <a:solidFill>
-                  <a:prstClr val="white"/>
-                </a:solidFill>
-                <a:latin typeface="+mj-lt"/>
-                <a:ea typeface="Arial Unicode MS" panose="020B0604020202020204" pitchFamily="34" charset="-128"/>
-                <a:cs typeface="Arial Unicode MS" panose="020B0604020202020204" pitchFamily="34" charset="-128"/>
-              </a:rPr>
-              <a:t>corpusA</a:t>
-            </a:r>
-            <a:r>
-              <a:rPr lang="en-US" sz="1600" dirty="0">
-                <a:solidFill>
-                  <a:prstClr val="white"/>
-                </a:solidFill>
-                <a:latin typeface="+mj-lt"/>
-                <a:ea typeface="Arial Unicode MS" panose="020B0604020202020204" pitchFamily="34" charset="-128"/>
-                <a:cs typeface="Arial Unicode MS" panose="020B0604020202020204" pitchFamily="34" charset="-128"/>
-              </a:rPr>
-              <a:t> has 1 instance &amp; corpus has 1000 they appear as shared.</a:t>
-            </a:r>
-            <a:endParaRPr lang="en-US" sz="1600" kern="1200" dirty="0">
-              <a:solidFill>
-                <a:prstClr val="white"/>
-              </a:solidFill>
-              <a:latin typeface="+mj-lt"/>
-              <a:ea typeface="Arial Unicode MS" panose="020B0604020202020204" pitchFamily="34" charset="-128"/>
-              <a:cs typeface="Arial Unicode MS" panose="020B0604020202020204" pitchFamily="34" charset="-128"/>
-            </a:endParaRPr>
-          </a:p>
-        </p:txBody>
-      </p:sp>
-      <p:cxnSp>
-        <p:nvCxnSpPr>
-          <p:cNvPr id="13" name="Straight Connector 12">
-            <a:extLst>
-              <a:ext uri="{FF2B5EF4-FFF2-40B4-BE49-F238E27FC236}">
-                <a16:creationId xmlns:a16="http://schemas.microsoft.com/office/drawing/2014/main" id="{C2087EDF-BED7-6F4D-92E0-977D8809AD33}"/>
-              </a:ext>
-            </a:extLst>
-          </p:cNvPr>
-          <p:cNvCxnSpPr/>
-          <p:nvPr/>
-        </p:nvCxnSpPr>
-        <p:spPr>
-          <a:xfrm>
-            <a:off x="6798363" y="6549885"/>
-            <a:ext cx="0" cy="182880"/>
-          </a:xfrm>
-          <a:prstGeom prst="line">
-            <a:avLst/>
-          </a:prstGeom>
-          <a:ln>
-            <a:solidFill>
-              <a:schemeClr val="bg1">
-                <a:lumMod val="85000"/>
-              </a:schemeClr>
-            </a:solidFill>
-          </a:ln>
-        </p:spPr>
-        <p:style>
-          <a:lnRef idx="1">
-            <a:schemeClr val="accent1"/>
-          </a:lnRef>
-          <a:fillRef idx="0">
-            <a:schemeClr val="accent1"/>
-          </a:fillRef>
-          <a:effectRef idx="0">
-            <a:schemeClr val="accent1"/>
-          </a:effectRef>
-          <a:fontRef idx="minor">
-            <a:schemeClr val="tx1"/>
-          </a:fontRef>
-        </p:style>
-      </p:cxnSp>
-      <p:cxnSp>
-        <p:nvCxnSpPr>
-          <p:cNvPr id="15" name="Straight Connector 14">
-            <a:extLst>
-              <a:ext uri="{FF2B5EF4-FFF2-40B4-BE49-F238E27FC236}">
-                <a16:creationId xmlns:a16="http://schemas.microsoft.com/office/drawing/2014/main" id="{F9332FA5-85C7-404C-9737-654080E807E0}"/>
-              </a:ext>
-            </a:extLst>
-          </p:cNvPr>
-          <p:cNvCxnSpPr/>
-          <p:nvPr/>
-        </p:nvCxnSpPr>
-        <p:spPr>
-          <a:xfrm>
-            <a:off x="7076661" y="4664763"/>
-            <a:ext cx="182880" cy="0"/>
-          </a:xfrm>
-          <a:prstGeom prst="line">
-            <a:avLst/>
-          </a:prstGeom>
-          <a:ln>
-            <a:solidFill>
-              <a:schemeClr val="bg1">
-                <a:lumMod val="85000"/>
-              </a:schemeClr>
-            </a:solidFill>
-          </a:ln>
-        </p:spPr>
-        <p:style>
-          <a:lnRef idx="1">
-            <a:schemeClr val="accent1"/>
-          </a:lnRef>
-          <a:fillRef idx="0">
-            <a:schemeClr val="accent1"/>
-          </a:fillRef>
-          <a:effectRef idx="0">
-            <a:schemeClr val="accent1"/>
-          </a:effectRef>
-          <a:fontRef idx="minor">
-            <a:schemeClr val="tx1"/>
-          </a:fontRef>
-        </p:style>
-      </p:cxnSp>
-    </p:spTree>
-    <p:extLst>
-      <p:ext uri="{BB962C8B-B14F-4D97-AF65-F5344CB8AC3E}">
-        <p14:creationId xmlns:p14="http://schemas.microsoft.com/office/powerpoint/2010/main" val="3914431774"/>
-      </p:ext>
-    </p:extLst>
-  </p:cSld>
-  <p:clrMapOvr>
-    <a:masterClrMapping/>
-  </p:clrMapOvr>
-</p:sld>
-</file>
-
-<file path=ppt/slides/slide34.xml><?xml version="1.0" encoding="utf-8"?>
-<p:sld xmlns:a="http://schemas.openxmlformats.org/drawingml/2006/main" xmlns:r="http://schemas.openxmlformats.org/officeDocument/2006/relationships" xmlns:p="http://schemas.openxmlformats.org/presentationml/2006/main">
-  <p:cSld>
-    <p:spTree>
-      <p:nvGrpSpPr>
-        <p:cNvPr id="1" name=""/>
-        <p:cNvGrpSpPr/>
-        <p:nvPr/>
-      </p:nvGrpSpPr>
-      <p:grpSpPr>
-        <a:xfrm>
-          <a:off x="0" y="0"/>
-          <a:ext cx="0" cy="0"/>
-          <a:chOff x="0" y="0"/>
-          <a:chExt cx="0" cy="0"/>
-        </a:xfrm>
-      </p:grpSpPr>
-      <p:sp>
-        <p:nvSpPr>
-          <p:cNvPr id="2" name="Date Placeholder 1"/>
-          <p:cNvSpPr>
-            <a:spLocks noGrp="1"/>
-          </p:cNvSpPr>
-          <p:nvPr>
-            <p:ph type="dt" sz="half" idx="10"/>
-          </p:nvPr>
-        </p:nvSpPr>
-        <p:spPr/>
-        <p:txBody>
-          <a:bodyPr/>
-          <a:lstStyle/>
-          <a:p>
-            <a:fld id="{6700A58B-DD98-43D0-B791-721480A02982}" type="datetime1">
-              <a:rPr lang="en-US" smtClean="0"/>
-              <a:pPr/>
-              <a:t>2/25/21</a:t>
-            </a:fld>
-            <a:endParaRPr lang="en-US"/>
-          </a:p>
-        </p:txBody>
-      </p:sp>
-      <p:sp>
-        <p:nvSpPr>
-          <p:cNvPr id="3" name="Title 2"/>
-          <p:cNvSpPr>
-            <a:spLocks noGrp="1"/>
-          </p:cNvSpPr>
-          <p:nvPr>
-            <p:ph type="title"/>
-          </p:nvPr>
-        </p:nvSpPr>
-        <p:spPr/>
-        <p:txBody>
-          <a:bodyPr/>
-          <a:lstStyle/>
-          <a:p>
-            <a:r>
-              <a:rPr lang="en-US"/>
-              <a:t>What about disjoint tokens?</a:t>
-            </a:r>
-            <a:endParaRPr lang="en-US" dirty="0"/>
-          </a:p>
-        </p:txBody>
-      </p:sp>
-      <p:sp>
-        <p:nvSpPr>
-          <p:cNvPr id="5" name="Footer Placeholder 4"/>
-          <p:cNvSpPr>
-            <a:spLocks noGrp="1"/>
-          </p:cNvSpPr>
-          <p:nvPr>
-            <p:ph type="ftr" sz="quarter" idx="3"/>
-          </p:nvPr>
-        </p:nvSpPr>
-        <p:spPr/>
-        <p:txBody>
-          <a:bodyPr/>
-          <a:lstStyle/>
-          <a:p>
-            <a:r>
-              <a:rPr lang="en-US"/>
-              <a:t>Kwartler</a:t>
-            </a:r>
-            <a:endParaRPr lang="en-US" dirty="0"/>
-          </a:p>
-        </p:txBody>
-      </p:sp>
-      <p:sp>
-        <p:nvSpPr>
-          <p:cNvPr id="4" name="Slide Number Placeholder 3"/>
-          <p:cNvSpPr>
-            <a:spLocks noGrp="1"/>
-          </p:cNvSpPr>
-          <p:nvPr>
-            <p:ph type="sldNum" sz="quarter" idx="4"/>
-          </p:nvPr>
-        </p:nvSpPr>
-        <p:spPr/>
-        <p:txBody>
-          <a:bodyPr/>
-          <a:lstStyle/>
-          <a:p>
-            <a:fld id="{37290FF7-652B-4475-AEAB-8B1A5D23AE09}" type="slidenum">
-              <a:rPr lang="en-US" smtClean="0"/>
-              <a:pPr/>
-              <a:t>34</a:t>
+              <a:t>29</a:t>
             </a:fld>
             <a:endParaRPr lang="en-US"/>
           </a:p>
@@ -21920,7 +18197,7 @@
         <p:spPr>
           <a:xfrm>
             <a:off x="867104" y="1718442"/>
-            <a:ext cx="3948517" cy="584775"/>
+            <a:ext cx="3820277" cy="584775"/>
           </a:xfrm>
           <a:prstGeom prst="rect">
             <a:avLst/>
@@ -21935,7 +18212,7 @@
           <a:p>
             <a:r>
               <a:rPr lang="en-US" sz="3200" dirty="0" err="1"/>
-              <a:t>G_ComparisonCloud.R</a:t>
+              <a:t>J_ComparisonCloud.R</a:t>
             </a:r>
             <a:endParaRPr lang="en-US" sz="3200" dirty="0"/>
           </a:p>
@@ -22031,6 +18308,735 @@
     <p:extLst>
       <p:ext uri="{BB962C8B-B14F-4D97-AF65-F5344CB8AC3E}">
         <p14:creationId xmlns:p14="http://schemas.microsoft.com/office/powerpoint/2010/main" val="3633659175"/>
+      </p:ext>
+    </p:extLst>
+  </p:cSld>
+  <p:clrMapOvr>
+    <a:masterClrMapping/>
+  </p:clrMapOvr>
+</p:sld>
+</file>
+
+<file path=ppt/slides/slide3.xml><?xml version="1.0" encoding="utf-8"?>
+<p:sld xmlns:a="http://schemas.openxmlformats.org/drawingml/2006/main" xmlns:r="http://schemas.openxmlformats.org/officeDocument/2006/relationships" xmlns:p="http://schemas.openxmlformats.org/presentationml/2006/main">
+  <p:cSld>
+    <p:spTree>
+      <p:nvGrpSpPr>
+        <p:cNvPr id="1" name=""/>
+        <p:cNvGrpSpPr/>
+        <p:nvPr/>
+      </p:nvGrpSpPr>
+      <p:grpSpPr>
+        <a:xfrm>
+          <a:off x="0" y="0"/>
+          <a:ext cx="0" cy="0"/>
+          <a:chOff x="0" y="0"/>
+          <a:chExt cx="0" cy="0"/>
+        </a:xfrm>
+      </p:grpSpPr>
+      <p:sp>
+        <p:nvSpPr>
+          <p:cNvPr id="11" name="Rectangle 10">
+            <a:extLst>
+              <a:ext uri="{FF2B5EF4-FFF2-40B4-BE49-F238E27FC236}">
+                <a16:creationId xmlns:a16="http://schemas.microsoft.com/office/drawing/2014/main" id="{C246B7D1-453D-487B-B491-889C15C460F6}"/>
+              </a:ext>
+            </a:extLst>
+          </p:cNvPr>
+          <p:cNvSpPr/>
+          <p:nvPr/>
+        </p:nvSpPr>
+        <p:spPr>
+          <a:xfrm>
+            <a:off x="141891" y="2025076"/>
+            <a:ext cx="8860219" cy="3582348"/>
+          </a:xfrm>
+          <a:prstGeom prst="rect">
+            <a:avLst/>
+          </a:prstGeom>
+          <a:solidFill>
+            <a:schemeClr val="bg1"/>
+          </a:solidFill>
+          <a:ln w="9525">
+            <a:solidFill>
+              <a:schemeClr val="bg2"/>
+            </a:solidFill>
+          </a:ln>
+        </p:spPr>
+        <p:style>
+          <a:lnRef idx="2">
+            <a:schemeClr val="accent1">
+              <a:shade val="50000"/>
+            </a:schemeClr>
+          </a:lnRef>
+          <a:fillRef idx="1">
+            <a:schemeClr val="accent1"/>
+          </a:fillRef>
+          <a:effectRef idx="0">
+            <a:schemeClr val="accent1"/>
+          </a:effectRef>
+          <a:fontRef idx="minor">
+            <a:schemeClr val="lt1"/>
+          </a:fontRef>
+        </p:style>
+        <p:txBody>
+          <a:bodyPr lIns="88900" tIns="88900" rIns="88900" bIns="88900" rtlCol="0" anchor="t" anchorCtr="0"/>
+          <a:lstStyle/>
+          <a:p>
+            <a:pPr defTabSz="457200"/>
+            <a:endParaRPr lang="en-US" sz="1000" dirty="0">
+              <a:solidFill>
+                <a:schemeClr val="tx2"/>
+              </a:solidFill>
+            </a:endParaRPr>
+          </a:p>
+        </p:txBody>
+      </p:sp>
+      <p:sp>
+        <p:nvSpPr>
+          <p:cNvPr id="12" name="Rectangle 11">
+            <a:extLst>
+              <a:ext uri="{FF2B5EF4-FFF2-40B4-BE49-F238E27FC236}">
+                <a16:creationId xmlns:a16="http://schemas.microsoft.com/office/drawing/2014/main" id="{2C95F845-8979-407C-9F4E-6FBCB9476B2D}"/>
+              </a:ext>
+            </a:extLst>
+          </p:cNvPr>
+          <p:cNvSpPr/>
+          <p:nvPr/>
+        </p:nvSpPr>
+        <p:spPr>
+          <a:xfrm>
+            <a:off x="141890" y="1671145"/>
+            <a:ext cx="8860220" cy="331076"/>
+          </a:xfrm>
+          <a:prstGeom prst="rect">
+            <a:avLst/>
+          </a:prstGeom>
+          <a:solidFill>
+            <a:schemeClr val="accent3"/>
+          </a:solidFill>
+          <a:ln w="9525">
+            <a:solidFill>
+              <a:schemeClr val="accent3"/>
+            </a:solidFill>
+          </a:ln>
+        </p:spPr>
+        <p:style>
+          <a:lnRef idx="2">
+            <a:schemeClr val="accent1">
+              <a:shade val="50000"/>
+            </a:schemeClr>
+          </a:lnRef>
+          <a:fillRef idx="1">
+            <a:schemeClr val="accent1"/>
+          </a:fillRef>
+          <a:effectRef idx="0">
+            <a:schemeClr val="accent1"/>
+          </a:effectRef>
+          <a:fontRef idx="minor">
+            <a:schemeClr val="lt1"/>
+          </a:fontRef>
+        </p:style>
+        <p:txBody>
+          <a:bodyPr lIns="88900" tIns="88900" rIns="88900" bIns="88900" rtlCol="0" anchor="ctr"/>
+          <a:lstStyle/>
+          <a:p>
+            <a:r>
+              <a:rPr lang="en-US" sz="1200" b="1" dirty="0">
+                <a:solidFill>
+                  <a:schemeClr val="bg1"/>
+                </a:solidFill>
+              </a:rPr>
+              <a:t>Within R</a:t>
+            </a:r>
+          </a:p>
+        </p:txBody>
+      </p:sp>
+      <p:sp>
+        <p:nvSpPr>
+          <p:cNvPr id="2" name="Date Placeholder 1"/>
+          <p:cNvSpPr>
+            <a:spLocks noGrp="1"/>
+          </p:cNvSpPr>
+          <p:nvPr>
+            <p:ph type="dt" sz="half" idx="10"/>
+          </p:nvPr>
+        </p:nvSpPr>
+        <p:spPr/>
+        <p:txBody>
+          <a:bodyPr/>
+          <a:lstStyle/>
+          <a:p>
+            <a:fld id="{6700A58B-DD98-43D0-B791-721480A02982}" type="datetime1">
+              <a:rPr lang="en-US" smtClean="0"/>
+              <a:pPr/>
+              <a:t>1/18/22</a:t>
+            </a:fld>
+            <a:endParaRPr lang="en-US"/>
+          </a:p>
+        </p:txBody>
+      </p:sp>
+      <p:sp>
+        <p:nvSpPr>
+          <p:cNvPr id="3" name="Title 2"/>
+          <p:cNvSpPr>
+            <a:spLocks noGrp="1"/>
+          </p:cNvSpPr>
+          <p:nvPr>
+            <p:ph type="title"/>
+          </p:nvPr>
+        </p:nvSpPr>
+        <p:spPr/>
+        <p:txBody>
+          <a:bodyPr/>
+          <a:lstStyle/>
+          <a:p>
+            <a:r>
+              <a:rPr lang="en-US"/>
+              <a:t>Changing Tokenization Schema</a:t>
+            </a:r>
+            <a:endParaRPr lang="en-US" dirty="0"/>
+          </a:p>
+        </p:txBody>
+      </p:sp>
+      <p:sp>
+        <p:nvSpPr>
+          <p:cNvPr id="5" name="Footer Placeholder 4"/>
+          <p:cNvSpPr>
+            <a:spLocks noGrp="1"/>
+          </p:cNvSpPr>
+          <p:nvPr>
+            <p:ph type="ftr" sz="quarter" idx="3"/>
+          </p:nvPr>
+        </p:nvSpPr>
+        <p:spPr/>
+        <p:txBody>
+          <a:bodyPr/>
+          <a:lstStyle/>
+          <a:p>
+            <a:r>
+              <a:rPr lang="en-US"/>
+              <a:t>Kwartler</a:t>
+            </a:r>
+            <a:endParaRPr lang="en-US" dirty="0"/>
+          </a:p>
+        </p:txBody>
+      </p:sp>
+      <p:sp>
+        <p:nvSpPr>
+          <p:cNvPr id="4" name="Slide Number Placeholder 3"/>
+          <p:cNvSpPr>
+            <a:spLocks noGrp="1"/>
+          </p:cNvSpPr>
+          <p:nvPr>
+            <p:ph type="sldNum" sz="quarter" idx="4"/>
+          </p:nvPr>
+        </p:nvSpPr>
+        <p:spPr/>
+        <p:txBody>
+          <a:bodyPr/>
+          <a:lstStyle/>
+          <a:p>
+            <a:fld id="{37290FF7-652B-4475-AEAB-8B1A5D23AE09}" type="slidenum">
+              <a:rPr lang="en-US" smtClean="0"/>
+              <a:pPr/>
+              <a:t>3</a:t>
+            </a:fld>
+            <a:endParaRPr lang="en-US"/>
+          </a:p>
+        </p:txBody>
+      </p:sp>
+      <p:sp>
+        <p:nvSpPr>
+          <p:cNvPr id="13" name="TextBox 12">
+            <a:extLst>
+              <a:ext uri="{FF2B5EF4-FFF2-40B4-BE49-F238E27FC236}">
+                <a16:creationId xmlns:a16="http://schemas.microsoft.com/office/drawing/2014/main" id="{A5A3EE36-0573-4214-8E8B-E9BD628BC999}"/>
+              </a:ext>
+            </a:extLst>
+          </p:cNvPr>
+          <p:cNvSpPr txBox="1"/>
+          <p:nvPr/>
+        </p:nvSpPr>
+        <p:spPr>
+          <a:xfrm>
+            <a:off x="157656" y="1130091"/>
+            <a:ext cx="8828688" cy="340806"/>
+          </a:xfrm>
+          <a:prstGeom prst="rect">
+            <a:avLst/>
+          </a:prstGeom>
+          <a:solidFill>
+            <a:schemeClr val="accent6">
+              <a:lumMod val="60000"/>
+              <a:lumOff val="40000"/>
+            </a:schemeClr>
+          </a:solidFill>
+        </p:spPr>
+        <p:txBody>
+          <a:bodyPr wrap="square" rtlCol="0">
+            <a:spAutoFit/>
+          </a:bodyPr>
+          <a:lstStyle/>
+          <a:p>
+            <a:pPr algn="ctr" defTabSz="457200"/>
+            <a:r>
+              <a:rPr lang="en-US" sz="1600" dirty="0">
+                <a:solidFill>
+                  <a:prstClr val="white"/>
+                </a:solidFill>
+                <a:latin typeface="+mj-lt"/>
+                <a:ea typeface="Arial Unicode MS" panose="020B0604020202020204" pitchFamily="34" charset="-128"/>
+                <a:cs typeface="Arial Unicode MS" panose="020B0604020202020204" pitchFamily="34" charset="-128"/>
+              </a:rPr>
+              <a:t>First create a function defining tokenization then add as a control parameter to TDM or DTM.</a:t>
+            </a:r>
+            <a:endParaRPr lang="en-US" sz="1600" kern="1200" dirty="0">
+              <a:solidFill>
+                <a:prstClr val="white"/>
+              </a:solidFill>
+              <a:latin typeface="+mj-lt"/>
+              <a:ea typeface="Arial Unicode MS" panose="020B0604020202020204" pitchFamily="34" charset="-128"/>
+              <a:cs typeface="Arial Unicode MS" panose="020B0604020202020204" pitchFamily="34" charset="-128"/>
+            </a:endParaRPr>
+          </a:p>
+        </p:txBody>
+      </p:sp>
+      <p:sp>
+        <p:nvSpPr>
+          <p:cNvPr id="14" name="Rectangle 13">
+            <a:extLst>
+              <a:ext uri="{FF2B5EF4-FFF2-40B4-BE49-F238E27FC236}">
+                <a16:creationId xmlns:a16="http://schemas.microsoft.com/office/drawing/2014/main" id="{6C96FE2F-7E19-48CB-9942-7E78DB569A67}"/>
+              </a:ext>
+            </a:extLst>
+          </p:cNvPr>
+          <p:cNvSpPr/>
+          <p:nvPr/>
+        </p:nvSpPr>
+        <p:spPr>
+          <a:xfrm>
+            <a:off x="197069" y="2097871"/>
+            <a:ext cx="8749862" cy="738664"/>
+          </a:xfrm>
+          <a:prstGeom prst="rect">
+            <a:avLst/>
+          </a:prstGeom>
+          <a:solidFill>
+            <a:schemeClr val="bg1">
+              <a:lumMod val="85000"/>
+            </a:schemeClr>
+          </a:solidFill>
+        </p:spPr>
+        <p:txBody>
+          <a:bodyPr wrap="square">
+            <a:spAutoFit/>
+          </a:bodyPr>
+          <a:lstStyle/>
+          <a:p>
+            <a:pPr defTabSz="457200"/>
+            <a:r>
+              <a:rPr lang="en-US" sz="1400" kern="1200" dirty="0">
+                <a:solidFill>
+                  <a:prstClr val="black"/>
+                </a:solidFill>
+                <a:latin typeface="Consolas" panose="020B0609020204030204" pitchFamily="49" charset="0"/>
+                <a:ea typeface="Arial Unicode MS" panose="020B0604020202020204" pitchFamily="34" charset="-128"/>
+                <a:cs typeface="Consolas" panose="020B0609020204030204" pitchFamily="49" charset="0"/>
+              </a:rPr>
+              <a:t>#bigram token maker</a:t>
+            </a:r>
+          </a:p>
+          <a:p>
+            <a:pPr defTabSz="457200"/>
+            <a:r>
+              <a:rPr lang="en-US" sz="1400" kern="1200" dirty="0" err="1">
+                <a:solidFill>
+                  <a:prstClr val="black"/>
+                </a:solidFill>
+                <a:latin typeface="Consolas" panose="020B0609020204030204" pitchFamily="49" charset="0"/>
+                <a:ea typeface="Arial Unicode MS" panose="020B0604020202020204" pitchFamily="34" charset="-128"/>
+                <a:cs typeface="Consolas" panose="020B0609020204030204" pitchFamily="49" charset="0"/>
+              </a:rPr>
+              <a:t>bigramTokens</a:t>
+            </a:r>
+            <a:r>
+              <a:rPr lang="en-US" sz="1400" kern="1200" dirty="0">
+                <a:solidFill>
+                  <a:prstClr val="black"/>
+                </a:solidFill>
+                <a:latin typeface="Consolas" panose="020B0609020204030204" pitchFamily="49" charset="0"/>
+                <a:ea typeface="Arial Unicode MS" panose="020B0604020202020204" pitchFamily="34" charset="-128"/>
+                <a:cs typeface="Consolas" panose="020B0609020204030204" pitchFamily="49" charset="0"/>
+              </a:rPr>
+              <a:t> &lt;-function(x)</a:t>
+            </a:r>
+          </a:p>
+          <a:p>
+            <a:pPr defTabSz="457200"/>
+            <a:r>
+              <a:rPr lang="en-US" sz="1400" kern="1200" dirty="0">
+                <a:solidFill>
+                  <a:prstClr val="black"/>
+                </a:solidFill>
+                <a:latin typeface="Consolas" panose="020B0609020204030204" pitchFamily="49" charset="0"/>
+                <a:ea typeface="Arial Unicode MS" panose="020B0604020202020204" pitchFamily="34" charset="-128"/>
+                <a:cs typeface="Consolas" panose="020B0609020204030204" pitchFamily="49" charset="0"/>
+              </a:rPr>
+              <a:t>  </a:t>
+            </a:r>
+            <a:r>
+              <a:rPr lang="en-US" sz="1400" kern="1200" dirty="0" err="1">
+                <a:solidFill>
+                  <a:prstClr val="black"/>
+                </a:solidFill>
+                <a:latin typeface="Consolas" panose="020B0609020204030204" pitchFamily="49" charset="0"/>
+                <a:ea typeface="Arial Unicode MS" panose="020B0604020202020204" pitchFamily="34" charset="-128"/>
+                <a:cs typeface="Consolas" panose="020B0609020204030204" pitchFamily="49" charset="0"/>
+              </a:rPr>
+              <a:t>unlist</a:t>
+            </a:r>
+            <a:r>
+              <a:rPr lang="en-US" sz="1400" kern="1200" dirty="0">
+                <a:solidFill>
+                  <a:prstClr val="black"/>
+                </a:solidFill>
+                <a:latin typeface="Consolas" panose="020B0609020204030204" pitchFamily="49" charset="0"/>
+                <a:ea typeface="Arial Unicode MS" panose="020B0604020202020204" pitchFamily="34" charset="-128"/>
+                <a:cs typeface="Consolas" panose="020B0609020204030204" pitchFamily="49" charset="0"/>
+              </a:rPr>
+              <a:t>(</a:t>
+            </a:r>
+            <a:r>
+              <a:rPr lang="en-US" sz="1400" kern="1200" dirty="0" err="1">
+                <a:solidFill>
+                  <a:prstClr val="black"/>
+                </a:solidFill>
+                <a:latin typeface="Consolas" panose="020B0609020204030204" pitchFamily="49" charset="0"/>
+                <a:ea typeface="Arial Unicode MS" panose="020B0604020202020204" pitchFamily="34" charset="-128"/>
+                <a:cs typeface="Consolas" panose="020B0609020204030204" pitchFamily="49" charset="0"/>
+              </a:rPr>
+              <a:t>lapply</a:t>
+            </a:r>
+            <a:r>
+              <a:rPr lang="en-US" sz="1400" kern="1200" dirty="0">
+                <a:solidFill>
+                  <a:prstClr val="black"/>
+                </a:solidFill>
+                <a:latin typeface="Consolas" panose="020B0609020204030204" pitchFamily="49" charset="0"/>
+                <a:ea typeface="Arial Unicode MS" panose="020B0604020202020204" pitchFamily="34" charset="-128"/>
+                <a:cs typeface="Consolas" panose="020B0609020204030204" pitchFamily="49" charset="0"/>
+              </a:rPr>
+              <a:t>(NLP::</a:t>
+            </a:r>
+            <a:r>
+              <a:rPr lang="en-US" sz="1400" kern="1200" dirty="0" err="1">
+                <a:solidFill>
+                  <a:prstClr val="black"/>
+                </a:solidFill>
+                <a:latin typeface="Consolas" panose="020B0609020204030204" pitchFamily="49" charset="0"/>
+                <a:ea typeface="Arial Unicode MS" panose="020B0604020202020204" pitchFamily="34" charset="-128"/>
+                <a:cs typeface="Consolas" panose="020B0609020204030204" pitchFamily="49" charset="0"/>
+              </a:rPr>
+              <a:t>ngrams</a:t>
+            </a:r>
+            <a:r>
+              <a:rPr lang="en-US" sz="1400" kern="1200" dirty="0">
+                <a:solidFill>
+                  <a:prstClr val="black"/>
+                </a:solidFill>
+                <a:latin typeface="Consolas" panose="020B0609020204030204" pitchFamily="49" charset="0"/>
+                <a:ea typeface="Arial Unicode MS" panose="020B0604020202020204" pitchFamily="34" charset="-128"/>
+                <a:cs typeface="Consolas" panose="020B0609020204030204" pitchFamily="49" charset="0"/>
+              </a:rPr>
+              <a:t>(words(x), 2), paste, collapse = " "), </a:t>
+            </a:r>
+            <a:r>
+              <a:rPr lang="en-US" sz="1400" kern="1200" dirty="0" err="1">
+                <a:solidFill>
+                  <a:prstClr val="black"/>
+                </a:solidFill>
+                <a:latin typeface="Consolas" panose="020B0609020204030204" pitchFamily="49" charset="0"/>
+                <a:ea typeface="Arial Unicode MS" panose="020B0604020202020204" pitchFamily="34" charset="-128"/>
+                <a:cs typeface="Consolas" panose="020B0609020204030204" pitchFamily="49" charset="0"/>
+              </a:rPr>
+              <a:t>use.names</a:t>
+            </a:r>
+            <a:r>
+              <a:rPr lang="en-US" sz="1400" kern="1200" dirty="0">
+                <a:solidFill>
+                  <a:prstClr val="black"/>
+                </a:solidFill>
+                <a:latin typeface="Consolas" panose="020B0609020204030204" pitchFamily="49" charset="0"/>
+                <a:ea typeface="Arial Unicode MS" panose="020B0604020202020204" pitchFamily="34" charset="-128"/>
+                <a:cs typeface="Consolas" panose="020B0609020204030204" pitchFamily="49" charset="0"/>
+              </a:rPr>
+              <a:t> = FALSE)</a:t>
+            </a:r>
+          </a:p>
+        </p:txBody>
+      </p:sp>
+      <p:sp>
+        <p:nvSpPr>
+          <p:cNvPr id="15" name="Rectangle 14">
+            <a:extLst>
+              <a:ext uri="{FF2B5EF4-FFF2-40B4-BE49-F238E27FC236}">
+                <a16:creationId xmlns:a16="http://schemas.microsoft.com/office/drawing/2014/main" id="{2527D424-4DA2-4B6A-970C-CF74FF337084}"/>
+              </a:ext>
+            </a:extLst>
+          </p:cNvPr>
+          <p:cNvSpPr/>
+          <p:nvPr/>
+        </p:nvSpPr>
+        <p:spPr>
+          <a:xfrm>
+            <a:off x="197069" y="2946446"/>
+            <a:ext cx="7017252" cy="307777"/>
+          </a:xfrm>
+          <a:prstGeom prst="rect">
+            <a:avLst/>
+          </a:prstGeom>
+          <a:solidFill>
+            <a:schemeClr val="bg1">
+              <a:lumMod val="85000"/>
+            </a:schemeClr>
+          </a:solidFill>
+        </p:spPr>
+        <p:txBody>
+          <a:bodyPr wrap="square">
+            <a:spAutoFit/>
+          </a:bodyPr>
+          <a:lstStyle/>
+          <a:p>
+            <a:pPr defTabSz="457200"/>
+            <a:r>
+              <a:rPr lang="en-US" sz="1200" kern="1200" dirty="0" err="1">
+                <a:solidFill>
+                  <a:prstClr val="black"/>
+                </a:solidFill>
+                <a:latin typeface="Consolas" panose="020B0609020204030204" pitchFamily="49" charset="0"/>
+                <a:ea typeface="Arial Unicode MS" panose="020B0604020202020204" pitchFamily="34" charset="-128"/>
+                <a:cs typeface="Consolas" panose="020B0609020204030204" pitchFamily="49" charset="0"/>
+              </a:rPr>
+              <a:t>wineTDM</a:t>
+            </a:r>
+            <a:r>
+              <a:rPr lang="en-US" sz="1200" kern="1200" dirty="0">
+                <a:solidFill>
+                  <a:prstClr val="black"/>
+                </a:solidFill>
+                <a:latin typeface="Consolas" panose="020B0609020204030204" pitchFamily="49" charset="0"/>
+                <a:ea typeface="Arial Unicode MS" panose="020B0604020202020204" pitchFamily="34" charset="-128"/>
+                <a:cs typeface="Consolas" panose="020B0609020204030204" pitchFamily="49" charset="0"/>
+              </a:rPr>
+              <a:t>&lt;-</a:t>
+            </a:r>
+            <a:r>
+              <a:rPr lang="en-US" sz="1400" kern="1200" dirty="0" err="1">
+                <a:solidFill>
+                  <a:prstClr val="black"/>
+                </a:solidFill>
+                <a:latin typeface="Consolas" panose="020B0609020204030204" pitchFamily="49" charset="0"/>
+                <a:ea typeface="Arial Unicode MS" panose="020B0604020202020204" pitchFamily="34" charset="-128"/>
+                <a:cs typeface="Consolas" panose="020B0609020204030204" pitchFamily="49" charset="0"/>
+              </a:rPr>
+              <a:t>TermDocumentMatrix</a:t>
+            </a:r>
+            <a:r>
+              <a:rPr lang="en-US" sz="1400" kern="1200" dirty="0">
+                <a:solidFill>
+                  <a:prstClr val="black"/>
+                </a:solidFill>
+                <a:latin typeface="Consolas" panose="020B0609020204030204" pitchFamily="49" charset="0"/>
+                <a:ea typeface="Arial Unicode MS" panose="020B0604020202020204" pitchFamily="34" charset="-128"/>
+                <a:cs typeface="Consolas" panose="020B0609020204030204" pitchFamily="49" charset="0"/>
+              </a:rPr>
+              <a:t>(</a:t>
+            </a:r>
+            <a:r>
+              <a:rPr lang="en-US" sz="1400" kern="1200" dirty="0" err="1">
+                <a:solidFill>
+                  <a:prstClr val="black"/>
+                </a:solidFill>
+                <a:latin typeface="Consolas" panose="020B0609020204030204" pitchFamily="49" charset="0"/>
+                <a:ea typeface="Arial Unicode MS" panose="020B0604020202020204" pitchFamily="34" charset="-128"/>
+                <a:cs typeface="Consolas" panose="020B0609020204030204" pitchFamily="49" charset="0"/>
+              </a:rPr>
+              <a:t>txtCorpus</a:t>
+            </a:r>
+            <a:r>
+              <a:rPr lang="en-US" sz="1200" kern="1200" dirty="0">
+                <a:solidFill>
+                  <a:prstClr val="black"/>
+                </a:solidFill>
+                <a:latin typeface="Consolas" panose="020B0609020204030204" pitchFamily="49" charset="0"/>
+                <a:ea typeface="Arial Unicode MS" panose="020B0604020202020204" pitchFamily="34" charset="-128"/>
+                <a:cs typeface="Consolas" panose="020B0609020204030204" pitchFamily="49" charset="0"/>
+              </a:rPr>
+              <a:t>, control=list(tokenize=</a:t>
+            </a:r>
+            <a:r>
+              <a:rPr lang="en-US" sz="1200" kern="1200" dirty="0" err="1">
+                <a:solidFill>
+                  <a:prstClr val="black"/>
+                </a:solidFill>
+                <a:latin typeface="Consolas" panose="020B0609020204030204" pitchFamily="49" charset="0"/>
+                <a:ea typeface="Arial Unicode MS" panose="020B0604020202020204" pitchFamily="34" charset="-128"/>
+                <a:cs typeface="Consolas" panose="020B0609020204030204" pitchFamily="49" charset="0"/>
+              </a:rPr>
+              <a:t>bigramTokens</a:t>
+            </a:r>
+            <a:r>
+              <a:rPr lang="en-US" sz="1200" kern="1200" dirty="0">
+                <a:solidFill>
+                  <a:prstClr val="black"/>
+                </a:solidFill>
+                <a:latin typeface="Consolas" panose="020B0609020204030204" pitchFamily="49" charset="0"/>
+                <a:ea typeface="Arial Unicode MS" panose="020B0604020202020204" pitchFamily="34" charset="-128"/>
+                <a:cs typeface="Consolas" panose="020B0609020204030204" pitchFamily="49" charset="0"/>
+              </a:rPr>
+              <a:t>))</a:t>
+            </a:r>
+          </a:p>
+        </p:txBody>
+      </p:sp>
+      <p:pic>
+        <p:nvPicPr>
+          <p:cNvPr id="16" name="Picture 2" descr="Image result for NLP  meme">
+            <a:extLst>
+              <a:ext uri="{FF2B5EF4-FFF2-40B4-BE49-F238E27FC236}">
+                <a16:creationId xmlns:a16="http://schemas.microsoft.com/office/drawing/2014/main" id="{8F8F3932-9559-4796-94CE-420F11DB60DE}"/>
+              </a:ext>
+            </a:extLst>
+          </p:cNvPr>
+          <p:cNvPicPr>
+            <a:picLocks noChangeAspect="1" noChangeArrowheads="1"/>
+          </p:cNvPicPr>
+          <p:nvPr/>
+        </p:nvPicPr>
+        <p:blipFill>
+          <a:blip r:embed="rId2">
+            <a:extLst>
+              <a:ext uri="{28A0092B-C50C-407E-A947-70E740481C1C}">
+                <a14:useLocalDpi xmlns:a14="http://schemas.microsoft.com/office/drawing/2010/main" val="0"/>
+              </a:ext>
+            </a:extLst>
+          </a:blip>
+          <a:srcRect/>
+          <a:stretch>
+            <a:fillRect/>
+          </a:stretch>
+        </p:blipFill>
+        <p:spPr bwMode="auto">
+          <a:xfrm>
+            <a:off x="3452854" y="3334794"/>
+            <a:ext cx="2238292" cy="2227293"/>
+          </a:xfrm>
+          <a:prstGeom prst="rect">
+            <a:avLst/>
+          </a:prstGeom>
+          <a:noFill/>
+          <a:extLst>
+            <a:ext uri="{909E8E84-426E-40DD-AFC4-6F175D3DCCD1}">
+              <a14:hiddenFill xmlns:a14="http://schemas.microsoft.com/office/drawing/2010/main">
+                <a:solidFill>
+                  <a:srgbClr val="FFFFFF"/>
+                </a:solidFill>
+              </a14:hiddenFill>
+            </a:ext>
+          </a:extLst>
+        </p:spPr>
+      </p:pic>
+      <p:cxnSp>
+        <p:nvCxnSpPr>
+          <p:cNvPr id="17" name="Straight Connector 16">
+            <a:extLst>
+              <a:ext uri="{FF2B5EF4-FFF2-40B4-BE49-F238E27FC236}">
+                <a16:creationId xmlns:a16="http://schemas.microsoft.com/office/drawing/2014/main" id="{90F168D2-8199-6044-8A07-31ED6B366506}"/>
+              </a:ext>
+            </a:extLst>
+          </p:cNvPr>
+          <p:cNvCxnSpPr/>
+          <p:nvPr/>
+        </p:nvCxnSpPr>
+        <p:spPr>
+          <a:xfrm>
+            <a:off x="6798363" y="6549885"/>
+            <a:ext cx="0" cy="182880"/>
+          </a:xfrm>
+          <a:prstGeom prst="line">
+            <a:avLst/>
+          </a:prstGeom>
+          <a:ln>
+            <a:solidFill>
+              <a:schemeClr val="bg1">
+                <a:lumMod val="85000"/>
+              </a:schemeClr>
+            </a:solidFill>
+          </a:ln>
+        </p:spPr>
+        <p:style>
+          <a:lnRef idx="1">
+            <a:schemeClr val="accent1"/>
+          </a:lnRef>
+          <a:fillRef idx="0">
+            <a:schemeClr val="accent1"/>
+          </a:fillRef>
+          <a:effectRef idx="0">
+            <a:schemeClr val="accent1"/>
+          </a:effectRef>
+          <a:fontRef idx="minor">
+            <a:schemeClr val="tx1"/>
+          </a:fontRef>
+        </p:style>
+      </p:cxnSp>
+      <p:cxnSp>
+        <p:nvCxnSpPr>
+          <p:cNvPr id="18" name="Straight Connector 17">
+            <a:extLst>
+              <a:ext uri="{FF2B5EF4-FFF2-40B4-BE49-F238E27FC236}">
+                <a16:creationId xmlns:a16="http://schemas.microsoft.com/office/drawing/2014/main" id="{9C654BCF-9273-FE4D-AC9D-804EC4BE03D9}"/>
+              </a:ext>
+            </a:extLst>
+          </p:cNvPr>
+          <p:cNvCxnSpPr/>
+          <p:nvPr/>
+        </p:nvCxnSpPr>
+        <p:spPr>
+          <a:xfrm>
+            <a:off x="7076661" y="4664763"/>
+            <a:ext cx="182880" cy="0"/>
+          </a:xfrm>
+          <a:prstGeom prst="line">
+            <a:avLst/>
+          </a:prstGeom>
+          <a:ln>
+            <a:solidFill>
+              <a:schemeClr val="bg1">
+                <a:lumMod val="85000"/>
+              </a:schemeClr>
+            </a:solidFill>
+          </a:ln>
+        </p:spPr>
+        <p:style>
+          <a:lnRef idx="1">
+            <a:schemeClr val="accent1"/>
+          </a:lnRef>
+          <a:fillRef idx="0">
+            <a:schemeClr val="accent1"/>
+          </a:fillRef>
+          <a:effectRef idx="0">
+            <a:schemeClr val="accent1"/>
+          </a:effectRef>
+          <a:fontRef idx="minor">
+            <a:schemeClr val="tx1"/>
+          </a:fontRef>
+        </p:style>
+      </p:cxnSp>
+    </p:spTree>
+    <p:extLst>
+      <p:ext uri="{BB962C8B-B14F-4D97-AF65-F5344CB8AC3E}">
+        <p14:creationId xmlns:p14="http://schemas.microsoft.com/office/powerpoint/2010/main" val="2195443379"/>
       </p:ext>
     </p:extLst>
   </p:cSld>
@@ -22193,7 +19199,7 @@
             <a:fld id="{6700A58B-DD98-43D0-B791-721480A02982}" type="datetime1">
               <a:rPr lang="en-US" smtClean="0"/>
               <a:pPr/>
-              <a:t>2/25/21</a:t>
+              <a:t>1/18/22</a:t>
             </a:fld>
             <a:endParaRPr lang="en-US"/>
           </a:p>
@@ -25182,7 +22188,7 @@
             <a:fld id="{6700A58B-DD98-43D0-B791-721480A02982}" type="datetime1">
               <a:rPr lang="en-US" smtClean="0"/>
               <a:pPr/>
-              <a:t>2/25/21</a:t>
+              <a:t>1/18/22</a:t>
             </a:fld>
             <a:endParaRPr lang="en-US"/>
           </a:p>
@@ -26075,7 +23081,7 @@
             <a:fld id="{6700A58B-DD98-43D0-B791-721480A02982}" type="datetime1">
               <a:rPr lang="en-US" smtClean="0"/>
               <a:pPr/>
-              <a:t>2/25/21</a:t>
+              <a:t>1/18/22</a:t>
             </a:fld>
             <a:endParaRPr lang="en-US"/>
           </a:p>
@@ -27193,7 +24199,7 @@
             <a:fld id="{6700A58B-DD98-43D0-B791-721480A02982}" type="datetime1">
               <a:rPr lang="en-US" smtClean="0"/>
               <a:pPr/>
-              <a:t>2/25/21</a:t>
+              <a:t>1/18/22</a:t>
             </a:fld>
             <a:endParaRPr lang="en-US"/>
           </a:p>
@@ -27586,7 +24592,7 @@
             <a:fld id="{6700A58B-DD98-43D0-B791-721480A02982}" type="datetime1">
               <a:rPr lang="en-US" smtClean="0"/>
               <a:pPr/>
-              <a:t>2/25/21</a:t>
+              <a:t>1/18/22</a:t>
             </a:fld>
             <a:endParaRPr lang="en-US"/>
           </a:p>
@@ -27988,7 +24994,7 @@
           <a:p>
             <a:fld id="{6700A58B-DD98-43D0-B791-721480A02982}" type="datetime1">
               <a:rPr lang="en-US" smtClean="0"/>
-              <a:t>2/25/21</a:t>
+              <a:t>1/18/22</a:t>
             </a:fld>
             <a:endParaRPr lang="en-US"/>
           </a:p>
@@ -28112,7 +25118,7 @@
           <a:p>
             <a:r>
               <a:rPr lang="en-US" dirty="0" err="1"/>
-              <a:t>D_SimpleWordCloud.R</a:t>
+              <a:t>H_SimpleWordCloud.R</a:t>
             </a:r>
             <a:endParaRPr lang="en-US" dirty="0"/>
           </a:p>
